--- a/paper/ABC2021BentoChallenge/figures/figures.pptx
+++ b/paper/ABC2021BentoChallenge/figures/figures.pptx
@@ -105,6 +105,11 @@
       </a:defRPr>
     </a:lvl9pPr>
   </p:defaultTextStyle>
+  <p:extLst>
+    <p:ext uri="{EFAFB233-063F-42B5-8137-9DF3F51BA10A}">
+      <p15:sldGuideLst xmlns:p15="http://schemas.microsoft.com/office/powerpoint/2012/main"/>
+    </p:ext>
+  </p:extLst>
 </p:presentation>
 </file>
 
@@ -3721,10 +3726,10 @@
       </p:grpSpPr>
       <p:grpSp>
         <p:nvGrpSpPr>
-          <p:cNvPr id="37" name="グループ化 36">
-            <a:extLst>
-              <a:ext uri="{FF2B5EF4-FFF2-40B4-BE49-F238E27FC236}">
-                <a16:creationId xmlns:a16="http://schemas.microsoft.com/office/drawing/2014/main" id="{37111840-A8FA-456F-8B85-CFC38BBE6B63}"/>
+          <p:cNvPr id="2" name="グループ化 1">
+            <a:extLst>
+              <a:ext uri="{FF2B5EF4-FFF2-40B4-BE49-F238E27FC236}">
+                <a16:creationId xmlns:a16="http://schemas.microsoft.com/office/drawing/2014/main" id="{21C96860-438D-404F-8FA9-0FC4CA85441B}"/>
               </a:ext>
             </a:extLst>
           </p:cNvPr>
@@ -3733,413 +3738,12 @@
         </p:nvGrpSpPr>
         <p:grpSpPr>
           <a:xfrm>
-            <a:off x="3028445" y="948814"/>
-            <a:ext cx="5608484" cy="4795836"/>
-            <a:chOff x="2155608" y="932189"/>
-            <a:chExt cx="5608484" cy="4795836"/>
+            <a:off x="2721233" y="1081797"/>
+            <a:ext cx="4550155" cy="5002704"/>
+            <a:chOff x="2721233" y="1081797"/>
+            <a:chExt cx="4550155" cy="5002704"/>
           </a:xfrm>
         </p:grpSpPr>
-        <p:pic>
-          <p:nvPicPr>
-            <p:cNvPr id="29" name="図 28">
-              <a:extLst>
-                <a:ext uri="{FF2B5EF4-FFF2-40B4-BE49-F238E27FC236}">
-                  <a16:creationId xmlns:a16="http://schemas.microsoft.com/office/drawing/2014/main" id="{962B4E47-C54D-4D04-9D59-8061BBDC23DE}"/>
-                </a:ext>
-              </a:extLst>
-            </p:cNvPr>
-            <p:cNvPicPr>
-              <a:picLocks noChangeAspect="1"/>
-            </p:cNvPicPr>
-            <p:nvPr/>
-          </p:nvPicPr>
-          <p:blipFill rotWithShape="1">
-            <a:blip r:embed="rId2"/>
-            <a:srcRect r="83125"/>
-            <a:stretch/>
-          </p:blipFill>
-          <p:spPr>
-            <a:xfrm>
-              <a:off x="3619127" y="932189"/>
-              <a:ext cx="1135754" cy="4407790"/>
-            </a:xfrm>
-            <a:prstGeom prst="rect">
-              <a:avLst/>
-            </a:prstGeom>
-          </p:spPr>
-        </p:pic>
-        <p:sp>
-          <p:nvSpPr>
-            <p:cNvPr id="10" name="正方形/長方形 9">
-              <a:extLst>
-                <a:ext uri="{FF2B5EF4-FFF2-40B4-BE49-F238E27FC236}">
-                  <a16:creationId xmlns:a16="http://schemas.microsoft.com/office/drawing/2014/main" id="{D5F8B295-6F81-4540-8D56-9C7732C15CB4}"/>
-                </a:ext>
-              </a:extLst>
-            </p:cNvPr>
-            <p:cNvSpPr/>
-            <p:nvPr/>
-          </p:nvSpPr>
-          <p:spPr>
-            <a:xfrm>
-              <a:off x="2274595" y="1133840"/>
-              <a:ext cx="565265" cy="4073236"/>
-            </a:xfrm>
-            <a:prstGeom prst="rect">
-              <a:avLst/>
-            </a:prstGeom>
-          </p:spPr>
-          <p:style>
-            <a:lnRef idx="2">
-              <a:schemeClr val="accent1">
-                <a:shade val="50000"/>
-              </a:schemeClr>
-            </a:lnRef>
-            <a:fillRef idx="1">
-              <a:schemeClr val="accent1"/>
-            </a:fillRef>
-            <a:effectRef idx="0">
-              <a:schemeClr val="accent1"/>
-            </a:effectRef>
-            <a:fontRef idx="minor">
-              <a:schemeClr val="lt1"/>
-            </a:fontRef>
-          </p:style>
-          <p:txBody>
-            <a:bodyPr rtlCol="0" anchor="ctr"/>
-            <a:lstStyle/>
-            <a:p>
-              <a:pPr algn="ctr"/>
-              <a:endParaRPr kumimoji="1" lang="ja-JP" altLang="en-US"/>
-            </a:p>
-          </p:txBody>
-        </p:sp>
-        <p:sp>
-          <p:nvSpPr>
-            <p:cNvPr id="11" name="テキスト ボックス 10">
-              <a:extLst>
-                <a:ext uri="{FF2B5EF4-FFF2-40B4-BE49-F238E27FC236}">
-                  <a16:creationId xmlns:a16="http://schemas.microsoft.com/office/drawing/2014/main" id="{D05F558F-7779-4B7B-B3A1-173107CE2E8B}"/>
-                </a:ext>
-              </a:extLst>
-            </p:cNvPr>
-            <p:cNvSpPr txBox="1"/>
-            <p:nvPr/>
-          </p:nvSpPr>
-          <p:spPr>
-            <a:xfrm>
-              <a:off x="3333403" y="5076271"/>
-              <a:ext cx="1540944" cy="261610"/>
-            </a:xfrm>
-            <a:prstGeom prst="rect">
-              <a:avLst/>
-            </a:prstGeom>
-            <a:noFill/>
-          </p:spPr>
-          <p:txBody>
-            <a:bodyPr wrap="square" rtlCol="0">
-              <a:spAutoFit/>
-            </a:bodyPr>
-            <a:lstStyle/>
-            <a:p>
-              <a:r>
-                <a:rPr kumimoji="1" lang="en-US" altLang="ja-JP" sz="1100" dirty="0">
-                  <a:latin typeface="Arial" panose="020B0604020202020204" pitchFamily="34" charset="0"/>
-                  <a:cs typeface="Arial" panose="020B0604020202020204" pitchFamily="34" charset="0"/>
-                </a:rPr>
-                <a:t>Read data process</a:t>
-              </a:r>
-              <a:endParaRPr kumimoji="1" lang="ja-JP" altLang="en-US" sz="1100" dirty="0">
-                <a:latin typeface="Arial" panose="020B0604020202020204" pitchFamily="34" charset="0"/>
-                <a:cs typeface="Arial" panose="020B0604020202020204" pitchFamily="34" charset="0"/>
-              </a:endParaRPr>
-            </a:p>
-          </p:txBody>
-        </p:sp>
-        <p:cxnSp>
-          <p:nvCxnSpPr>
-            <p:cNvPr id="13" name="直線矢印コネクタ 12">
-              <a:extLst>
-                <a:ext uri="{FF2B5EF4-FFF2-40B4-BE49-F238E27FC236}">
-                  <a16:creationId xmlns:a16="http://schemas.microsoft.com/office/drawing/2014/main" id="{FF07E9C3-0F10-44A6-A6AB-841C0FC99685}"/>
-                </a:ext>
-              </a:extLst>
-            </p:cNvPr>
-            <p:cNvCxnSpPr/>
-            <p:nvPr/>
-          </p:nvCxnSpPr>
-          <p:spPr>
-            <a:xfrm flipV="1">
-              <a:off x="2942705" y="1695796"/>
-              <a:ext cx="931026" cy="1213659"/>
-            </a:xfrm>
-            <a:prstGeom prst="straightConnector1">
-              <a:avLst/>
-            </a:prstGeom>
-            <a:ln>
-              <a:tailEnd type="triangle"/>
-            </a:ln>
-          </p:spPr>
-          <p:style>
-            <a:lnRef idx="1">
-              <a:schemeClr val="accent1"/>
-            </a:lnRef>
-            <a:fillRef idx="0">
-              <a:schemeClr val="accent1"/>
-            </a:fillRef>
-            <a:effectRef idx="0">
-              <a:schemeClr val="accent1"/>
-            </a:effectRef>
-            <a:fontRef idx="minor">
-              <a:schemeClr val="tx1"/>
-            </a:fontRef>
-          </p:style>
-        </p:cxnSp>
-        <p:cxnSp>
-          <p:nvCxnSpPr>
-            <p:cNvPr id="15" name="直線矢印コネクタ 14">
-              <a:extLst>
-                <a:ext uri="{FF2B5EF4-FFF2-40B4-BE49-F238E27FC236}">
-                  <a16:creationId xmlns:a16="http://schemas.microsoft.com/office/drawing/2014/main" id="{B207ABCD-E85D-41D8-91D3-C77F7FDB8059}"/>
-                </a:ext>
-              </a:extLst>
-            </p:cNvPr>
-            <p:cNvCxnSpPr/>
-            <p:nvPr/>
-          </p:nvCxnSpPr>
-          <p:spPr>
-            <a:xfrm flipV="1">
-              <a:off x="2926080" y="2310938"/>
-              <a:ext cx="922713" cy="859520"/>
-            </a:xfrm>
-            <a:prstGeom prst="straightConnector1">
-              <a:avLst/>
-            </a:prstGeom>
-            <a:ln>
-              <a:tailEnd type="triangle"/>
-            </a:ln>
-          </p:spPr>
-          <p:style>
-            <a:lnRef idx="1">
-              <a:schemeClr val="accent1"/>
-            </a:lnRef>
-            <a:fillRef idx="0">
-              <a:schemeClr val="accent1"/>
-            </a:fillRef>
-            <a:effectRef idx="0">
-              <a:schemeClr val="accent1"/>
-            </a:effectRef>
-            <a:fontRef idx="minor">
-              <a:schemeClr val="tx1"/>
-            </a:fontRef>
-          </p:style>
-        </p:cxnSp>
-        <p:cxnSp>
-          <p:nvCxnSpPr>
-            <p:cNvPr id="16" name="直線矢印コネクタ 15">
-              <a:extLst>
-                <a:ext uri="{FF2B5EF4-FFF2-40B4-BE49-F238E27FC236}">
-                  <a16:creationId xmlns:a16="http://schemas.microsoft.com/office/drawing/2014/main" id="{351BD391-8C44-41BF-9DA9-9EAB2C7977AB}"/>
-                </a:ext>
-              </a:extLst>
-            </p:cNvPr>
-            <p:cNvCxnSpPr>
-              <a:cxnSpLocks/>
-            </p:cNvCxnSpPr>
-            <p:nvPr/>
-          </p:nvCxnSpPr>
-          <p:spPr>
-            <a:xfrm flipV="1">
-              <a:off x="2942705" y="2740698"/>
-              <a:ext cx="906088" cy="510689"/>
-            </a:xfrm>
-            <a:prstGeom prst="straightConnector1">
-              <a:avLst/>
-            </a:prstGeom>
-            <a:ln>
-              <a:tailEnd type="triangle"/>
-            </a:ln>
-          </p:spPr>
-          <p:style>
-            <a:lnRef idx="1">
-              <a:schemeClr val="accent1"/>
-            </a:lnRef>
-            <a:fillRef idx="0">
-              <a:schemeClr val="accent1"/>
-            </a:fillRef>
-            <a:effectRef idx="0">
-              <a:schemeClr val="accent1"/>
-            </a:effectRef>
-            <a:fontRef idx="minor">
-              <a:schemeClr val="tx1"/>
-            </a:fontRef>
-          </p:style>
-        </p:cxnSp>
-        <p:cxnSp>
-          <p:nvCxnSpPr>
-            <p:cNvPr id="19" name="直線矢印コネクタ 18">
-              <a:extLst>
-                <a:ext uri="{FF2B5EF4-FFF2-40B4-BE49-F238E27FC236}">
-                  <a16:creationId xmlns:a16="http://schemas.microsoft.com/office/drawing/2014/main" id="{715FABA2-09D8-4789-BBE7-649C4DEE45A7}"/>
-                </a:ext>
-              </a:extLst>
-            </p:cNvPr>
-            <p:cNvCxnSpPr>
-              <a:cxnSpLocks/>
-            </p:cNvCxnSpPr>
-            <p:nvPr/>
-          </p:nvCxnSpPr>
-          <p:spPr>
-            <a:xfrm flipV="1">
-              <a:off x="2942705" y="3332316"/>
-              <a:ext cx="781397" cy="6900"/>
-            </a:xfrm>
-            <a:prstGeom prst="straightConnector1">
-              <a:avLst/>
-            </a:prstGeom>
-            <a:ln>
-              <a:tailEnd type="triangle"/>
-            </a:ln>
-          </p:spPr>
-          <p:style>
-            <a:lnRef idx="1">
-              <a:schemeClr val="accent1"/>
-            </a:lnRef>
-            <a:fillRef idx="0">
-              <a:schemeClr val="accent1"/>
-            </a:fillRef>
-            <a:effectRef idx="0">
-              <a:schemeClr val="accent1"/>
-            </a:effectRef>
-            <a:fontRef idx="minor">
-              <a:schemeClr val="tx1"/>
-            </a:fontRef>
-          </p:style>
-        </p:cxnSp>
-        <p:cxnSp>
-          <p:nvCxnSpPr>
-            <p:cNvPr id="22" name="直線矢印コネクタ 21">
-              <a:extLst>
-                <a:ext uri="{FF2B5EF4-FFF2-40B4-BE49-F238E27FC236}">
-                  <a16:creationId xmlns:a16="http://schemas.microsoft.com/office/drawing/2014/main" id="{BC08158B-2F4C-4450-9077-8E3AFE39F862}"/>
-                </a:ext>
-              </a:extLst>
-            </p:cNvPr>
-            <p:cNvCxnSpPr>
-              <a:cxnSpLocks/>
-            </p:cNvCxnSpPr>
-            <p:nvPr/>
-          </p:nvCxnSpPr>
-          <p:spPr>
-            <a:xfrm>
-              <a:off x="2942705" y="3518785"/>
-              <a:ext cx="781397" cy="492625"/>
-            </a:xfrm>
-            <a:prstGeom prst="straightConnector1">
-              <a:avLst/>
-            </a:prstGeom>
-            <a:ln>
-              <a:tailEnd type="triangle"/>
-            </a:ln>
-          </p:spPr>
-          <p:style>
-            <a:lnRef idx="1">
-              <a:schemeClr val="accent1"/>
-            </a:lnRef>
-            <a:fillRef idx="0">
-              <a:schemeClr val="accent1"/>
-            </a:fillRef>
-            <a:effectRef idx="0">
-              <a:schemeClr val="accent1"/>
-            </a:effectRef>
-            <a:fontRef idx="minor">
-              <a:schemeClr val="tx1"/>
-            </a:fontRef>
-          </p:style>
-        </p:cxnSp>
-        <p:cxnSp>
-          <p:nvCxnSpPr>
-            <p:cNvPr id="25" name="直線矢印コネクタ 24">
-              <a:extLst>
-                <a:ext uri="{FF2B5EF4-FFF2-40B4-BE49-F238E27FC236}">
-                  <a16:creationId xmlns:a16="http://schemas.microsoft.com/office/drawing/2014/main" id="{516ADC41-13F5-4FC8-BACA-889AAF12EF04}"/>
-                </a:ext>
-              </a:extLst>
-            </p:cNvPr>
-            <p:cNvCxnSpPr>
-              <a:cxnSpLocks/>
-            </p:cNvCxnSpPr>
-            <p:nvPr/>
-          </p:nvCxnSpPr>
-          <p:spPr>
-            <a:xfrm>
-              <a:off x="2942705" y="3721916"/>
-              <a:ext cx="781397" cy="893895"/>
-            </a:xfrm>
-            <a:prstGeom prst="straightConnector1">
-              <a:avLst/>
-            </a:prstGeom>
-            <a:ln>
-              <a:tailEnd type="triangle"/>
-            </a:ln>
-          </p:spPr>
-          <p:style>
-            <a:lnRef idx="1">
-              <a:schemeClr val="accent1"/>
-            </a:lnRef>
-            <a:fillRef idx="0">
-              <a:schemeClr val="accent1"/>
-            </a:fillRef>
-            <a:effectRef idx="0">
-              <a:schemeClr val="accent1"/>
-            </a:effectRef>
-            <a:fontRef idx="minor">
-              <a:schemeClr val="tx1"/>
-            </a:fontRef>
-          </p:style>
-        </p:cxnSp>
-        <p:sp>
-          <p:nvSpPr>
-            <p:cNvPr id="28" name="テキスト ボックス 27">
-              <a:extLst>
-                <a:ext uri="{FF2B5EF4-FFF2-40B4-BE49-F238E27FC236}">
-                  <a16:creationId xmlns:a16="http://schemas.microsoft.com/office/drawing/2014/main" id="{58263416-66D2-41AF-A8AE-CC9653F37161}"/>
-                </a:ext>
-              </a:extLst>
-            </p:cNvPr>
-            <p:cNvSpPr txBox="1"/>
-            <p:nvPr/>
-          </p:nvSpPr>
-          <p:spPr>
-            <a:xfrm>
-              <a:off x="2155608" y="5279402"/>
-              <a:ext cx="1540944" cy="261610"/>
-            </a:xfrm>
-            <a:prstGeom prst="rect">
-              <a:avLst/>
-            </a:prstGeom>
-            <a:noFill/>
-          </p:spPr>
-          <p:txBody>
-            <a:bodyPr wrap="square" rtlCol="0">
-              <a:spAutoFit/>
-            </a:bodyPr>
-            <a:lstStyle/>
-            <a:p>
-              <a:r>
-                <a:rPr kumimoji="1" lang="en-US" altLang="ja-JP" sz="1100" dirty="0">
-                  <a:latin typeface="Arial" panose="020B0604020202020204" pitchFamily="34" charset="0"/>
-                  <a:cs typeface="Arial" panose="020B0604020202020204" pitchFamily="34" charset="0"/>
-                </a:rPr>
-                <a:t>Raw data</a:t>
-              </a:r>
-              <a:endParaRPr kumimoji="1" lang="ja-JP" altLang="en-US" sz="1100" dirty="0">
-                <a:latin typeface="Arial" panose="020B0604020202020204" pitchFamily="34" charset="0"/>
-                <a:cs typeface="Arial" panose="020B0604020202020204" pitchFamily="34" charset="0"/>
-              </a:endParaRPr>
-            </a:p>
-          </p:txBody>
-        </p:sp>
         <p:pic>
           <p:nvPicPr>
             <p:cNvPr id="33" name="図 32">
@@ -4155,13 +3759,13 @@
             <p:nvPr/>
           </p:nvPicPr>
           <p:blipFill rotWithShape="1">
-            <a:blip r:embed="rId3"/>
+            <a:blip r:embed="rId2"/>
             <a:srcRect l="25667" r="37865" b="7112"/>
             <a:stretch/>
           </p:blipFill>
           <p:spPr>
             <a:xfrm>
-              <a:off x="4754881" y="979880"/>
+              <a:off x="4262177" y="1187830"/>
               <a:ext cx="2452255" cy="4094293"/>
             </a:xfrm>
             <a:prstGeom prst="rect">
@@ -4183,7 +3787,7 @@
           </p:nvSpPr>
           <p:spPr>
             <a:xfrm>
-              <a:off x="4754881" y="5122772"/>
+              <a:off x="4262177" y="5479248"/>
               <a:ext cx="1540944" cy="261610"/>
             </a:xfrm>
             <a:prstGeom prst="rect">
@@ -4232,7 +3836,7 @@
           </p:nvSpPr>
           <p:spPr>
             <a:xfrm>
-              <a:off x="5431303" y="5297138"/>
+              <a:off x="4938599" y="5653614"/>
               <a:ext cx="1540944" cy="430887"/>
             </a:xfrm>
             <a:prstGeom prst="rect">
@@ -4281,7 +3885,7 @@
           </p:nvSpPr>
           <p:spPr>
             <a:xfrm>
-              <a:off x="6223148" y="5001388"/>
+              <a:off x="5730444" y="5209338"/>
               <a:ext cx="1540944" cy="430887"/>
             </a:xfrm>
             <a:prstGeom prst="rect">
@@ -4316,6 +3920,365 @@
             </a:p>
           </p:txBody>
         </p:sp>
+        <p:pic>
+          <p:nvPicPr>
+            <p:cNvPr id="29" name="図 28">
+              <a:extLst>
+                <a:ext uri="{FF2B5EF4-FFF2-40B4-BE49-F238E27FC236}">
+                  <a16:creationId xmlns:a16="http://schemas.microsoft.com/office/drawing/2014/main" id="{962B4E47-C54D-4D04-9D59-8061BBDC23DE}"/>
+                </a:ext>
+              </a:extLst>
+            </p:cNvPr>
+            <p:cNvPicPr>
+              <a:picLocks noChangeAspect="1"/>
+            </p:cNvPicPr>
+            <p:nvPr/>
+          </p:nvPicPr>
+          <p:blipFill rotWithShape="1">
+            <a:blip r:embed="rId3"/>
+            <a:srcRect r="83125"/>
+            <a:stretch/>
+          </p:blipFill>
+          <p:spPr>
+            <a:xfrm>
+              <a:off x="3575191" y="1081797"/>
+              <a:ext cx="1135754" cy="4407790"/>
+            </a:xfrm>
+            <a:prstGeom prst="rect">
+              <a:avLst/>
+            </a:prstGeom>
+          </p:spPr>
+        </p:pic>
+        <p:sp>
+          <p:nvSpPr>
+            <p:cNvPr id="10" name="正方形/長方形 9">
+              <a:extLst>
+                <a:ext uri="{FF2B5EF4-FFF2-40B4-BE49-F238E27FC236}">
+                  <a16:creationId xmlns:a16="http://schemas.microsoft.com/office/drawing/2014/main" id="{D5F8B295-6F81-4540-8D56-9C7732C15CB4}"/>
+                </a:ext>
+              </a:extLst>
+            </p:cNvPr>
+            <p:cNvSpPr/>
+            <p:nvPr/>
+          </p:nvSpPr>
+          <p:spPr>
+            <a:xfrm>
+              <a:off x="2989490" y="1208887"/>
+              <a:ext cx="565265" cy="4073236"/>
+            </a:xfrm>
+            <a:prstGeom prst="rect">
+              <a:avLst/>
+            </a:prstGeom>
+          </p:spPr>
+          <p:style>
+            <a:lnRef idx="2">
+              <a:schemeClr val="accent1">
+                <a:shade val="50000"/>
+              </a:schemeClr>
+            </a:lnRef>
+            <a:fillRef idx="1">
+              <a:schemeClr val="accent1"/>
+            </a:fillRef>
+            <a:effectRef idx="0">
+              <a:schemeClr val="accent1"/>
+            </a:effectRef>
+            <a:fontRef idx="minor">
+              <a:schemeClr val="lt1"/>
+            </a:fontRef>
+          </p:style>
+          <p:txBody>
+            <a:bodyPr rtlCol="0" anchor="ctr"/>
+            <a:lstStyle/>
+            <a:p>
+              <a:pPr algn="ctr"/>
+              <a:endParaRPr kumimoji="1" lang="ja-JP" altLang="en-US"/>
+            </a:p>
+          </p:txBody>
+        </p:sp>
+        <p:sp>
+          <p:nvSpPr>
+            <p:cNvPr id="11" name="テキスト ボックス 10">
+              <a:extLst>
+                <a:ext uri="{FF2B5EF4-FFF2-40B4-BE49-F238E27FC236}">
+                  <a16:creationId xmlns:a16="http://schemas.microsoft.com/office/drawing/2014/main" id="{D05F558F-7779-4B7B-B3A1-173107CE2E8B}"/>
+                </a:ext>
+              </a:extLst>
+            </p:cNvPr>
+            <p:cNvSpPr txBox="1"/>
+            <p:nvPr/>
+          </p:nvSpPr>
+          <p:spPr>
+            <a:xfrm>
+              <a:off x="2721233" y="5354449"/>
+              <a:ext cx="1540944" cy="261610"/>
+            </a:xfrm>
+            <a:prstGeom prst="rect">
+              <a:avLst/>
+            </a:prstGeom>
+            <a:noFill/>
+          </p:spPr>
+          <p:txBody>
+            <a:bodyPr wrap="square" rtlCol="0">
+              <a:spAutoFit/>
+            </a:bodyPr>
+            <a:lstStyle/>
+            <a:p>
+              <a:r>
+                <a:rPr kumimoji="1" lang="en-US" altLang="ja-JP" sz="1100" dirty="0">
+                  <a:latin typeface="Arial" panose="020B0604020202020204" pitchFamily="34" charset="0"/>
+                  <a:cs typeface="Arial" panose="020B0604020202020204" pitchFamily="34" charset="0"/>
+                </a:rPr>
+                <a:t>Read data process</a:t>
+              </a:r>
+              <a:endParaRPr kumimoji="1" lang="ja-JP" altLang="en-US" sz="1100" dirty="0">
+                <a:latin typeface="Arial" panose="020B0604020202020204" pitchFamily="34" charset="0"/>
+                <a:cs typeface="Arial" panose="020B0604020202020204" pitchFamily="34" charset="0"/>
+              </a:endParaRPr>
+            </a:p>
+          </p:txBody>
+        </p:sp>
+        <p:cxnSp>
+          <p:nvCxnSpPr>
+            <p:cNvPr id="13" name="直線矢印コネクタ 12">
+              <a:extLst>
+                <a:ext uri="{FF2B5EF4-FFF2-40B4-BE49-F238E27FC236}">
+                  <a16:creationId xmlns:a16="http://schemas.microsoft.com/office/drawing/2014/main" id="{FF07E9C3-0F10-44A6-A6AB-841C0FC99685}"/>
+                </a:ext>
+              </a:extLst>
+            </p:cNvPr>
+            <p:cNvCxnSpPr/>
+            <p:nvPr/>
+          </p:nvCxnSpPr>
+          <p:spPr>
+            <a:xfrm flipV="1">
+              <a:off x="3657600" y="1770843"/>
+              <a:ext cx="931026" cy="1213659"/>
+            </a:xfrm>
+            <a:prstGeom prst="straightConnector1">
+              <a:avLst/>
+            </a:prstGeom>
+            <a:ln>
+              <a:tailEnd type="triangle"/>
+            </a:ln>
+          </p:spPr>
+          <p:style>
+            <a:lnRef idx="1">
+              <a:schemeClr val="accent1"/>
+            </a:lnRef>
+            <a:fillRef idx="0">
+              <a:schemeClr val="accent1"/>
+            </a:fillRef>
+            <a:effectRef idx="0">
+              <a:schemeClr val="accent1"/>
+            </a:effectRef>
+            <a:fontRef idx="minor">
+              <a:schemeClr val="tx1"/>
+            </a:fontRef>
+          </p:style>
+        </p:cxnSp>
+        <p:cxnSp>
+          <p:nvCxnSpPr>
+            <p:cNvPr id="15" name="直線矢印コネクタ 14">
+              <a:extLst>
+                <a:ext uri="{FF2B5EF4-FFF2-40B4-BE49-F238E27FC236}">
+                  <a16:creationId xmlns:a16="http://schemas.microsoft.com/office/drawing/2014/main" id="{B207ABCD-E85D-41D8-91D3-C77F7FDB8059}"/>
+                </a:ext>
+              </a:extLst>
+            </p:cNvPr>
+            <p:cNvCxnSpPr/>
+            <p:nvPr/>
+          </p:nvCxnSpPr>
+          <p:spPr>
+            <a:xfrm flipV="1">
+              <a:off x="3640975" y="2385985"/>
+              <a:ext cx="922713" cy="859520"/>
+            </a:xfrm>
+            <a:prstGeom prst="straightConnector1">
+              <a:avLst/>
+            </a:prstGeom>
+            <a:ln>
+              <a:tailEnd type="triangle"/>
+            </a:ln>
+          </p:spPr>
+          <p:style>
+            <a:lnRef idx="1">
+              <a:schemeClr val="accent1"/>
+            </a:lnRef>
+            <a:fillRef idx="0">
+              <a:schemeClr val="accent1"/>
+            </a:fillRef>
+            <a:effectRef idx="0">
+              <a:schemeClr val="accent1"/>
+            </a:effectRef>
+            <a:fontRef idx="minor">
+              <a:schemeClr val="tx1"/>
+            </a:fontRef>
+          </p:style>
+        </p:cxnSp>
+        <p:cxnSp>
+          <p:nvCxnSpPr>
+            <p:cNvPr id="16" name="直線矢印コネクタ 15">
+              <a:extLst>
+                <a:ext uri="{FF2B5EF4-FFF2-40B4-BE49-F238E27FC236}">
+                  <a16:creationId xmlns:a16="http://schemas.microsoft.com/office/drawing/2014/main" id="{351BD391-8C44-41BF-9DA9-9EAB2C7977AB}"/>
+                </a:ext>
+              </a:extLst>
+            </p:cNvPr>
+            <p:cNvCxnSpPr>
+              <a:cxnSpLocks/>
+            </p:cNvCxnSpPr>
+            <p:nvPr/>
+          </p:nvCxnSpPr>
+          <p:spPr>
+            <a:xfrm flipV="1">
+              <a:off x="3657600" y="2815745"/>
+              <a:ext cx="906088" cy="510689"/>
+            </a:xfrm>
+            <a:prstGeom prst="straightConnector1">
+              <a:avLst/>
+            </a:prstGeom>
+            <a:ln>
+              <a:tailEnd type="triangle"/>
+            </a:ln>
+          </p:spPr>
+          <p:style>
+            <a:lnRef idx="1">
+              <a:schemeClr val="accent1"/>
+            </a:lnRef>
+            <a:fillRef idx="0">
+              <a:schemeClr val="accent1"/>
+            </a:fillRef>
+            <a:effectRef idx="0">
+              <a:schemeClr val="accent1"/>
+            </a:effectRef>
+            <a:fontRef idx="minor">
+              <a:schemeClr val="tx1"/>
+            </a:fontRef>
+          </p:style>
+        </p:cxnSp>
+        <p:cxnSp>
+          <p:nvCxnSpPr>
+            <p:cNvPr id="19" name="直線矢印コネクタ 18">
+              <a:extLst>
+                <a:ext uri="{FF2B5EF4-FFF2-40B4-BE49-F238E27FC236}">
+                  <a16:creationId xmlns:a16="http://schemas.microsoft.com/office/drawing/2014/main" id="{715FABA2-09D8-4789-BBE7-649C4DEE45A7}"/>
+                </a:ext>
+              </a:extLst>
+            </p:cNvPr>
+            <p:cNvCxnSpPr>
+              <a:cxnSpLocks/>
+            </p:cNvCxnSpPr>
+            <p:nvPr/>
+          </p:nvCxnSpPr>
+          <p:spPr>
+            <a:xfrm flipV="1">
+              <a:off x="3657600" y="3407363"/>
+              <a:ext cx="781397" cy="6900"/>
+            </a:xfrm>
+            <a:prstGeom prst="straightConnector1">
+              <a:avLst/>
+            </a:prstGeom>
+            <a:ln>
+              <a:tailEnd type="triangle"/>
+            </a:ln>
+          </p:spPr>
+          <p:style>
+            <a:lnRef idx="1">
+              <a:schemeClr val="accent1"/>
+            </a:lnRef>
+            <a:fillRef idx="0">
+              <a:schemeClr val="accent1"/>
+            </a:fillRef>
+            <a:effectRef idx="0">
+              <a:schemeClr val="accent1"/>
+            </a:effectRef>
+            <a:fontRef idx="minor">
+              <a:schemeClr val="tx1"/>
+            </a:fontRef>
+          </p:style>
+        </p:cxnSp>
+        <p:cxnSp>
+          <p:nvCxnSpPr>
+            <p:cNvPr id="22" name="直線矢印コネクタ 21">
+              <a:extLst>
+                <a:ext uri="{FF2B5EF4-FFF2-40B4-BE49-F238E27FC236}">
+                  <a16:creationId xmlns:a16="http://schemas.microsoft.com/office/drawing/2014/main" id="{BC08158B-2F4C-4450-9077-8E3AFE39F862}"/>
+                </a:ext>
+              </a:extLst>
+            </p:cNvPr>
+            <p:cNvCxnSpPr>
+              <a:cxnSpLocks/>
+            </p:cNvCxnSpPr>
+            <p:nvPr/>
+          </p:nvCxnSpPr>
+          <p:spPr>
+            <a:xfrm>
+              <a:off x="3657600" y="3593832"/>
+              <a:ext cx="781397" cy="492625"/>
+            </a:xfrm>
+            <a:prstGeom prst="straightConnector1">
+              <a:avLst/>
+            </a:prstGeom>
+            <a:ln>
+              <a:tailEnd type="triangle"/>
+            </a:ln>
+          </p:spPr>
+          <p:style>
+            <a:lnRef idx="1">
+              <a:schemeClr val="accent1"/>
+            </a:lnRef>
+            <a:fillRef idx="0">
+              <a:schemeClr val="accent1"/>
+            </a:fillRef>
+            <a:effectRef idx="0">
+              <a:schemeClr val="accent1"/>
+            </a:effectRef>
+            <a:fontRef idx="minor">
+              <a:schemeClr val="tx1"/>
+            </a:fontRef>
+          </p:style>
+        </p:cxnSp>
+        <p:cxnSp>
+          <p:nvCxnSpPr>
+            <p:cNvPr id="25" name="直線矢印コネクタ 24">
+              <a:extLst>
+                <a:ext uri="{FF2B5EF4-FFF2-40B4-BE49-F238E27FC236}">
+                  <a16:creationId xmlns:a16="http://schemas.microsoft.com/office/drawing/2014/main" id="{516ADC41-13F5-4FC8-BACA-889AAF12EF04}"/>
+                </a:ext>
+              </a:extLst>
+            </p:cNvPr>
+            <p:cNvCxnSpPr>
+              <a:cxnSpLocks/>
+            </p:cNvCxnSpPr>
+            <p:nvPr/>
+          </p:nvCxnSpPr>
+          <p:spPr>
+            <a:xfrm>
+              <a:off x="3657600" y="3796963"/>
+              <a:ext cx="781397" cy="893895"/>
+            </a:xfrm>
+            <a:prstGeom prst="straightConnector1">
+              <a:avLst/>
+            </a:prstGeom>
+            <a:ln>
+              <a:tailEnd type="triangle"/>
+            </a:ln>
+          </p:spPr>
+          <p:style>
+            <a:lnRef idx="1">
+              <a:schemeClr val="accent1"/>
+            </a:lnRef>
+            <a:fillRef idx="0">
+              <a:schemeClr val="accent1"/>
+            </a:fillRef>
+            <a:effectRef idx="0">
+              <a:schemeClr val="accent1"/>
+            </a:effectRef>
+            <a:fontRef idx="minor">
+              <a:schemeClr val="tx1"/>
+            </a:fontRef>
+          </p:style>
+        </p:cxnSp>
       </p:grpSp>
     </p:spTree>
     <p:extLst>

--- a/paper/ABC2021BentoChallenge/figures/figures.pptx
+++ b/paper/ABC2021BentoChallenge/figures/figures.pptx
@@ -6,7 +6,7 @@
   </p:sldMasterIdLst>
   <p:sldIdLst>
     <p:sldId id="256" r:id="rId2"/>
-    <p:sldId id="257" r:id="rId3"/>
+    <p:sldId id="258" r:id="rId3"/>
   </p:sldIdLst>
   <p:sldSz cx="12192000" cy="6858000"/>
   <p:notesSz cx="6858000" cy="9144000"/>
@@ -113,6 +113,18 @@
 </p:presentation>
 </file>
 
+<file path=ppt/commentAuthors.xml><?xml version="1.0" encoding="utf-8"?>
+<p:cmAuthorLst xmlns:a="http://schemas.openxmlformats.org/drawingml/2006/main" xmlns:r="http://schemas.openxmlformats.org/officeDocument/2006/relationships" xmlns:p="http://schemas.openxmlformats.org/presentationml/2006/main">
+  <p:cmAuthor id="1" name="藤井 敦寛" initials="藤井" lastIdx="1" clrIdx="0">
+    <p:extLst>
+      <p:ext uri="{19B8F6BF-5375-455C-9EA6-DF929625EA0E}">
+        <p15:presenceInfo xmlns:p15="http://schemas.microsoft.com/office/powerpoint/2012/main" userId="130b06c820d4b9d5" providerId="Windows Live"/>
+      </p:ext>
+    </p:extLst>
+  </p:cmAuthor>
+</p:cmAuthorLst>
+</file>
+
 <file path=ppt/slideLayouts/slideLayout1.xml><?xml version="1.0" encoding="utf-8"?>
 <p:sldLayout xmlns:a="http://schemas.openxmlformats.org/drawingml/2006/main" xmlns:r="http://schemas.openxmlformats.org/officeDocument/2006/relationships" xmlns:p="http://schemas.openxmlformats.org/presentationml/2006/main" type="title" preserve="1">
   <p:cSld name="タイトル スライド">
@@ -260,7 +272,7 @@
           <a:p>
             <a:fld id="{C57B0DF9-A104-4F76-802B-DB7C52D97D56}" type="datetimeFigureOut">
               <a:rPr kumimoji="1" lang="ja-JP" altLang="en-US" smtClean="0"/>
-              <a:t>2021/8/19</a:t>
+              <a:t>2021/8/20</a:t>
             </a:fld>
             <a:endParaRPr kumimoji="1" lang="ja-JP" altLang="en-US"/>
           </a:p>
@@ -490,7 +502,7 @@
           <a:p>
             <a:fld id="{C57B0DF9-A104-4F76-802B-DB7C52D97D56}" type="datetimeFigureOut">
               <a:rPr kumimoji="1" lang="ja-JP" altLang="en-US" smtClean="0"/>
-              <a:t>2021/8/19</a:t>
+              <a:t>2021/8/20</a:t>
             </a:fld>
             <a:endParaRPr kumimoji="1" lang="ja-JP" altLang="en-US"/>
           </a:p>
@@ -730,7 +742,7 @@
           <a:p>
             <a:fld id="{C57B0DF9-A104-4F76-802B-DB7C52D97D56}" type="datetimeFigureOut">
               <a:rPr kumimoji="1" lang="ja-JP" altLang="en-US" smtClean="0"/>
-              <a:t>2021/8/19</a:t>
+              <a:t>2021/8/20</a:t>
             </a:fld>
             <a:endParaRPr kumimoji="1" lang="ja-JP" altLang="en-US"/>
           </a:p>
@@ -960,7 +972,7 @@
           <a:p>
             <a:fld id="{C57B0DF9-A104-4F76-802B-DB7C52D97D56}" type="datetimeFigureOut">
               <a:rPr kumimoji="1" lang="ja-JP" altLang="en-US" smtClean="0"/>
-              <a:t>2021/8/19</a:t>
+              <a:t>2021/8/20</a:t>
             </a:fld>
             <a:endParaRPr kumimoji="1" lang="ja-JP" altLang="en-US"/>
           </a:p>
@@ -1235,7 +1247,7 @@
           <a:p>
             <a:fld id="{C57B0DF9-A104-4F76-802B-DB7C52D97D56}" type="datetimeFigureOut">
               <a:rPr kumimoji="1" lang="ja-JP" altLang="en-US" smtClean="0"/>
-              <a:t>2021/8/19</a:t>
+              <a:t>2021/8/20</a:t>
             </a:fld>
             <a:endParaRPr kumimoji="1" lang="ja-JP" altLang="en-US"/>
           </a:p>
@@ -1564,7 +1576,7 @@
           <a:p>
             <a:fld id="{C57B0DF9-A104-4F76-802B-DB7C52D97D56}" type="datetimeFigureOut">
               <a:rPr kumimoji="1" lang="ja-JP" altLang="en-US" smtClean="0"/>
-              <a:t>2021/8/19</a:t>
+              <a:t>2021/8/20</a:t>
             </a:fld>
             <a:endParaRPr kumimoji="1" lang="ja-JP" altLang="en-US"/>
           </a:p>
@@ -2040,7 +2052,7 @@
           <a:p>
             <a:fld id="{C57B0DF9-A104-4F76-802B-DB7C52D97D56}" type="datetimeFigureOut">
               <a:rPr kumimoji="1" lang="ja-JP" altLang="en-US" smtClean="0"/>
-              <a:t>2021/8/19</a:t>
+              <a:t>2021/8/20</a:t>
             </a:fld>
             <a:endParaRPr kumimoji="1" lang="ja-JP" altLang="en-US"/>
           </a:p>
@@ -2181,7 +2193,7 @@
           <a:p>
             <a:fld id="{C57B0DF9-A104-4F76-802B-DB7C52D97D56}" type="datetimeFigureOut">
               <a:rPr kumimoji="1" lang="ja-JP" altLang="en-US" smtClean="0"/>
-              <a:t>2021/8/19</a:t>
+              <a:t>2021/8/20</a:t>
             </a:fld>
             <a:endParaRPr kumimoji="1" lang="ja-JP" altLang="en-US"/>
           </a:p>
@@ -2294,7 +2306,7 @@
           <a:p>
             <a:fld id="{C57B0DF9-A104-4F76-802B-DB7C52D97D56}" type="datetimeFigureOut">
               <a:rPr kumimoji="1" lang="ja-JP" altLang="en-US" smtClean="0"/>
-              <a:t>2021/8/19</a:t>
+              <a:t>2021/8/20</a:t>
             </a:fld>
             <a:endParaRPr kumimoji="1" lang="ja-JP" altLang="en-US"/>
           </a:p>
@@ -2637,7 +2649,7 @@
           <a:p>
             <a:fld id="{C57B0DF9-A104-4F76-802B-DB7C52D97D56}" type="datetimeFigureOut">
               <a:rPr kumimoji="1" lang="ja-JP" altLang="en-US" smtClean="0"/>
-              <a:t>2021/8/19</a:t>
+              <a:t>2021/8/20</a:t>
             </a:fld>
             <a:endParaRPr kumimoji="1" lang="ja-JP" altLang="en-US"/>
           </a:p>
@@ -2925,7 +2937,7 @@
           <a:p>
             <a:fld id="{C57B0DF9-A104-4F76-802B-DB7C52D97D56}" type="datetimeFigureOut">
               <a:rPr kumimoji="1" lang="ja-JP" altLang="en-US" smtClean="0"/>
-              <a:t>2021/8/19</a:t>
+              <a:t>2021/8/20</a:t>
             </a:fld>
             <a:endParaRPr kumimoji="1" lang="ja-JP" altLang="en-US"/>
           </a:p>
@@ -3198,7 +3210,7 @@
           <a:p>
             <a:fld id="{C57B0DF9-A104-4F76-802B-DB7C52D97D56}" type="datetimeFigureOut">
               <a:rPr kumimoji="1" lang="ja-JP" altLang="en-US" smtClean="0"/>
-              <a:t>2021/8/19</a:t>
+              <a:t>2021/8/20</a:t>
             </a:fld>
             <a:endParaRPr kumimoji="1" lang="ja-JP" altLang="en-US"/>
           </a:p>
@@ -3726,10 +3738,10 @@
       </p:grpSpPr>
       <p:grpSp>
         <p:nvGrpSpPr>
-          <p:cNvPr id="2" name="グループ化 1">
-            <a:extLst>
-              <a:ext uri="{FF2B5EF4-FFF2-40B4-BE49-F238E27FC236}">
-                <a16:creationId xmlns:a16="http://schemas.microsoft.com/office/drawing/2014/main" id="{21C96860-438D-404F-8FA9-0FC4CA85441B}"/>
+          <p:cNvPr id="91" name="グループ化 90">
+            <a:extLst>
+              <a:ext uri="{FF2B5EF4-FFF2-40B4-BE49-F238E27FC236}">
+                <a16:creationId xmlns:a16="http://schemas.microsoft.com/office/drawing/2014/main" id="{1B785AD2-30E1-4033-B553-49A36F2AEEF5}"/>
               </a:ext>
             </a:extLst>
           </p:cNvPr>
@@ -3738,18 +3750,18 @@
         </p:nvGrpSpPr>
         <p:grpSpPr>
           <a:xfrm>
-            <a:off x="2721233" y="1081797"/>
-            <a:ext cx="4550155" cy="5002704"/>
-            <a:chOff x="2721233" y="1081797"/>
-            <a:chExt cx="4550155" cy="5002704"/>
+            <a:off x="2901144" y="1969917"/>
+            <a:ext cx="6599227" cy="2918166"/>
+            <a:chOff x="1537856" y="1298357"/>
+            <a:chExt cx="6599227" cy="2918166"/>
           </a:xfrm>
         </p:grpSpPr>
         <p:pic>
           <p:nvPicPr>
-            <p:cNvPr id="33" name="図 32">
+            <p:cNvPr id="5" name="グラフィックス 4">
               <a:extLst>
                 <a:ext uri="{FF2B5EF4-FFF2-40B4-BE49-F238E27FC236}">
-                  <a16:creationId xmlns:a16="http://schemas.microsoft.com/office/drawing/2014/main" id="{600B3AC4-3008-4C38-9672-D57F95CD13C7}"/>
+                  <a16:creationId xmlns:a16="http://schemas.microsoft.com/office/drawing/2014/main" id="{5E36BF1C-1E17-452B-ACBB-D0C4B557E276}"/>
                 </a:ext>
               </a:extLst>
             </p:cNvPr>
@@ -3758,27 +3770,1051 @@
             </p:cNvPicPr>
             <p:nvPr/>
           </p:nvPicPr>
-          <p:blipFill rotWithShape="1">
-            <a:blip r:embed="rId2"/>
-            <a:srcRect l="25667" r="37865" b="7112"/>
-            <a:stretch/>
+          <p:blipFill>
+            <a:blip r:embed="rId2">
+              <a:extLst>
+                <a:ext uri="{28A0092B-C50C-407E-A947-70E740481C1C}">
+                  <a14:useLocalDpi xmlns:a14="http://schemas.microsoft.com/office/drawing/2010/main" val="0"/>
+                </a:ext>
+                <a:ext uri="{96DAC541-7B7A-43D3-8B79-37D633B846F1}">
+                  <asvg:svgBlip xmlns:asvg="http://schemas.microsoft.com/office/drawing/2016/SVG/main" r:embed="rId3"/>
+                </a:ext>
+              </a:extLst>
+            </a:blip>
+            <a:stretch>
+              <a:fillRect/>
+            </a:stretch>
           </p:blipFill>
           <p:spPr>
-            <a:xfrm>
-              <a:off x="4262177" y="1187830"/>
-              <a:ext cx="2452255" cy="4094293"/>
+            <a:xfrm rot="16200000">
+              <a:off x="1397747" y="2330482"/>
+              <a:ext cx="2139984" cy="650682"/>
             </a:xfrm>
             <a:prstGeom prst="rect">
               <a:avLst/>
             </a:prstGeom>
           </p:spPr>
         </p:pic>
+        <p:pic>
+          <p:nvPicPr>
+            <p:cNvPr id="7" name="グラフィックス 6">
+              <a:extLst>
+                <a:ext uri="{FF2B5EF4-FFF2-40B4-BE49-F238E27FC236}">
+                  <a16:creationId xmlns:a16="http://schemas.microsoft.com/office/drawing/2014/main" id="{34B434B8-E1A5-4BBD-97E1-A46DBEFAABDD}"/>
+                </a:ext>
+              </a:extLst>
+            </p:cNvPr>
+            <p:cNvPicPr>
+              <a:picLocks noChangeAspect="1"/>
+            </p:cNvPicPr>
+            <p:nvPr/>
+          </p:nvPicPr>
+          <p:blipFill>
+            <a:blip r:embed="rId4">
+              <a:extLst>
+                <a:ext uri="{28A0092B-C50C-407E-A947-70E740481C1C}">
+                  <a14:useLocalDpi xmlns:a14="http://schemas.microsoft.com/office/drawing/2010/main" val="0"/>
+                </a:ext>
+                <a:ext uri="{96DAC541-7B7A-43D3-8B79-37D633B846F1}">
+                  <asvg:svgBlip xmlns:asvg="http://schemas.microsoft.com/office/drawing/2016/SVG/main" r:embed="rId5"/>
+                </a:ext>
+              </a:extLst>
+            </a:blip>
+            <a:stretch>
+              <a:fillRect/>
+            </a:stretch>
+          </p:blipFill>
+          <p:spPr>
+            <a:xfrm rot="16200000">
+              <a:off x="3662572" y="1713557"/>
+              <a:ext cx="741732" cy="484521"/>
+            </a:xfrm>
+            <a:prstGeom prst="rect">
+              <a:avLst/>
+            </a:prstGeom>
+          </p:spPr>
+        </p:pic>
+        <p:pic>
+          <p:nvPicPr>
+            <p:cNvPr id="9" name="グラフィックス 8">
+              <a:extLst>
+                <a:ext uri="{FF2B5EF4-FFF2-40B4-BE49-F238E27FC236}">
+                  <a16:creationId xmlns:a16="http://schemas.microsoft.com/office/drawing/2014/main" id="{722A6F1F-32F4-4E5B-BCFD-CB1EC32A4563}"/>
+                </a:ext>
+              </a:extLst>
+            </p:cNvPr>
+            <p:cNvPicPr>
+              <a:picLocks noChangeAspect="1"/>
+            </p:cNvPicPr>
+            <p:nvPr/>
+          </p:nvPicPr>
+          <p:blipFill>
+            <a:blip r:embed="rId6">
+              <a:extLst>
+                <a:ext uri="{28A0092B-C50C-407E-A947-70E740481C1C}">
+                  <a14:useLocalDpi xmlns:a14="http://schemas.microsoft.com/office/drawing/2010/main" val="0"/>
+                </a:ext>
+                <a:ext uri="{96DAC541-7B7A-43D3-8B79-37D633B846F1}">
+                  <asvg:svgBlip xmlns:asvg="http://schemas.microsoft.com/office/drawing/2016/SVG/main" r:embed="rId7"/>
+                </a:ext>
+              </a:extLst>
+            </a:blip>
+            <a:stretch>
+              <a:fillRect/>
+            </a:stretch>
+          </p:blipFill>
+          <p:spPr>
+            <a:xfrm rot="16200000">
+              <a:off x="3662572" y="3112688"/>
+              <a:ext cx="741732" cy="484522"/>
+            </a:xfrm>
+            <a:prstGeom prst="rect">
+              <a:avLst/>
+            </a:prstGeom>
+          </p:spPr>
+        </p:pic>
+        <p:grpSp>
+          <p:nvGrpSpPr>
+            <p:cNvPr id="41" name="グループ化 40">
+              <a:extLst>
+                <a:ext uri="{FF2B5EF4-FFF2-40B4-BE49-F238E27FC236}">
+                  <a16:creationId xmlns:a16="http://schemas.microsoft.com/office/drawing/2014/main" id="{2B4E8648-631F-4B3B-912E-22D7C1CB6FEC}"/>
+                </a:ext>
+              </a:extLst>
+            </p:cNvPr>
+            <p:cNvGrpSpPr/>
+            <p:nvPr/>
+          </p:nvGrpSpPr>
+          <p:grpSpPr>
+            <a:xfrm>
+              <a:off x="5273795" y="1559136"/>
+              <a:ext cx="755313" cy="793362"/>
+              <a:chOff x="5280564" y="1560014"/>
+              <a:chExt cx="755313" cy="793362"/>
+            </a:xfrm>
+          </p:grpSpPr>
+          <p:pic>
+            <p:nvPicPr>
+              <p:cNvPr id="21" name="グラフィックス 20">
+                <a:extLst>
+                  <a:ext uri="{FF2B5EF4-FFF2-40B4-BE49-F238E27FC236}">
+                    <a16:creationId xmlns:a16="http://schemas.microsoft.com/office/drawing/2014/main" id="{549C77BB-6A50-4123-A72C-B75CFD2C0CEA}"/>
+                  </a:ext>
+                </a:extLst>
+              </p:cNvPr>
+              <p:cNvPicPr>
+                <a:picLocks noChangeAspect="1"/>
+              </p:cNvPicPr>
+              <p:nvPr/>
+            </p:nvPicPr>
+            <p:blipFill>
+              <a:blip r:embed="rId8">
+                <a:extLst>
+                  <a:ext uri="{28A0092B-C50C-407E-A947-70E740481C1C}">
+                    <a14:useLocalDpi xmlns:a14="http://schemas.microsoft.com/office/drawing/2010/main" val="0"/>
+                  </a:ext>
+                  <a:ext uri="{96DAC541-7B7A-43D3-8B79-37D633B846F1}">
+                    <asvg:svgBlip xmlns:asvg="http://schemas.microsoft.com/office/drawing/2016/SVG/main" r:embed="rId9"/>
+                  </a:ext>
+                </a:extLst>
+              </a:blip>
+              <a:stretch>
+                <a:fillRect/>
+              </a:stretch>
+            </p:blipFill>
+            <p:spPr>
+              <a:xfrm rot="16200000">
+                <a:off x="5409802" y="1646821"/>
+                <a:ext cx="500664" cy="327049"/>
+              </a:xfrm>
+              <a:prstGeom prst="rect">
+                <a:avLst/>
+              </a:prstGeom>
+            </p:spPr>
+          </p:pic>
+          <p:pic>
+            <p:nvPicPr>
+              <p:cNvPr id="24" name="グラフィックス 23">
+                <a:extLst>
+                  <a:ext uri="{FF2B5EF4-FFF2-40B4-BE49-F238E27FC236}">
+                    <a16:creationId xmlns:a16="http://schemas.microsoft.com/office/drawing/2014/main" id="{DF5F7B11-FCA7-4D26-9F9A-B83B46B3A677}"/>
+                  </a:ext>
+                </a:extLst>
+              </p:cNvPr>
+              <p:cNvPicPr>
+                <a:picLocks noChangeAspect="1"/>
+              </p:cNvPicPr>
+              <p:nvPr/>
+            </p:nvPicPr>
+            <p:blipFill>
+              <a:blip r:embed="rId8">
+                <a:extLst>
+                  <a:ext uri="{28A0092B-C50C-407E-A947-70E740481C1C}">
+                    <a14:useLocalDpi xmlns:a14="http://schemas.microsoft.com/office/drawing/2010/main" val="0"/>
+                  </a:ext>
+                  <a:ext uri="{96DAC541-7B7A-43D3-8B79-37D633B846F1}">
+                    <asvg:svgBlip xmlns:asvg="http://schemas.microsoft.com/office/drawing/2016/SVG/main" r:embed="rId9"/>
+                  </a:ext>
+                </a:extLst>
+              </a:blip>
+              <a:stretch>
+                <a:fillRect/>
+              </a:stretch>
+            </p:blipFill>
+            <p:spPr>
+              <a:xfrm rot="16200000">
+                <a:off x="5304761" y="1762585"/>
+                <a:ext cx="500664" cy="327049"/>
+              </a:xfrm>
+              <a:prstGeom prst="rect">
+                <a:avLst/>
+              </a:prstGeom>
+            </p:spPr>
+          </p:pic>
+          <p:sp>
+            <p:nvSpPr>
+              <p:cNvPr id="25" name="テキスト ボックス 24">
+                <a:extLst>
+                  <a:ext uri="{FF2B5EF4-FFF2-40B4-BE49-F238E27FC236}">
+                    <a16:creationId xmlns:a16="http://schemas.microsoft.com/office/drawing/2014/main" id="{F3A39EA1-87E4-4A8B-BB03-396239F069D3}"/>
+                  </a:ext>
+                </a:extLst>
+              </p:cNvPr>
+              <p:cNvSpPr txBox="1"/>
+              <p:nvPr/>
+            </p:nvSpPr>
+            <p:spPr>
+              <a:xfrm rot="19146280">
+                <a:off x="5437364" y="2014822"/>
+                <a:ext cx="598513" cy="338554"/>
+              </a:xfrm>
+              <a:prstGeom prst="rect">
+                <a:avLst/>
+              </a:prstGeom>
+              <a:noFill/>
+            </p:spPr>
+            <p:txBody>
+              <a:bodyPr wrap="square" rtlCol="0">
+                <a:spAutoFit/>
+              </a:bodyPr>
+              <a:lstStyle/>
+              <a:p>
+                <a:pPr algn="ctr"/>
+                <a:r>
+                  <a:rPr kumimoji="1" lang="en-US" altLang="ja-JP" sz="1600" b="1" dirty="0">
+                    <a:cs typeface="Arial" panose="020B0604020202020204" pitchFamily="34" charset="0"/>
+                  </a:rPr>
+                  <a:t>…</a:t>
+                </a:r>
+                <a:endParaRPr kumimoji="1" lang="ja-JP" altLang="en-US" sz="1600" b="1" dirty="0">
+                  <a:cs typeface="Arial" panose="020B0604020202020204" pitchFamily="34" charset="0"/>
+                </a:endParaRPr>
+              </a:p>
+            </p:txBody>
+          </p:sp>
+          <p:pic>
+            <p:nvPicPr>
+              <p:cNvPr id="26" name="グラフィックス 25">
+                <a:extLst>
+                  <a:ext uri="{FF2B5EF4-FFF2-40B4-BE49-F238E27FC236}">
+                    <a16:creationId xmlns:a16="http://schemas.microsoft.com/office/drawing/2014/main" id="{9DBFC5DE-F1E3-4576-A90A-101CEB2A14DF}"/>
+                  </a:ext>
+                </a:extLst>
+              </p:cNvPr>
+              <p:cNvPicPr>
+                <a:picLocks noChangeAspect="1"/>
+              </p:cNvPicPr>
+              <p:nvPr/>
+            </p:nvPicPr>
+            <p:blipFill>
+              <a:blip r:embed="rId8">
+                <a:extLst>
+                  <a:ext uri="{28A0092B-C50C-407E-A947-70E740481C1C}">
+                    <a14:useLocalDpi xmlns:a14="http://schemas.microsoft.com/office/drawing/2010/main" val="0"/>
+                  </a:ext>
+                  <a:ext uri="{96DAC541-7B7A-43D3-8B79-37D633B846F1}">
+                    <asvg:svgBlip xmlns:asvg="http://schemas.microsoft.com/office/drawing/2016/SVG/main" r:embed="rId9"/>
+                  </a:ext>
+                </a:extLst>
+              </a:blip>
+              <a:stretch>
+                <a:fillRect/>
+              </a:stretch>
+            </p:blipFill>
+            <p:spPr>
+              <a:xfrm rot="16200000">
+                <a:off x="5193757" y="1915119"/>
+                <a:ext cx="500664" cy="327049"/>
+              </a:xfrm>
+              <a:prstGeom prst="rect">
+                <a:avLst/>
+              </a:prstGeom>
+            </p:spPr>
+          </p:pic>
+        </p:grpSp>
+        <p:grpSp>
+          <p:nvGrpSpPr>
+            <p:cNvPr id="36" name="グループ化 35">
+              <a:extLst>
+                <a:ext uri="{FF2B5EF4-FFF2-40B4-BE49-F238E27FC236}">
+                  <a16:creationId xmlns:a16="http://schemas.microsoft.com/office/drawing/2014/main" id="{E2EC21DA-29A8-4C3E-8B5C-A4CD05F53B4A}"/>
+                </a:ext>
+              </a:extLst>
+            </p:cNvPr>
+            <p:cNvGrpSpPr/>
+            <p:nvPr/>
+          </p:nvGrpSpPr>
+          <p:grpSpPr>
+            <a:xfrm>
+              <a:off x="5273796" y="2958266"/>
+              <a:ext cx="755312" cy="793364"/>
+              <a:chOff x="6483560" y="4618635"/>
+              <a:chExt cx="755312" cy="793364"/>
+            </a:xfrm>
+          </p:grpSpPr>
+          <p:pic>
+            <p:nvPicPr>
+              <p:cNvPr id="23" name="グラフィックス 22">
+                <a:extLst>
+                  <a:ext uri="{FF2B5EF4-FFF2-40B4-BE49-F238E27FC236}">
+                    <a16:creationId xmlns:a16="http://schemas.microsoft.com/office/drawing/2014/main" id="{4F4EA4E3-3FE8-4AE4-A2B6-412335F3A389}"/>
+                  </a:ext>
+                </a:extLst>
+              </p:cNvPr>
+              <p:cNvPicPr>
+                <a:picLocks noChangeAspect="1"/>
+              </p:cNvPicPr>
+              <p:nvPr/>
+            </p:nvPicPr>
+            <p:blipFill>
+              <a:blip r:embed="rId10">
+                <a:extLst>
+                  <a:ext uri="{28A0092B-C50C-407E-A947-70E740481C1C}">
+                    <a14:useLocalDpi xmlns:a14="http://schemas.microsoft.com/office/drawing/2010/main" val="0"/>
+                  </a:ext>
+                  <a:ext uri="{96DAC541-7B7A-43D3-8B79-37D633B846F1}">
+                    <asvg:svgBlip xmlns:asvg="http://schemas.microsoft.com/office/drawing/2016/SVG/main" r:embed="rId11"/>
+                  </a:ext>
+                </a:extLst>
+              </a:blip>
+              <a:stretch>
+                <a:fillRect/>
+              </a:stretch>
+            </p:blipFill>
+            <p:spPr>
+              <a:xfrm rot="16200000">
+                <a:off x="6612890" y="4705443"/>
+                <a:ext cx="500665" cy="327050"/>
+              </a:xfrm>
+              <a:prstGeom prst="rect">
+                <a:avLst/>
+              </a:prstGeom>
+            </p:spPr>
+          </p:pic>
+          <p:sp>
+            <p:nvSpPr>
+              <p:cNvPr id="31" name="テキスト ボックス 30">
+                <a:extLst>
+                  <a:ext uri="{FF2B5EF4-FFF2-40B4-BE49-F238E27FC236}">
+                    <a16:creationId xmlns:a16="http://schemas.microsoft.com/office/drawing/2014/main" id="{B20E70C1-08CC-4611-8205-25BE9892562C}"/>
+                  </a:ext>
+                </a:extLst>
+              </p:cNvPr>
+              <p:cNvSpPr txBox="1"/>
+              <p:nvPr/>
+            </p:nvSpPr>
+            <p:spPr>
+              <a:xfrm rot="19146280">
+                <a:off x="6640359" y="5073445"/>
+                <a:ext cx="598513" cy="338554"/>
+              </a:xfrm>
+              <a:prstGeom prst="rect">
+                <a:avLst/>
+              </a:prstGeom>
+              <a:noFill/>
+            </p:spPr>
+            <p:txBody>
+              <a:bodyPr wrap="square" rtlCol="0">
+                <a:spAutoFit/>
+              </a:bodyPr>
+              <a:lstStyle/>
+              <a:p>
+                <a:pPr algn="ctr"/>
+                <a:r>
+                  <a:rPr kumimoji="1" lang="en-US" altLang="ja-JP" sz="1600" b="1" dirty="0">
+                    <a:cs typeface="Arial" panose="020B0604020202020204" pitchFamily="34" charset="0"/>
+                  </a:rPr>
+                  <a:t>…</a:t>
+                </a:r>
+                <a:endParaRPr kumimoji="1" lang="ja-JP" altLang="en-US" sz="1600" b="1" dirty="0">
+                  <a:cs typeface="Arial" panose="020B0604020202020204" pitchFamily="34" charset="0"/>
+                </a:endParaRPr>
+              </a:p>
+            </p:txBody>
+          </p:sp>
+          <p:pic>
+            <p:nvPicPr>
+              <p:cNvPr id="33" name="グラフィックス 32">
+                <a:extLst>
+                  <a:ext uri="{FF2B5EF4-FFF2-40B4-BE49-F238E27FC236}">
+                    <a16:creationId xmlns:a16="http://schemas.microsoft.com/office/drawing/2014/main" id="{AD47E95D-5B6D-469B-9521-BB4EC2D95820}"/>
+                  </a:ext>
+                </a:extLst>
+              </p:cNvPr>
+              <p:cNvPicPr>
+                <a:picLocks noChangeAspect="1"/>
+              </p:cNvPicPr>
+              <p:nvPr/>
+            </p:nvPicPr>
+            <p:blipFill>
+              <a:blip r:embed="rId10">
+                <a:extLst>
+                  <a:ext uri="{28A0092B-C50C-407E-A947-70E740481C1C}">
+                    <a14:useLocalDpi xmlns:a14="http://schemas.microsoft.com/office/drawing/2010/main" val="0"/>
+                  </a:ext>
+                  <a:ext uri="{96DAC541-7B7A-43D3-8B79-37D633B846F1}">
+                    <asvg:svgBlip xmlns:asvg="http://schemas.microsoft.com/office/drawing/2016/SVG/main" r:embed="rId11"/>
+                  </a:ext>
+                </a:extLst>
+              </a:blip>
+              <a:stretch>
+                <a:fillRect/>
+              </a:stretch>
+            </p:blipFill>
+            <p:spPr>
+              <a:xfrm rot="16200000">
+                <a:off x="6501869" y="4821206"/>
+                <a:ext cx="500665" cy="327050"/>
+              </a:xfrm>
+              <a:prstGeom prst="rect">
+                <a:avLst/>
+              </a:prstGeom>
+            </p:spPr>
+          </p:pic>
+          <p:pic>
+            <p:nvPicPr>
+              <p:cNvPr id="34" name="グラフィックス 33">
+                <a:extLst>
+                  <a:ext uri="{FF2B5EF4-FFF2-40B4-BE49-F238E27FC236}">
+                    <a16:creationId xmlns:a16="http://schemas.microsoft.com/office/drawing/2014/main" id="{FA5CAEE3-DEB9-4EB7-A78E-2A7C86708085}"/>
+                  </a:ext>
+                </a:extLst>
+              </p:cNvPr>
+              <p:cNvPicPr>
+                <a:picLocks noChangeAspect="1"/>
+              </p:cNvPicPr>
+              <p:nvPr/>
+            </p:nvPicPr>
+            <p:blipFill>
+              <a:blip r:embed="rId10">
+                <a:extLst>
+                  <a:ext uri="{28A0092B-C50C-407E-A947-70E740481C1C}">
+                    <a14:useLocalDpi xmlns:a14="http://schemas.microsoft.com/office/drawing/2010/main" val="0"/>
+                  </a:ext>
+                  <a:ext uri="{96DAC541-7B7A-43D3-8B79-37D633B846F1}">
+                    <asvg:svgBlip xmlns:asvg="http://schemas.microsoft.com/office/drawing/2016/SVG/main" r:embed="rId11"/>
+                  </a:ext>
+                </a:extLst>
+              </a:blip>
+              <a:stretch>
+                <a:fillRect/>
+              </a:stretch>
+            </p:blipFill>
+            <p:spPr>
+              <a:xfrm rot="16200000">
+                <a:off x="6396752" y="4973740"/>
+                <a:ext cx="500665" cy="327050"/>
+              </a:xfrm>
+              <a:prstGeom prst="rect">
+                <a:avLst/>
+              </a:prstGeom>
+            </p:spPr>
+          </p:pic>
+        </p:grpSp>
+        <p:grpSp>
+          <p:nvGrpSpPr>
+            <p:cNvPr id="56" name="グループ化 55">
+              <a:extLst>
+                <a:ext uri="{FF2B5EF4-FFF2-40B4-BE49-F238E27FC236}">
+                  <a16:creationId xmlns:a16="http://schemas.microsoft.com/office/drawing/2014/main" id="{65A04ECB-B1ED-4309-BB79-2D5414529E00}"/>
+                </a:ext>
+              </a:extLst>
+            </p:cNvPr>
+            <p:cNvGrpSpPr/>
+            <p:nvPr/>
+          </p:nvGrpSpPr>
+          <p:grpSpPr>
+            <a:xfrm>
+              <a:off x="6809885" y="2958776"/>
+              <a:ext cx="760294" cy="792344"/>
+              <a:chOff x="8681940" y="5165363"/>
+              <a:chExt cx="760294" cy="792344"/>
+            </a:xfrm>
+          </p:grpSpPr>
+          <p:pic>
+            <p:nvPicPr>
+              <p:cNvPr id="53" name="グラフィックス 52">
+                <a:extLst>
+                  <a:ext uri="{FF2B5EF4-FFF2-40B4-BE49-F238E27FC236}">
+                    <a16:creationId xmlns:a16="http://schemas.microsoft.com/office/drawing/2014/main" id="{2E772EB6-D4B8-45F6-94F7-29A944C98BE6}"/>
+                  </a:ext>
+                </a:extLst>
+              </p:cNvPr>
+              <p:cNvPicPr>
+                <a:picLocks noChangeAspect="1"/>
+              </p:cNvPicPr>
+              <p:nvPr/>
+            </p:nvPicPr>
+            <p:blipFill>
+              <a:blip r:embed="rId12">
+                <a:extLst>
+                  <a:ext uri="{28A0092B-C50C-407E-A947-70E740481C1C}">
+                    <a14:useLocalDpi xmlns:a14="http://schemas.microsoft.com/office/drawing/2010/main" val="0"/>
+                  </a:ext>
+                  <a:ext uri="{96DAC541-7B7A-43D3-8B79-37D633B846F1}">
+                    <asvg:svgBlip xmlns:asvg="http://schemas.microsoft.com/office/drawing/2016/SVG/main" r:embed="rId13"/>
+                  </a:ext>
+                </a:extLst>
+              </a:blip>
+              <a:stretch>
+                <a:fillRect/>
+              </a:stretch>
+            </p:blipFill>
+            <p:spPr>
+              <a:xfrm rot="16200000">
+                <a:off x="8811008" y="5252434"/>
+                <a:ext cx="501195" cy="327054"/>
+              </a:xfrm>
+              <a:prstGeom prst="rect">
+                <a:avLst/>
+              </a:prstGeom>
+            </p:spPr>
+          </p:pic>
+          <p:pic>
+            <p:nvPicPr>
+              <p:cNvPr id="54" name="グラフィックス 53">
+                <a:extLst>
+                  <a:ext uri="{FF2B5EF4-FFF2-40B4-BE49-F238E27FC236}">
+                    <a16:creationId xmlns:a16="http://schemas.microsoft.com/office/drawing/2014/main" id="{F1ED47E7-7026-4780-9CED-5A9421816E66}"/>
+                  </a:ext>
+                </a:extLst>
+              </p:cNvPr>
+              <p:cNvPicPr>
+                <a:picLocks noChangeAspect="1"/>
+              </p:cNvPicPr>
+              <p:nvPr/>
+            </p:nvPicPr>
+            <p:blipFill>
+              <a:blip r:embed="rId12">
+                <a:extLst>
+                  <a:ext uri="{28A0092B-C50C-407E-A947-70E740481C1C}">
+                    <a14:useLocalDpi xmlns:a14="http://schemas.microsoft.com/office/drawing/2010/main" val="0"/>
+                  </a:ext>
+                  <a:ext uri="{96DAC541-7B7A-43D3-8B79-37D633B846F1}">
+                    <asvg:svgBlip xmlns:asvg="http://schemas.microsoft.com/office/drawing/2016/SVG/main" r:embed="rId13"/>
+                  </a:ext>
+                </a:extLst>
+              </a:blip>
+              <a:stretch>
+                <a:fillRect/>
+              </a:stretch>
+            </p:blipFill>
+            <p:spPr>
+              <a:xfrm rot="16200000">
+                <a:off x="8710853" y="5360643"/>
+                <a:ext cx="501195" cy="327054"/>
+              </a:xfrm>
+              <a:prstGeom prst="rect">
+                <a:avLst/>
+              </a:prstGeom>
+            </p:spPr>
+          </p:pic>
+          <p:pic>
+            <p:nvPicPr>
+              <p:cNvPr id="55" name="グラフィックス 54">
+                <a:extLst>
+                  <a:ext uri="{FF2B5EF4-FFF2-40B4-BE49-F238E27FC236}">
+                    <a16:creationId xmlns:a16="http://schemas.microsoft.com/office/drawing/2014/main" id="{33DD682A-414A-449C-A762-8DAF2B9A2BBD}"/>
+                  </a:ext>
+                </a:extLst>
+              </p:cNvPr>
+              <p:cNvPicPr>
+                <a:picLocks noChangeAspect="1"/>
+              </p:cNvPicPr>
+              <p:nvPr/>
+            </p:nvPicPr>
+            <p:blipFill>
+              <a:blip r:embed="rId12">
+                <a:extLst>
+                  <a:ext uri="{28A0092B-C50C-407E-A947-70E740481C1C}">
+                    <a14:useLocalDpi xmlns:a14="http://schemas.microsoft.com/office/drawing/2010/main" val="0"/>
+                  </a:ext>
+                  <a:ext uri="{96DAC541-7B7A-43D3-8B79-37D633B846F1}">
+                    <asvg:svgBlip xmlns:asvg="http://schemas.microsoft.com/office/drawing/2016/SVG/main" r:embed="rId13"/>
+                  </a:ext>
+                </a:extLst>
+              </a:blip>
+              <a:stretch>
+                <a:fillRect/>
+              </a:stretch>
+            </p:blipFill>
+            <p:spPr>
+              <a:xfrm rot="16200000">
+                <a:off x="8594869" y="5518031"/>
+                <a:ext cx="501195" cy="327054"/>
+              </a:xfrm>
+              <a:prstGeom prst="rect">
+                <a:avLst/>
+              </a:prstGeom>
+            </p:spPr>
+          </p:pic>
+          <p:sp>
+            <p:nvSpPr>
+              <p:cNvPr id="39" name="テキスト ボックス 38">
+                <a:extLst>
+                  <a:ext uri="{FF2B5EF4-FFF2-40B4-BE49-F238E27FC236}">
+                    <a16:creationId xmlns:a16="http://schemas.microsoft.com/office/drawing/2014/main" id="{0A76CB39-CE82-4F94-A184-B385BBABD916}"/>
+                  </a:ext>
+                </a:extLst>
+              </p:cNvPr>
+              <p:cNvSpPr txBox="1"/>
+              <p:nvPr/>
+            </p:nvSpPr>
+            <p:spPr>
+              <a:xfrm rot="19146280">
+                <a:off x="8843721" y="5619153"/>
+                <a:ext cx="598513" cy="338554"/>
+              </a:xfrm>
+              <a:prstGeom prst="rect">
+                <a:avLst/>
+              </a:prstGeom>
+              <a:noFill/>
+            </p:spPr>
+            <p:txBody>
+              <a:bodyPr wrap="square" rtlCol="0">
+                <a:spAutoFit/>
+              </a:bodyPr>
+              <a:lstStyle/>
+              <a:p>
+                <a:pPr algn="ctr"/>
+                <a:r>
+                  <a:rPr kumimoji="1" lang="en-US" altLang="ja-JP" sz="1600" b="1" dirty="0">
+                    <a:cs typeface="Arial" panose="020B0604020202020204" pitchFamily="34" charset="0"/>
+                  </a:rPr>
+                  <a:t>…</a:t>
+                </a:r>
+                <a:endParaRPr kumimoji="1" lang="ja-JP" altLang="en-US" sz="1600" b="1" dirty="0">
+                  <a:cs typeface="Arial" panose="020B0604020202020204" pitchFamily="34" charset="0"/>
+                </a:endParaRPr>
+              </a:p>
+            </p:txBody>
+          </p:sp>
+        </p:grpSp>
+        <p:grpSp>
+          <p:nvGrpSpPr>
+            <p:cNvPr id="51" name="グループ化 50">
+              <a:extLst>
+                <a:ext uri="{FF2B5EF4-FFF2-40B4-BE49-F238E27FC236}">
+                  <a16:creationId xmlns:a16="http://schemas.microsoft.com/office/drawing/2014/main" id="{1D2BB5D0-0316-4A57-B254-C7F6088313EF}"/>
+                </a:ext>
+              </a:extLst>
+            </p:cNvPr>
+            <p:cNvGrpSpPr/>
+            <p:nvPr/>
+          </p:nvGrpSpPr>
+          <p:grpSpPr>
+            <a:xfrm>
+              <a:off x="6810368" y="1559135"/>
+              <a:ext cx="760291" cy="793363"/>
+              <a:chOff x="6928546" y="1552355"/>
+              <a:chExt cx="760291" cy="793363"/>
+            </a:xfrm>
+          </p:grpSpPr>
+          <p:pic>
+            <p:nvPicPr>
+              <p:cNvPr id="47" name="グラフィックス 46">
+                <a:extLst>
+                  <a:ext uri="{FF2B5EF4-FFF2-40B4-BE49-F238E27FC236}">
+                    <a16:creationId xmlns:a16="http://schemas.microsoft.com/office/drawing/2014/main" id="{CB55C263-744F-44BB-A668-CFD576B0744A}"/>
+                  </a:ext>
+                </a:extLst>
+              </p:cNvPr>
+              <p:cNvPicPr>
+                <a:picLocks noChangeAspect="1"/>
+              </p:cNvPicPr>
+              <p:nvPr/>
+            </p:nvPicPr>
+            <p:blipFill>
+              <a:blip r:embed="rId14">
+                <a:extLst>
+                  <a:ext uri="{28A0092B-C50C-407E-A947-70E740481C1C}">
+                    <a14:useLocalDpi xmlns:a14="http://schemas.microsoft.com/office/drawing/2010/main" val="0"/>
+                  </a:ext>
+                  <a:ext uri="{96DAC541-7B7A-43D3-8B79-37D633B846F1}">
+                    <asvg:svgBlip xmlns:asvg="http://schemas.microsoft.com/office/drawing/2016/SVG/main" r:embed="rId15"/>
+                  </a:ext>
+                </a:extLst>
+              </a:blip>
+              <a:stretch>
+                <a:fillRect/>
+              </a:stretch>
+            </p:blipFill>
+            <p:spPr>
+              <a:xfrm rot="16200000">
+                <a:off x="7057613" y="1639426"/>
+                <a:ext cx="501194" cy="327051"/>
+              </a:xfrm>
+              <a:prstGeom prst="rect">
+                <a:avLst/>
+              </a:prstGeom>
+            </p:spPr>
+          </p:pic>
+          <p:pic>
+            <p:nvPicPr>
+              <p:cNvPr id="48" name="グラフィックス 47">
+                <a:extLst>
+                  <a:ext uri="{FF2B5EF4-FFF2-40B4-BE49-F238E27FC236}">
+                    <a16:creationId xmlns:a16="http://schemas.microsoft.com/office/drawing/2014/main" id="{E51A2802-3D78-42B4-ADF8-BC82C7B4326C}"/>
+                  </a:ext>
+                </a:extLst>
+              </p:cNvPr>
+              <p:cNvPicPr>
+                <a:picLocks noChangeAspect="1"/>
+              </p:cNvPicPr>
+              <p:nvPr/>
+            </p:nvPicPr>
+            <p:blipFill>
+              <a:blip r:embed="rId14">
+                <a:extLst>
+                  <a:ext uri="{28A0092B-C50C-407E-A947-70E740481C1C}">
+                    <a14:useLocalDpi xmlns:a14="http://schemas.microsoft.com/office/drawing/2010/main" val="0"/>
+                  </a:ext>
+                  <a:ext uri="{96DAC541-7B7A-43D3-8B79-37D633B846F1}">
+                    <asvg:svgBlip xmlns:asvg="http://schemas.microsoft.com/office/drawing/2016/SVG/main" r:embed="rId15"/>
+                  </a:ext>
+                </a:extLst>
+              </a:blip>
+              <a:stretch>
+                <a:fillRect/>
+              </a:stretch>
+            </p:blipFill>
+            <p:spPr>
+              <a:xfrm rot="16200000">
+                <a:off x="6957456" y="1754925"/>
+                <a:ext cx="501194" cy="327051"/>
+              </a:xfrm>
+              <a:prstGeom prst="rect">
+                <a:avLst/>
+              </a:prstGeom>
+            </p:spPr>
+          </p:pic>
+          <p:pic>
+            <p:nvPicPr>
+              <p:cNvPr id="49" name="グラフィックス 48">
+                <a:extLst>
+                  <a:ext uri="{FF2B5EF4-FFF2-40B4-BE49-F238E27FC236}">
+                    <a16:creationId xmlns:a16="http://schemas.microsoft.com/office/drawing/2014/main" id="{B15F2FBD-397C-402E-A6E6-43C8668BE138}"/>
+                  </a:ext>
+                </a:extLst>
+              </p:cNvPr>
+              <p:cNvPicPr>
+                <a:picLocks noChangeAspect="1"/>
+              </p:cNvPicPr>
+              <p:nvPr/>
+            </p:nvPicPr>
+            <p:blipFill>
+              <a:blip r:embed="rId14">
+                <a:extLst>
+                  <a:ext uri="{28A0092B-C50C-407E-A947-70E740481C1C}">
+                    <a14:useLocalDpi xmlns:a14="http://schemas.microsoft.com/office/drawing/2010/main" val="0"/>
+                  </a:ext>
+                  <a:ext uri="{96DAC541-7B7A-43D3-8B79-37D633B846F1}">
+                    <asvg:svgBlip xmlns:asvg="http://schemas.microsoft.com/office/drawing/2016/SVG/main" r:embed="rId15"/>
+                  </a:ext>
+                </a:extLst>
+              </a:blip>
+              <a:stretch>
+                <a:fillRect/>
+              </a:stretch>
+            </p:blipFill>
+            <p:spPr>
+              <a:xfrm rot="16200000">
+                <a:off x="6841475" y="1912312"/>
+                <a:ext cx="501194" cy="327051"/>
+              </a:xfrm>
+              <a:prstGeom prst="rect">
+                <a:avLst/>
+              </a:prstGeom>
+            </p:spPr>
+          </p:pic>
+          <p:sp>
+            <p:nvSpPr>
+              <p:cNvPr id="50" name="テキスト ボックス 49">
+                <a:extLst>
+                  <a:ext uri="{FF2B5EF4-FFF2-40B4-BE49-F238E27FC236}">
+                    <a16:creationId xmlns:a16="http://schemas.microsoft.com/office/drawing/2014/main" id="{84610E31-86AC-4C61-90B3-3D8B0CEB629A}"/>
+                  </a:ext>
+                </a:extLst>
+              </p:cNvPr>
+              <p:cNvSpPr txBox="1"/>
+              <p:nvPr/>
+            </p:nvSpPr>
+            <p:spPr>
+              <a:xfrm rot="19146280">
+                <a:off x="7090324" y="2007164"/>
+                <a:ext cx="598513" cy="338554"/>
+              </a:xfrm>
+              <a:prstGeom prst="rect">
+                <a:avLst/>
+              </a:prstGeom>
+              <a:noFill/>
+            </p:spPr>
+            <p:txBody>
+              <a:bodyPr wrap="square" rtlCol="0">
+                <a:spAutoFit/>
+              </a:bodyPr>
+              <a:lstStyle/>
+              <a:p>
+                <a:pPr algn="ctr"/>
+                <a:r>
+                  <a:rPr kumimoji="1" lang="en-US" altLang="ja-JP" sz="1600" b="1" dirty="0">
+                    <a:cs typeface="Arial" panose="020B0604020202020204" pitchFamily="34" charset="0"/>
+                  </a:rPr>
+                  <a:t>…</a:t>
+                </a:r>
+                <a:endParaRPr kumimoji="1" lang="ja-JP" altLang="en-US" sz="1600" b="1" dirty="0">
+                  <a:cs typeface="Arial" panose="020B0604020202020204" pitchFamily="34" charset="0"/>
+                </a:endParaRPr>
+              </a:p>
+            </p:txBody>
+          </p:sp>
+        </p:grpSp>
+        <p:cxnSp>
+          <p:nvCxnSpPr>
+            <p:cNvPr id="62" name="直線矢印コネクタ 61">
+              <a:extLst>
+                <a:ext uri="{FF2B5EF4-FFF2-40B4-BE49-F238E27FC236}">
+                  <a16:creationId xmlns:a16="http://schemas.microsoft.com/office/drawing/2014/main" id="{97887FB7-F1D2-43FA-AD90-8EA3FE9607F8}"/>
+                </a:ext>
+              </a:extLst>
+            </p:cNvPr>
+            <p:cNvCxnSpPr>
+              <a:stCxn id="5" idx="2"/>
+            </p:cNvCxnSpPr>
+            <p:nvPr/>
+          </p:nvCxnSpPr>
+          <p:spPr>
+            <a:xfrm flipV="1">
+              <a:off x="2793080" y="1955817"/>
+              <a:ext cx="914396" cy="700006"/>
+            </a:xfrm>
+            <a:prstGeom prst="straightConnector1">
+              <a:avLst/>
+            </a:prstGeom>
+            <a:ln w="28575">
+              <a:solidFill>
+                <a:schemeClr val="tx1"/>
+              </a:solidFill>
+              <a:tailEnd type="triangle"/>
+            </a:ln>
+          </p:spPr>
+          <p:style>
+            <a:lnRef idx="1">
+              <a:schemeClr val="accent1"/>
+            </a:lnRef>
+            <a:fillRef idx="0">
+              <a:schemeClr val="accent1"/>
+            </a:fillRef>
+            <a:effectRef idx="0">
+              <a:schemeClr val="accent1"/>
+            </a:effectRef>
+            <a:fontRef idx="minor">
+              <a:schemeClr val="tx1"/>
+            </a:fontRef>
+          </p:style>
+        </p:cxnSp>
+        <p:cxnSp>
+          <p:nvCxnSpPr>
+            <p:cNvPr id="63" name="直線矢印コネクタ 62">
+              <a:extLst>
+                <a:ext uri="{FF2B5EF4-FFF2-40B4-BE49-F238E27FC236}">
+                  <a16:creationId xmlns:a16="http://schemas.microsoft.com/office/drawing/2014/main" id="{62AC6255-5BF3-400E-9C03-A3530CD8F1C9}"/>
+                </a:ext>
+              </a:extLst>
+            </p:cNvPr>
+            <p:cNvCxnSpPr>
+              <a:cxnSpLocks/>
+            </p:cNvCxnSpPr>
+            <p:nvPr/>
+          </p:nvCxnSpPr>
+          <p:spPr>
+            <a:xfrm>
+              <a:off x="2793080" y="2644188"/>
+              <a:ext cx="914396" cy="700006"/>
+            </a:xfrm>
+            <a:prstGeom prst="straightConnector1">
+              <a:avLst/>
+            </a:prstGeom>
+            <a:ln w="28575">
+              <a:solidFill>
+                <a:schemeClr val="tx1"/>
+              </a:solidFill>
+              <a:tailEnd type="triangle"/>
+            </a:ln>
+          </p:spPr>
+          <p:style>
+            <a:lnRef idx="1">
+              <a:schemeClr val="accent1"/>
+            </a:lnRef>
+            <a:fillRef idx="0">
+              <a:schemeClr val="accent1"/>
+            </a:fillRef>
+            <a:effectRef idx="0">
+              <a:schemeClr val="accent1"/>
+            </a:effectRef>
+            <a:fontRef idx="minor">
+              <a:schemeClr val="tx1"/>
+            </a:fontRef>
+          </p:style>
+        </p:cxnSp>
+        <p:cxnSp>
+          <p:nvCxnSpPr>
+            <p:cNvPr id="64" name="直線矢印コネクタ 63">
+              <a:extLst>
+                <a:ext uri="{FF2B5EF4-FFF2-40B4-BE49-F238E27FC236}">
+                  <a16:creationId xmlns:a16="http://schemas.microsoft.com/office/drawing/2014/main" id="{87D0EAF3-954B-4BD7-A994-6ACAB9E23A8D}"/>
+                </a:ext>
+              </a:extLst>
+            </p:cNvPr>
+            <p:cNvCxnSpPr>
+              <a:cxnSpLocks/>
+            </p:cNvCxnSpPr>
+            <p:nvPr/>
+          </p:nvCxnSpPr>
+          <p:spPr>
+            <a:xfrm>
+              <a:off x="4355869" y="1955818"/>
+              <a:ext cx="817769" cy="0"/>
+            </a:xfrm>
+            <a:prstGeom prst="straightConnector1">
+              <a:avLst/>
+            </a:prstGeom>
+            <a:ln w="28575">
+              <a:solidFill>
+                <a:schemeClr val="tx1"/>
+              </a:solidFill>
+              <a:tailEnd type="triangle"/>
+            </a:ln>
+          </p:spPr>
+          <p:style>
+            <a:lnRef idx="1">
+              <a:schemeClr val="accent1"/>
+            </a:lnRef>
+            <a:fillRef idx="0">
+              <a:schemeClr val="accent1"/>
+            </a:fillRef>
+            <a:effectRef idx="0">
+              <a:schemeClr val="accent1"/>
+            </a:effectRef>
+            <a:fontRef idx="minor">
+              <a:schemeClr val="tx1"/>
+            </a:fontRef>
+          </p:style>
+        </p:cxnSp>
+        <p:cxnSp>
+          <p:nvCxnSpPr>
+            <p:cNvPr id="68" name="直線矢印コネクタ 67">
+              <a:extLst>
+                <a:ext uri="{FF2B5EF4-FFF2-40B4-BE49-F238E27FC236}">
+                  <a16:creationId xmlns:a16="http://schemas.microsoft.com/office/drawing/2014/main" id="{CB414BB9-3F71-4F1B-900C-E8937B969919}"/>
+                </a:ext>
+              </a:extLst>
+            </p:cNvPr>
+            <p:cNvCxnSpPr>
+              <a:cxnSpLocks/>
+            </p:cNvCxnSpPr>
+            <p:nvPr/>
+          </p:nvCxnSpPr>
+          <p:spPr>
+            <a:xfrm>
+              <a:off x="4355869" y="3349143"/>
+              <a:ext cx="817769" cy="0"/>
+            </a:xfrm>
+            <a:prstGeom prst="straightConnector1">
+              <a:avLst/>
+            </a:prstGeom>
+            <a:ln w="28575">
+              <a:solidFill>
+                <a:schemeClr val="tx1"/>
+              </a:solidFill>
+              <a:tailEnd type="triangle"/>
+            </a:ln>
+          </p:spPr>
+          <p:style>
+            <a:lnRef idx="1">
+              <a:schemeClr val="accent1"/>
+            </a:lnRef>
+            <a:fillRef idx="0">
+              <a:schemeClr val="accent1"/>
+            </a:fillRef>
+            <a:effectRef idx="0">
+              <a:schemeClr val="accent1"/>
+            </a:effectRef>
+            <a:fontRef idx="minor">
+              <a:schemeClr val="tx1"/>
+            </a:fontRef>
+          </p:style>
+        </p:cxnSp>
+        <p:cxnSp>
+          <p:nvCxnSpPr>
+            <p:cNvPr id="69" name="直線矢印コネクタ 68">
+              <a:extLst>
+                <a:ext uri="{FF2B5EF4-FFF2-40B4-BE49-F238E27FC236}">
+                  <a16:creationId xmlns:a16="http://schemas.microsoft.com/office/drawing/2014/main" id="{B57603CD-0553-4ABA-8DB0-CFD07EFCA077}"/>
+                </a:ext>
+              </a:extLst>
+            </p:cNvPr>
+            <p:cNvCxnSpPr>
+              <a:cxnSpLocks/>
+            </p:cNvCxnSpPr>
+            <p:nvPr/>
+          </p:nvCxnSpPr>
+          <p:spPr>
+            <a:xfrm>
+              <a:off x="5902042" y="1952602"/>
+              <a:ext cx="817769" cy="0"/>
+            </a:xfrm>
+            <a:prstGeom prst="straightConnector1">
+              <a:avLst/>
+            </a:prstGeom>
+            <a:ln w="28575">
+              <a:solidFill>
+                <a:schemeClr val="tx1"/>
+              </a:solidFill>
+              <a:tailEnd type="triangle"/>
+            </a:ln>
+          </p:spPr>
+          <p:style>
+            <a:lnRef idx="1">
+              <a:schemeClr val="accent1"/>
+            </a:lnRef>
+            <a:fillRef idx="0">
+              <a:schemeClr val="accent1"/>
+            </a:fillRef>
+            <a:effectRef idx="0">
+              <a:schemeClr val="accent1"/>
+            </a:effectRef>
+            <a:fontRef idx="minor">
+              <a:schemeClr val="tx1"/>
+            </a:fontRef>
+          </p:style>
+        </p:cxnSp>
         <p:sp>
           <p:nvSpPr>
-            <p:cNvPr id="34" name="テキスト ボックス 33">
+            <p:cNvPr id="71" name="テキスト ボックス 70">
               <a:extLst>
                 <a:ext uri="{FF2B5EF4-FFF2-40B4-BE49-F238E27FC236}">
-                  <a16:creationId xmlns:a16="http://schemas.microsoft.com/office/drawing/2014/main" id="{6E8495C4-3B81-4DB5-B211-806C8CECB11C}"/>
+                  <a16:creationId xmlns:a16="http://schemas.microsoft.com/office/drawing/2014/main" id="{74A7B4B9-4E6E-4319-8E0A-B3674F62A27C}"/>
                 </a:ext>
               </a:extLst>
             </p:cNvPr>
@@ -3787,8 +4823,8 @@
           </p:nvSpPr>
           <p:spPr>
             <a:xfrm>
-              <a:off x="4262177" y="5479248"/>
-              <a:ext cx="1540944" cy="261610"/>
+              <a:off x="1537856" y="3693303"/>
+              <a:ext cx="1823870" cy="523220"/>
             </a:xfrm>
             <a:prstGeom prst="rect">
               <a:avLst/>
@@ -3801,21 +4837,25 @@
             </a:bodyPr>
             <a:lstStyle/>
             <a:p>
+              <a:pPr algn="ctr"/>
               <a:r>
-                <a:rPr lang="en-US" altLang="ja-JP" sz="1100" dirty="0">
+                <a:rPr kumimoji="1" lang="en-US" altLang="ja-JP" sz="1400" dirty="0">
                   <a:latin typeface="Arial" panose="020B0604020202020204" pitchFamily="34" charset="0"/>
                   <a:cs typeface="Arial" panose="020B0604020202020204" pitchFamily="34" charset="0"/>
                 </a:rPr>
-                <a:t>Convert </a:t>
+                <a:t>Reading data</a:t>
               </a:r>
+            </a:p>
+            <a:p>
+              <a:pPr algn="ctr"/>
               <a:r>
-                <a:rPr kumimoji="1" lang="en-US" altLang="ja-JP" sz="1100" dirty="0">
+                <a:rPr lang="en-US" altLang="ja-JP" sz="1400" dirty="0">
                   <a:latin typeface="Arial" panose="020B0604020202020204" pitchFamily="34" charset="0"/>
                   <a:cs typeface="Arial" panose="020B0604020202020204" pitchFamily="34" charset="0"/>
                 </a:rPr>
                 <a:t>process</a:t>
               </a:r>
-              <a:endParaRPr kumimoji="1" lang="ja-JP" altLang="en-US" sz="1100" dirty="0">
+              <a:endParaRPr kumimoji="1" lang="ja-JP" altLang="en-US" sz="1400" dirty="0">
                 <a:latin typeface="Arial" panose="020B0604020202020204" pitchFamily="34" charset="0"/>
                 <a:cs typeface="Arial" panose="020B0604020202020204" pitchFamily="34" charset="0"/>
               </a:endParaRPr>
@@ -3824,10 +4864,10 @@
         </p:sp>
         <p:sp>
           <p:nvSpPr>
-            <p:cNvPr id="35" name="テキスト ボックス 34">
+            <p:cNvPr id="72" name="テキスト ボックス 71">
               <a:extLst>
                 <a:ext uri="{FF2B5EF4-FFF2-40B4-BE49-F238E27FC236}">
-                  <a16:creationId xmlns:a16="http://schemas.microsoft.com/office/drawing/2014/main" id="{BE24186F-06C3-4D4D-B6A6-E468755C8CC2}"/>
+                  <a16:creationId xmlns:a16="http://schemas.microsoft.com/office/drawing/2014/main" id="{1AC6CF29-F09D-4572-9E65-CDE3CC567BEF}"/>
                 </a:ext>
               </a:extLst>
             </p:cNvPr>
@@ -3836,8 +4876,8 @@
           </p:nvSpPr>
           <p:spPr>
             <a:xfrm>
-              <a:off x="4938599" y="5653614"/>
-              <a:ext cx="1540944" cy="430887"/>
+              <a:off x="3121503" y="3693303"/>
+              <a:ext cx="1823870" cy="523220"/>
             </a:xfrm>
             <a:prstGeom prst="rect">
               <a:avLst/>
@@ -3850,21 +4890,25 @@
             </a:bodyPr>
             <a:lstStyle/>
             <a:p>
+              <a:pPr algn="ctr"/>
               <a:r>
-                <a:rPr lang="en-US" altLang="ja-JP" sz="1100" dirty="0">
+                <a:rPr lang="en-US" altLang="ja-JP" sz="1400" dirty="0">
                   <a:latin typeface="Arial" panose="020B0604020202020204" pitchFamily="34" charset="0"/>
                   <a:cs typeface="Arial" panose="020B0604020202020204" pitchFamily="34" charset="0"/>
                 </a:rPr>
-                <a:t>Repetition partitioning </a:t>
+                <a:t>Converting</a:t>
               </a:r>
+            </a:p>
+            <a:p>
+              <a:pPr algn="ctr"/>
               <a:r>
-                <a:rPr kumimoji="1" lang="en-US" altLang="ja-JP" sz="1100" dirty="0">
+                <a:rPr lang="en-US" altLang="ja-JP" sz="1400" dirty="0">
                   <a:latin typeface="Arial" panose="020B0604020202020204" pitchFamily="34" charset="0"/>
                   <a:cs typeface="Arial" panose="020B0604020202020204" pitchFamily="34" charset="0"/>
                 </a:rPr>
                 <a:t>process</a:t>
               </a:r>
-              <a:endParaRPr kumimoji="1" lang="ja-JP" altLang="en-US" sz="1100" dirty="0">
+              <a:endParaRPr kumimoji="1" lang="ja-JP" altLang="en-US" sz="1400" dirty="0">
                 <a:latin typeface="Arial" panose="020B0604020202020204" pitchFamily="34" charset="0"/>
                 <a:cs typeface="Arial" panose="020B0604020202020204" pitchFamily="34" charset="0"/>
               </a:endParaRPr>
@@ -3873,10 +4917,10 @@
         </p:sp>
         <p:sp>
           <p:nvSpPr>
-            <p:cNvPr id="36" name="テキスト ボックス 35">
+            <p:cNvPr id="73" name="テキスト ボックス 72">
               <a:extLst>
                 <a:ext uri="{FF2B5EF4-FFF2-40B4-BE49-F238E27FC236}">
-                  <a16:creationId xmlns:a16="http://schemas.microsoft.com/office/drawing/2014/main" id="{30F84E8E-D2A2-480B-A015-47CB2F591DD7}"/>
+                  <a16:creationId xmlns:a16="http://schemas.microsoft.com/office/drawing/2014/main" id="{05C463DA-84A0-408E-82F5-AD386C18C305}"/>
                 </a:ext>
               </a:extLst>
             </p:cNvPr>
@@ -3885,8 +4929,8 @@
           </p:nvSpPr>
           <p:spPr>
             <a:xfrm>
-              <a:off x="5730444" y="5209338"/>
-              <a:ext cx="1540944" cy="430887"/>
+              <a:off x="4508095" y="3689584"/>
+              <a:ext cx="2088791" cy="523220"/>
             </a:xfrm>
             <a:prstGeom prst="rect">
               <a:avLst/>
@@ -3899,19 +4943,119 @@
             </a:bodyPr>
             <a:lstStyle/>
             <a:p>
+              <a:pPr algn="ctr"/>
               <a:r>
-                <a:rPr lang="en-US" altLang="ja-JP" sz="1100" dirty="0">
+                <a:rPr kumimoji="1" lang="en-US" altLang="ja-JP" sz="1400" dirty="0">
                   <a:latin typeface="Arial" panose="020B0604020202020204" pitchFamily="34" charset="0"/>
                   <a:cs typeface="Arial" panose="020B0604020202020204" pitchFamily="34" charset="0"/>
                 </a:rPr>
-                <a:t>Feature extraction </a:t>
+                <a:t>Partitioning</a:t>
               </a:r>
+            </a:p>
+            <a:p>
+              <a:pPr algn="ctr"/>
+              <a:r>
+                <a:rPr lang="en-US" altLang="ja-JP" sz="1400" dirty="0">
+                  <a:latin typeface="Arial" panose="020B0604020202020204" pitchFamily="34" charset="0"/>
+                  <a:cs typeface="Arial" panose="020B0604020202020204" pitchFamily="34" charset="0"/>
+                </a:rPr>
+                <a:t>process</a:t>
+              </a:r>
+              <a:endParaRPr kumimoji="1" lang="ja-JP" altLang="en-US" sz="1400" dirty="0">
+                <a:latin typeface="Arial" panose="020B0604020202020204" pitchFamily="34" charset="0"/>
+                <a:cs typeface="Arial" panose="020B0604020202020204" pitchFamily="34" charset="0"/>
+              </a:endParaRPr>
+            </a:p>
+          </p:txBody>
+        </p:sp>
+        <p:sp>
+          <p:nvSpPr>
+            <p:cNvPr id="74" name="テキスト ボックス 73">
+              <a:extLst>
+                <a:ext uri="{FF2B5EF4-FFF2-40B4-BE49-F238E27FC236}">
+                  <a16:creationId xmlns:a16="http://schemas.microsoft.com/office/drawing/2014/main" id="{C450C26A-515C-45B5-9894-772AABF33284}"/>
+                </a:ext>
+              </a:extLst>
+            </p:cNvPr>
+            <p:cNvSpPr txBox="1"/>
+            <p:nvPr/>
+          </p:nvSpPr>
+          <p:spPr>
+            <a:xfrm>
+              <a:off x="6048292" y="3689584"/>
+              <a:ext cx="2088791" cy="523220"/>
+            </a:xfrm>
+            <a:prstGeom prst="rect">
+              <a:avLst/>
+            </a:prstGeom>
+            <a:noFill/>
+          </p:spPr>
+          <p:txBody>
+            <a:bodyPr wrap="square" rtlCol="0">
+              <a:spAutoFit/>
+            </a:bodyPr>
+            <a:lstStyle/>
+            <a:p>
+              <a:pPr algn="ctr"/>
+              <a:r>
+                <a:rPr kumimoji="1" lang="en-US" altLang="ja-JP" sz="1400" dirty="0">
+                  <a:latin typeface="Arial" panose="020B0604020202020204" pitchFamily="34" charset="0"/>
+                  <a:cs typeface="Arial" panose="020B0604020202020204" pitchFamily="34" charset="0"/>
+                </a:rPr>
+                <a:t>Feature extraction</a:t>
+              </a:r>
+            </a:p>
+            <a:p>
+              <a:pPr algn="ctr"/>
+              <a:r>
+                <a:rPr lang="en-US" altLang="ja-JP" sz="1400" dirty="0">
+                  <a:latin typeface="Arial" panose="020B0604020202020204" pitchFamily="34" charset="0"/>
+                  <a:cs typeface="Arial" panose="020B0604020202020204" pitchFamily="34" charset="0"/>
+                </a:rPr>
+                <a:t>process</a:t>
+              </a:r>
+              <a:endParaRPr kumimoji="1" lang="ja-JP" altLang="en-US" sz="1400" dirty="0">
+                <a:latin typeface="Arial" panose="020B0604020202020204" pitchFamily="34" charset="0"/>
+                <a:cs typeface="Arial" panose="020B0604020202020204" pitchFamily="34" charset="0"/>
+              </a:endParaRPr>
+            </a:p>
+          </p:txBody>
+        </p:sp>
+        <p:sp>
+          <p:nvSpPr>
+            <p:cNvPr id="75" name="テキスト ボックス 74">
+              <a:extLst>
+                <a:ext uri="{FF2B5EF4-FFF2-40B4-BE49-F238E27FC236}">
+                  <a16:creationId xmlns:a16="http://schemas.microsoft.com/office/drawing/2014/main" id="{7AFE025E-82E1-4B3C-A560-C64342E58AD4}"/>
+                </a:ext>
+              </a:extLst>
+            </p:cNvPr>
+            <p:cNvSpPr txBox="1"/>
+            <p:nvPr/>
+          </p:nvSpPr>
+          <p:spPr>
+            <a:xfrm>
+              <a:off x="2351313" y="1733033"/>
+              <a:ext cx="1823870" cy="261610"/>
+            </a:xfrm>
+            <a:prstGeom prst="rect">
+              <a:avLst/>
+            </a:prstGeom>
+            <a:noFill/>
+          </p:spPr>
+          <p:txBody>
+            <a:bodyPr wrap="square" rtlCol="0">
+              <a:spAutoFit/>
+            </a:bodyPr>
+            <a:lstStyle/>
+            <a:p>
+              <a:pPr algn="ctr"/>
               <a:r>
                 <a:rPr kumimoji="1" lang="en-US" altLang="ja-JP" sz="1100" dirty="0">
                   <a:latin typeface="Arial" panose="020B0604020202020204" pitchFamily="34" charset="0"/>
                   <a:cs typeface="Arial" panose="020B0604020202020204" pitchFamily="34" charset="0"/>
                 </a:rPr>
-                <a:t>process</a:t>
+                <a:t>Right Shoulder</a:t>
               </a:r>
               <a:endParaRPr kumimoji="1" lang="ja-JP" altLang="en-US" sz="1100" dirty="0">
                 <a:latin typeface="Arial" panose="020B0604020202020204" pitchFamily="34" charset="0"/>
@@ -3920,41 +5064,268 @@
             </a:p>
           </p:txBody>
         </p:sp>
-        <p:pic>
-          <p:nvPicPr>
-            <p:cNvPr id="29" name="図 28">
+        <p:sp>
+          <p:nvSpPr>
+            <p:cNvPr id="76" name="テキスト ボックス 75">
               <a:extLst>
                 <a:ext uri="{FF2B5EF4-FFF2-40B4-BE49-F238E27FC236}">
-                  <a16:creationId xmlns:a16="http://schemas.microsoft.com/office/drawing/2014/main" id="{962B4E47-C54D-4D04-9D59-8061BBDC23DE}"/>
+                  <a16:creationId xmlns:a16="http://schemas.microsoft.com/office/drawing/2014/main" id="{8310411F-11A9-42C1-8CB8-3ED22713CE14}"/>
                 </a:ext>
               </a:extLst>
             </p:cNvPr>
-            <p:cNvPicPr>
-              <a:picLocks noChangeAspect="1"/>
-            </p:cNvPicPr>
+            <p:cNvSpPr txBox="1"/>
             <p:nvPr/>
-          </p:nvPicPr>
-          <p:blipFill rotWithShape="1">
-            <a:blip r:embed="rId3"/>
-            <a:srcRect r="83125"/>
-            <a:stretch/>
-          </p:blipFill>
+          </p:nvSpPr>
           <p:spPr>
             <a:xfrm>
-              <a:off x="3575191" y="1081797"/>
-              <a:ext cx="1135754" cy="4407790"/>
+              <a:off x="2338343" y="3306571"/>
+              <a:ext cx="1823870" cy="261610"/>
             </a:xfrm>
             <a:prstGeom prst="rect">
               <a:avLst/>
             </a:prstGeom>
+            <a:noFill/>
           </p:spPr>
-        </p:pic>
+          <p:txBody>
+            <a:bodyPr wrap="square" rtlCol="0">
+              <a:spAutoFit/>
+            </a:bodyPr>
+            <a:lstStyle/>
+            <a:p>
+              <a:pPr algn="ctr"/>
+              <a:r>
+                <a:rPr kumimoji="1" lang="en-US" altLang="ja-JP" sz="1100" dirty="0">
+                  <a:latin typeface="Arial" panose="020B0604020202020204" pitchFamily="34" charset="0"/>
+                  <a:cs typeface="Arial" panose="020B0604020202020204" pitchFamily="34" charset="0"/>
+                </a:rPr>
+                <a:t>Left Wrist</a:t>
+              </a:r>
+              <a:endParaRPr kumimoji="1" lang="ja-JP" altLang="en-US" sz="1100" dirty="0">
+                <a:latin typeface="Arial" panose="020B0604020202020204" pitchFamily="34" charset="0"/>
+                <a:cs typeface="Arial" panose="020B0604020202020204" pitchFamily="34" charset="0"/>
+              </a:endParaRPr>
+            </a:p>
+          </p:txBody>
+        </p:sp>
         <p:sp>
           <p:nvSpPr>
-            <p:cNvPr id="10" name="正方形/長方形 9">
+            <p:cNvPr id="77" name="テキスト ボックス 76">
               <a:extLst>
                 <a:ext uri="{FF2B5EF4-FFF2-40B4-BE49-F238E27FC236}">
-                  <a16:creationId xmlns:a16="http://schemas.microsoft.com/office/drawing/2014/main" id="{D5F8B295-6F81-4540-8D56-9C7732C15CB4}"/>
+                  <a16:creationId xmlns:a16="http://schemas.microsoft.com/office/drawing/2014/main" id="{E57548CD-FDEF-4577-98DE-46485D2BBDC8}"/>
+                </a:ext>
+              </a:extLst>
+            </p:cNvPr>
+            <p:cNvSpPr txBox="1"/>
+            <p:nvPr/>
+          </p:nvSpPr>
+          <p:spPr>
+            <a:xfrm rot="16200000">
+              <a:off x="3126801" y="2422711"/>
+              <a:ext cx="909345" cy="461665"/>
+            </a:xfrm>
+            <a:prstGeom prst="rect">
+              <a:avLst/>
+            </a:prstGeom>
+            <a:noFill/>
+          </p:spPr>
+          <p:txBody>
+            <a:bodyPr wrap="square" rtlCol="0">
+              <a:spAutoFit/>
+            </a:bodyPr>
+            <a:lstStyle/>
+            <a:p>
+              <a:pPr algn="ctr"/>
+              <a:r>
+                <a:rPr kumimoji="1" lang="en-US" altLang="ja-JP" sz="2400" b="1" dirty="0">
+                  <a:cs typeface="Arial" panose="020B0604020202020204" pitchFamily="34" charset="0"/>
+                </a:rPr>
+                <a:t>……</a:t>
+              </a:r>
+              <a:endParaRPr kumimoji="1" lang="ja-JP" altLang="en-US" sz="2400" b="1" dirty="0">
+                <a:cs typeface="Arial" panose="020B0604020202020204" pitchFamily="34" charset="0"/>
+              </a:endParaRPr>
+            </a:p>
+          </p:txBody>
+        </p:sp>
+        <p:sp>
+          <p:nvSpPr>
+            <p:cNvPr id="78" name="テキスト ボックス 77">
+              <a:extLst>
+                <a:ext uri="{FF2B5EF4-FFF2-40B4-BE49-F238E27FC236}">
+                  <a16:creationId xmlns:a16="http://schemas.microsoft.com/office/drawing/2014/main" id="{781351E2-4E20-47BC-8EA3-BB907E5F5F69}"/>
+                </a:ext>
+              </a:extLst>
+            </p:cNvPr>
+            <p:cNvSpPr txBox="1"/>
+            <p:nvPr/>
+          </p:nvSpPr>
+          <p:spPr>
+            <a:xfrm>
+              <a:off x="1537856" y="1303224"/>
+              <a:ext cx="1823870" cy="261610"/>
+            </a:xfrm>
+            <a:prstGeom prst="rect">
+              <a:avLst/>
+            </a:prstGeom>
+            <a:noFill/>
+          </p:spPr>
+          <p:txBody>
+            <a:bodyPr wrap="square" rtlCol="0">
+              <a:spAutoFit/>
+            </a:bodyPr>
+            <a:lstStyle/>
+            <a:p>
+              <a:pPr algn="ctr"/>
+              <a:r>
+                <a:rPr lang="en-US" altLang="ja-JP" sz="1100" dirty="0">
+                  <a:latin typeface="Arial" panose="020B0604020202020204" pitchFamily="34" charset="0"/>
+                  <a:cs typeface="Arial" panose="020B0604020202020204" pitchFamily="34" charset="0"/>
+                </a:rPr>
+                <a:t>One file</a:t>
+              </a:r>
+              <a:endParaRPr kumimoji="1" lang="ja-JP" altLang="en-US" sz="1100" dirty="0">
+                <a:latin typeface="Arial" panose="020B0604020202020204" pitchFamily="34" charset="0"/>
+                <a:cs typeface="Arial" panose="020B0604020202020204" pitchFamily="34" charset="0"/>
+              </a:endParaRPr>
+            </a:p>
+          </p:txBody>
+        </p:sp>
+        <p:sp>
+          <p:nvSpPr>
+            <p:cNvPr id="79" name="テキスト ボックス 78">
+              <a:extLst>
+                <a:ext uri="{FF2B5EF4-FFF2-40B4-BE49-F238E27FC236}">
+                  <a16:creationId xmlns:a16="http://schemas.microsoft.com/office/drawing/2014/main" id="{B206C32F-1A40-4BC2-90AB-FA434F5788D6}"/>
+                </a:ext>
+              </a:extLst>
+            </p:cNvPr>
+            <p:cNvSpPr txBox="1"/>
+            <p:nvPr/>
+          </p:nvSpPr>
+          <p:spPr>
+            <a:xfrm>
+              <a:off x="3121503" y="1305493"/>
+              <a:ext cx="1823870" cy="261610"/>
+            </a:xfrm>
+            <a:prstGeom prst="rect">
+              <a:avLst/>
+            </a:prstGeom>
+            <a:noFill/>
+          </p:spPr>
+          <p:txBody>
+            <a:bodyPr wrap="square" rtlCol="0">
+              <a:spAutoFit/>
+            </a:bodyPr>
+            <a:lstStyle/>
+            <a:p>
+              <a:pPr algn="ctr"/>
+              <a:r>
+                <a:rPr lang="en-US" altLang="ja-JP" sz="1100" dirty="0">
+                  <a:latin typeface="Arial" panose="020B0604020202020204" pitchFamily="34" charset="0"/>
+                  <a:cs typeface="Arial" panose="020B0604020202020204" pitchFamily="34" charset="0"/>
+                </a:rPr>
+                <a:t>One file</a:t>
+              </a:r>
+              <a:endParaRPr kumimoji="1" lang="ja-JP" altLang="en-US" sz="1100" dirty="0">
+                <a:latin typeface="Arial" panose="020B0604020202020204" pitchFamily="34" charset="0"/>
+                <a:cs typeface="Arial" panose="020B0604020202020204" pitchFamily="34" charset="0"/>
+              </a:endParaRPr>
+            </a:p>
+          </p:txBody>
+        </p:sp>
+        <p:sp>
+          <p:nvSpPr>
+            <p:cNvPr id="80" name="テキスト ボックス 79">
+              <a:extLst>
+                <a:ext uri="{FF2B5EF4-FFF2-40B4-BE49-F238E27FC236}">
+                  <a16:creationId xmlns:a16="http://schemas.microsoft.com/office/drawing/2014/main" id="{EA8537BD-20CB-4B42-9680-A2479D846CC1}"/>
+                </a:ext>
+              </a:extLst>
+            </p:cNvPr>
+            <p:cNvSpPr txBox="1"/>
+            <p:nvPr/>
+          </p:nvSpPr>
+          <p:spPr>
+            <a:xfrm>
+              <a:off x="4630502" y="1298357"/>
+              <a:ext cx="1823870" cy="261610"/>
+            </a:xfrm>
+            <a:prstGeom prst="rect">
+              <a:avLst/>
+            </a:prstGeom>
+            <a:noFill/>
+          </p:spPr>
+          <p:txBody>
+            <a:bodyPr wrap="square" rtlCol="0">
+              <a:spAutoFit/>
+            </a:bodyPr>
+            <a:lstStyle/>
+            <a:p>
+              <a:pPr algn="ctr"/>
+              <a:r>
+                <a:rPr kumimoji="1" lang="en-US" altLang="ja-JP" sz="1100" dirty="0">
+                  <a:latin typeface="Arial" panose="020B0604020202020204" pitchFamily="34" charset="0"/>
+                  <a:cs typeface="Arial" panose="020B0604020202020204" pitchFamily="34" charset="0"/>
+                </a:rPr>
+                <a:t>Some files</a:t>
+              </a:r>
+              <a:endParaRPr kumimoji="1" lang="ja-JP" altLang="en-US" sz="1100" dirty="0">
+                <a:latin typeface="Arial" panose="020B0604020202020204" pitchFamily="34" charset="0"/>
+                <a:cs typeface="Arial" panose="020B0604020202020204" pitchFamily="34" charset="0"/>
+              </a:endParaRPr>
+            </a:p>
+          </p:txBody>
+        </p:sp>
+        <p:sp>
+          <p:nvSpPr>
+            <p:cNvPr id="81" name="テキスト ボックス 80">
+              <a:extLst>
+                <a:ext uri="{FF2B5EF4-FFF2-40B4-BE49-F238E27FC236}">
+                  <a16:creationId xmlns:a16="http://schemas.microsoft.com/office/drawing/2014/main" id="{CD5C1B39-5CC5-42E3-B6CF-C8689D41B1C3}"/>
+                </a:ext>
+              </a:extLst>
+            </p:cNvPr>
+            <p:cNvSpPr txBox="1"/>
+            <p:nvPr/>
+          </p:nvSpPr>
+          <p:spPr>
+            <a:xfrm>
+              <a:off x="6177460" y="1298357"/>
+              <a:ext cx="1823870" cy="261610"/>
+            </a:xfrm>
+            <a:prstGeom prst="rect">
+              <a:avLst/>
+            </a:prstGeom>
+            <a:noFill/>
+          </p:spPr>
+          <p:txBody>
+            <a:bodyPr wrap="square" rtlCol="0">
+              <a:spAutoFit/>
+            </a:bodyPr>
+            <a:lstStyle/>
+            <a:p>
+              <a:pPr algn="ctr"/>
+              <a:r>
+                <a:rPr kumimoji="1" lang="en-US" altLang="ja-JP" sz="1100" dirty="0">
+                  <a:latin typeface="Arial" panose="020B0604020202020204" pitchFamily="34" charset="0"/>
+                  <a:cs typeface="Arial" panose="020B0604020202020204" pitchFamily="34" charset="0"/>
+                </a:rPr>
+                <a:t>Some files from one file</a:t>
+              </a:r>
+              <a:endParaRPr kumimoji="1" lang="ja-JP" altLang="en-US" sz="1100" dirty="0">
+                <a:latin typeface="Arial" panose="020B0604020202020204" pitchFamily="34" charset="0"/>
+                <a:cs typeface="Arial" panose="020B0604020202020204" pitchFamily="34" charset="0"/>
+              </a:endParaRPr>
+            </a:p>
+          </p:txBody>
+        </p:sp>
+        <p:sp>
+          <p:nvSpPr>
+            <p:cNvPr id="82" name="正方形/長方形 81">
+              <a:extLst>
+                <a:ext uri="{FF2B5EF4-FFF2-40B4-BE49-F238E27FC236}">
+                  <a16:creationId xmlns:a16="http://schemas.microsoft.com/office/drawing/2014/main" id="{088F58F0-ADFB-405E-92E9-6EC46D474E45}"/>
                 </a:ext>
               </a:extLst>
             </p:cNvPr>
@@ -3963,12 +5334,18 @@
           </p:nvSpPr>
           <p:spPr>
             <a:xfrm>
-              <a:off x="2989490" y="1208887"/>
-              <a:ext cx="565265" cy="4073236"/>
+              <a:off x="5265482" y="1827433"/>
+              <a:ext cx="324000" cy="462996"/>
             </a:xfrm>
             <a:prstGeom prst="rect">
               <a:avLst/>
             </a:prstGeom>
+            <a:noFill/>
+            <a:ln w="38100">
+              <a:solidFill>
+                <a:srgbClr val="FF0000"/>
+              </a:solidFill>
+            </a:ln>
           </p:spPr>
           <p:style>
             <a:lnRef idx="2">
@@ -3997,10 +5374,62 @@
         </p:sp>
         <p:sp>
           <p:nvSpPr>
-            <p:cNvPr id="11" name="テキスト ボックス 10">
+            <p:cNvPr id="86" name="正方形/長方形 85">
               <a:extLst>
                 <a:ext uri="{FF2B5EF4-FFF2-40B4-BE49-F238E27FC236}">
-                  <a16:creationId xmlns:a16="http://schemas.microsoft.com/office/drawing/2014/main" id="{D05F558F-7779-4B7B-B3A1-173107CE2E8B}"/>
+                  <a16:creationId xmlns:a16="http://schemas.microsoft.com/office/drawing/2014/main" id="{4786CB78-A7E0-4B88-B28B-4BAF0EEAFBF1}"/>
+                </a:ext>
+              </a:extLst>
+            </p:cNvPr>
+            <p:cNvSpPr/>
+            <p:nvPr/>
+          </p:nvSpPr>
+          <p:spPr>
+            <a:xfrm>
+              <a:off x="5259940" y="3226748"/>
+              <a:ext cx="324000" cy="462996"/>
+            </a:xfrm>
+            <a:prstGeom prst="rect">
+              <a:avLst/>
+            </a:prstGeom>
+            <a:noFill/>
+            <a:ln w="38100">
+              <a:solidFill>
+                <a:srgbClr val="FF0000"/>
+              </a:solidFill>
+            </a:ln>
+          </p:spPr>
+          <p:style>
+            <a:lnRef idx="2">
+              <a:schemeClr val="accent1">
+                <a:shade val="50000"/>
+              </a:schemeClr>
+            </a:lnRef>
+            <a:fillRef idx="1">
+              <a:schemeClr val="accent1"/>
+            </a:fillRef>
+            <a:effectRef idx="0">
+              <a:schemeClr val="accent1"/>
+            </a:effectRef>
+            <a:fontRef idx="minor">
+              <a:schemeClr val="lt1"/>
+            </a:fontRef>
+          </p:style>
+          <p:txBody>
+            <a:bodyPr rtlCol="0" anchor="ctr"/>
+            <a:lstStyle/>
+            <a:p>
+              <a:pPr algn="ctr"/>
+              <a:endParaRPr kumimoji="1" lang="ja-JP" altLang="en-US"/>
+            </a:p>
+          </p:txBody>
+        </p:sp>
+        <p:sp>
+          <p:nvSpPr>
+            <p:cNvPr id="87" name="テキスト ボックス 86">
+              <a:extLst>
+                <a:ext uri="{FF2B5EF4-FFF2-40B4-BE49-F238E27FC236}">
+                  <a16:creationId xmlns:a16="http://schemas.microsoft.com/office/drawing/2014/main" id="{03A49D24-15A7-45DF-8E2D-6F96415F2AED}"/>
                 </a:ext>
               </a:extLst>
             </p:cNvPr>
@@ -4009,8 +5438,8 @@
           </p:nvSpPr>
           <p:spPr>
             <a:xfrm>
-              <a:off x="2721233" y="5354449"/>
-              <a:ext cx="1540944" cy="261610"/>
+              <a:off x="5389561" y="1992998"/>
+              <a:ext cx="1823870" cy="261610"/>
             </a:xfrm>
             <a:prstGeom prst="rect">
               <a:avLst/>
@@ -4023,12 +5452,13 @@
             </a:bodyPr>
             <a:lstStyle/>
             <a:p>
+              <a:pPr algn="ctr"/>
               <a:r>
                 <a:rPr kumimoji="1" lang="en-US" altLang="ja-JP" sz="1100" dirty="0">
                   <a:latin typeface="Arial" panose="020B0604020202020204" pitchFamily="34" charset="0"/>
                   <a:cs typeface="Arial" panose="020B0604020202020204" pitchFamily="34" charset="0"/>
                 </a:rPr>
-                <a:t>Read data process</a:t>
+                <a:t>from one file</a:t>
               </a:r>
               <a:endParaRPr kumimoji="1" lang="ja-JP" altLang="en-US" sz="1100" dirty="0">
                 <a:latin typeface="Arial" panose="020B0604020202020204" pitchFamily="34" charset="0"/>
@@ -4039,25 +5469,30 @@
         </p:sp>
         <p:cxnSp>
           <p:nvCxnSpPr>
-            <p:cNvPr id="13" name="直線矢印コネクタ 12">
+            <p:cNvPr id="89" name="直線矢印コネクタ 88">
               <a:extLst>
                 <a:ext uri="{FF2B5EF4-FFF2-40B4-BE49-F238E27FC236}">
-                  <a16:creationId xmlns:a16="http://schemas.microsoft.com/office/drawing/2014/main" id="{FF07E9C3-0F10-44A6-A6AB-841C0FC99685}"/>
+                  <a16:creationId xmlns:a16="http://schemas.microsoft.com/office/drawing/2014/main" id="{C868898A-5214-4C0E-BAF0-7ECE284130CD}"/>
                 </a:ext>
               </a:extLst>
             </p:cNvPr>
-            <p:cNvCxnSpPr/>
+            <p:cNvCxnSpPr>
+              <a:cxnSpLocks/>
+            </p:cNvCxnSpPr>
             <p:nvPr/>
           </p:nvCxnSpPr>
           <p:spPr>
-            <a:xfrm flipV="1">
-              <a:off x="3657600" y="1770843"/>
-              <a:ext cx="931026" cy="1213659"/>
+            <a:xfrm>
+              <a:off x="5904814" y="3351913"/>
+              <a:ext cx="817769" cy="0"/>
             </a:xfrm>
             <a:prstGeom prst="straightConnector1">
               <a:avLst/>
             </a:prstGeom>
-            <a:ln>
+            <a:ln w="28575">
+              <a:solidFill>
+                <a:schemeClr val="tx1"/>
+              </a:solidFill>
               <a:tailEnd type="triangle"/>
             </a:ln>
           </p:spPr>
@@ -4076,214 +5511,54 @@
             </a:fontRef>
           </p:style>
         </p:cxnSp>
-        <p:cxnSp>
-          <p:nvCxnSpPr>
-            <p:cNvPr id="15" name="直線矢印コネクタ 14">
+        <p:sp>
+          <p:nvSpPr>
+            <p:cNvPr id="90" name="テキスト ボックス 89">
               <a:extLst>
                 <a:ext uri="{FF2B5EF4-FFF2-40B4-BE49-F238E27FC236}">
-                  <a16:creationId xmlns:a16="http://schemas.microsoft.com/office/drawing/2014/main" id="{B207ABCD-E85D-41D8-91D3-C77F7FDB8059}"/>
+                  <a16:creationId xmlns:a16="http://schemas.microsoft.com/office/drawing/2014/main" id="{8FC88455-535B-4F56-8D24-599E9296EEF2}"/>
                 </a:ext>
               </a:extLst>
             </p:cNvPr>
-            <p:cNvCxnSpPr/>
+            <p:cNvSpPr txBox="1"/>
             <p:nvPr/>
-          </p:nvCxnSpPr>
+          </p:nvSpPr>
           <p:spPr>
-            <a:xfrm flipV="1">
-              <a:off x="3640975" y="2385985"/>
-              <a:ext cx="922713" cy="859520"/>
+            <a:xfrm>
+              <a:off x="5392333" y="3392309"/>
+              <a:ext cx="1823870" cy="261610"/>
             </a:xfrm>
-            <a:prstGeom prst="straightConnector1">
+            <a:prstGeom prst="rect">
               <a:avLst/>
             </a:prstGeom>
-            <a:ln>
-              <a:tailEnd type="triangle"/>
-            </a:ln>
+            <a:noFill/>
           </p:spPr>
-          <p:style>
-            <a:lnRef idx="1">
-              <a:schemeClr val="accent1"/>
-            </a:lnRef>
-            <a:fillRef idx="0">
-              <a:schemeClr val="accent1"/>
-            </a:fillRef>
-            <a:effectRef idx="0">
-              <a:schemeClr val="accent1"/>
-            </a:effectRef>
-            <a:fontRef idx="minor">
-              <a:schemeClr val="tx1"/>
-            </a:fontRef>
-          </p:style>
-        </p:cxnSp>
-        <p:cxnSp>
-          <p:nvCxnSpPr>
-            <p:cNvPr id="16" name="直線矢印コネクタ 15">
-              <a:extLst>
-                <a:ext uri="{FF2B5EF4-FFF2-40B4-BE49-F238E27FC236}">
-                  <a16:creationId xmlns:a16="http://schemas.microsoft.com/office/drawing/2014/main" id="{351BD391-8C44-41BF-9DA9-9EAB2C7977AB}"/>
-                </a:ext>
-              </a:extLst>
-            </p:cNvPr>
-            <p:cNvCxnSpPr>
-              <a:cxnSpLocks/>
-            </p:cNvCxnSpPr>
-            <p:nvPr/>
-          </p:nvCxnSpPr>
-          <p:spPr>
-            <a:xfrm flipV="1">
-              <a:off x="3657600" y="2815745"/>
-              <a:ext cx="906088" cy="510689"/>
-            </a:xfrm>
-            <a:prstGeom prst="straightConnector1">
-              <a:avLst/>
-            </a:prstGeom>
-            <a:ln>
-              <a:tailEnd type="triangle"/>
-            </a:ln>
-          </p:spPr>
-          <p:style>
-            <a:lnRef idx="1">
-              <a:schemeClr val="accent1"/>
-            </a:lnRef>
-            <a:fillRef idx="0">
-              <a:schemeClr val="accent1"/>
-            </a:fillRef>
-            <a:effectRef idx="0">
-              <a:schemeClr val="accent1"/>
-            </a:effectRef>
-            <a:fontRef idx="minor">
-              <a:schemeClr val="tx1"/>
-            </a:fontRef>
-          </p:style>
-        </p:cxnSp>
-        <p:cxnSp>
-          <p:nvCxnSpPr>
-            <p:cNvPr id="19" name="直線矢印コネクタ 18">
-              <a:extLst>
-                <a:ext uri="{FF2B5EF4-FFF2-40B4-BE49-F238E27FC236}">
-                  <a16:creationId xmlns:a16="http://schemas.microsoft.com/office/drawing/2014/main" id="{715FABA2-09D8-4789-BBE7-649C4DEE45A7}"/>
-                </a:ext>
-              </a:extLst>
-            </p:cNvPr>
-            <p:cNvCxnSpPr>
-              <a:cxnSpLocks/>
-            </p:cNvCxnSpPr>
-            <p:nvPr/>
-          </p:nvCxnSpPr>
-          <p:spPr>
-            <a:xfrm flipV="1">
-              <a:off x="3657600" y="3407363"/>
-              <a:ext cx="781397" cy="6900"/>
-            </a:xfrm>
-            <a:prstGeom prst="straightConnector1">
-              <a:avLst/>
-            </a:prstGeom>
-            <a:ln>
-              <a:tailEnd type="triangle"/>
-            </a:ln>
-          </p:spPr>
-          <p:style>
-            <a:lnRef idx="1">
-              <a:schemeClr val="accent1"/>
-            </a:lnRef>
-            <a:fillRef idx="0">
-              <a:schemeClr val="accent1"/>
-            </a:fillRef>
-            <a:effectRef idx="0">
-              <a:schemeClr val="accent1"/>
-            </a:effectRef>
-            <a:fontRef idx="minor">
-              <a:schemeClr val="tx1"/>
-            </a:fontRef>
-          </p:style>
-        </p:cxnSp>
-        <p:cxnSp>
-          <p:nvCxnSpPr>
-            <p:cNvPr id="22" name="直線矢印コネクタ 21">
-              <a:extLst>
-                <a:ext uri="{FF2B5EF4-FFF2-40B4-BE49-F238E27FC236}">
-                  <a16:creationId xmlns:a16="http://schemas.microsoft.com/office/drawing/2014/main" id="{BC08158B-2F4C-4450-9077-8E3AFE39F862}"/>
-                </a:ext>
-              </a:extLst>
-            </p:cNvPr>
-            <p:cNvCxnSpPr>
-              <a:cxnSpLocks/>
-            </p:cNvCxnSpPr>
-            <p:nvPr/>
-          </p:nvCxnSpPr>
-          <p:spPr>
-            <a:xfrm>
-              <a:off x="3657600" y="3593832"/>
-              <a:ext cx="781397" cy="492625"/>
-            </a:xfrm>
-            <a:prstGeom prst="straightConnector1">
-              <a:avLst/>
-            </a:prstGeom>
-            <a:ln>
-              <a:tailEnd type="triangle"/>
-            </a:ln>
-          </p:spPr>
-          <p:style>
-            <a:lnRef idx="1">
-              <a:schemeClr val="accent1"/>
-            </a:lnRef>
-            <a:fillRef idx="0">
-              <a:schemeClr val="accent1"/>
-            </a:fillRef>
-            <a:effectRef idx="0">
-              <a:schemeClr val="accent1"/>
-            </a:effectRef>
-            <a:fontRef idx="minor">
-              <a:schemeClr val="tx1"/>
-            </a:fontRef>
-          </p:style>
-        </p:cxnSp>
-        <p:cxnSp>
-          <p:nvCxnSpPr>
-            <p:cNvPr id="25" name="直線矢印コネクタ 24">
-              <a:extLst>
-                <a:ext uri="{FF2B5EF4-FFF2-40B4-BE49-F238E27FC236}">
-                  <a16:creationId xmlns:a16="http://schemas.microsoft.com/office/drawing/2014/main" id="{516ADC41-13F5-4FC8-BACA-889AAF12EF04}"/>
-                </a:ext>
-              </a:extLst>
-            </p:cNvPr>
-            <p:cNvCxnSpPr>
-              <a:cxnSpLocks/>
-            </p:cNvCxnSpPr>
-            <p:nvPr/>
-          </p:nvCxnSpPr>
-          <p:spPr>
-            <a:xfrm>
-              <a:off x="3657600" y="3796963"/>
-              <a:ext cx="781397" cy="893895"/>
-            </a:xfrm>
-            <a:prstGeom prst="straightConnector1">
-              <a:avLst/>
-            </a:prstGeom>
-            <a:ln>
-              <a:tailEnd type="triangle"/>
-            </a:ln>
-          </p:spPr>
-          <p:style>
-            <a:lnRef idx="1">
-              <a:schemeClr val="accent1"/>
-            </a:lnRef>
-            <a:fillRef idx="0">
-              <a:schemeClr val="accent1"/>
-            </a:fillRef>
-            <a:effectRef idx="0">
-              <a:schemeClr val="accent1"/>
-            </a:effectRef>
-            <a:fontRef idx="minor">
-              <a:schemeClr val="tx1"/>
-            </a:fontRef>
-          </p:style>
-        </p:cxnSp>
+          <p:txBody>
+            <a:bodyPr wrap="square" rtlCol="0">
+              <a:spAutoFit/>
+            </a:bodyPr>
+            <a:lstStyle/>
+            <a:p>
+              <a:pPr algn="ctr"/>
+              <a:r>
+                <a:rPr kumimoji="1" lang="en-US" altLang="ja-JP" sz="1100" dirty="0">
+                  <a:latin typeface="Arial" panose="020B0604020202020204" pitchFamily="34" charset="0"/>
+                  <a:cs typeface="Arial" panose="020B0604020202020204" pitchFamily="34" charset="0"/>
+                </a:rPr>
+                <a:t>from one file</a:t>
+              </a:r>
+              <a:endParaRPr kumimoji="1" lang="ja-JP" altLang="en-US" sz="1100" dirty="0">
+                <a:latin typeface="Arial" panose="020B0604020202020204" pitchFamily="34" charset="0"/>
+                <a:cs typeface="Arial" panose="020B0604020202020204" pitchFamily="34" charset="0"/>
+              </a:endParaRPr>
+            </a:p>
+          </p:txBody>
+        </p:sp>
       </p:grpSp>
     </p:spTree>
     <p:extLst>
       <p:ext uri="{BB962C8B-B14F-4D97-AF65-F5344CB8AC3E}">
-        <p14:creationId xmlns:p14="http://schemas.microsoft.com/office/powerpoint/2010/main" val="3309215821"/>
+        <p14:creationId xmlns:p14="http://schemas.microsoft.com/office/powerpoint/2010/main" val="3170801824"/>
       </p:ext>
     </p:extLst>
   </p:cSld>

--- a/paper/ABC2021BentoChallenge/figures/figures.pptx
+++ b/paper/ABC2021BentoChallenge/figures/figures.pptx
@@ -5,8 +5,8 @@
     <p:sldMasterId id="2147483648" r:id="rId1"/>
   </p:sldMasterIdLst>
   <p:sldIdLst>
-    <p:sldId id="256" r:id="rId2"/>
-    <p:sldId id="258" r:id="rId3"/>
+    <p:sldId id="258" r:id="rId2"/>
+    <p:sldId id="259" r:id="rId3"/>
   </p:sldIdLst>
   <p:sldSz cx="12192000" cy="6858000"/>
   <p:notesSz cx="6858000" cy="9144000"/>
@@ -3629,119 +3629,10 @@
       </p:grpSpPr>
       <p:grpSp>
         <p:nvGrpSpPr>
-          <p:cNvPr id="24" name="グループ化 23">
+          <p:cNvPr id="2" name="グループ化 1">
             <a:extLst>
               <a:ext uri="{FF2B5EF4-FFF2-40B4-BE49-F238E27FC236}">
-                <a16:creationId xmlns:a16="http://schemas.microsoft.com/office/drawing/2014/main" id="{2BF93AF8-3063-48A4-BBFA-9F2579790111}"/>
-              </a:ext>
-            </a:extLst>
-          </p:cNvPr>
-          <p:cNvGrpSpPr/>
-          <p:nvPr/>
-        </p:nvGrpSpPr>
-        <p:grpSpPr>
-          <a:xfrm>
-            <a:off x="2424226" y="1075477"/>
-            <a:ext cx="6728407" cy="4407790"/>
-            <a:chOff x="2474103" y="77949"/>
-            <a:chExt cx="6728407" cy="4407790"/>
-          </a:xfrm>
-        </p:grpSpPr>
-        <p:pic>
-          <p:nvPicPr>
-            <p:cNvPr id="22" name="図 21">
-              <a:extLst>
-                <a:ext uri="{FF2B5EF4-FFF2-40B4-BE49-F238E27FC236}">
-                  <a16:creationId xmlns:a16="http://schemas.microsoft.com/office/drawing/2014/main" id="{3342EDF0-7179-44D5-BAAA-809E1C64B571}"/>
-                </a:ext>
-              </a:extLst>
-            </p:cNvPr>
-            <p:cNvPicPr>
-              <a:picLocks noChangeAspect="1"/>
-            </p:cNvPicPr>
-            <p:nvPr/>
-          </p:nvPicPr>
-          <p:blipFill rotWithShape="1">
-            <a:blip r:embed="rId2"/>
-            <a:srcRect r="32571"/>
-            <a:stretch/>
-          </p:blipFill>
-          <p:spPr>
-            <a:xfrm>
-              <a:off x="2474103" y="77949"/>
-              <a:ext cx="4974102" cy="4407790"/>
-            </a:xfrm>
-            <a:prstGeom prst="rect">
-              <a:avLst/>
-            </a:prstGeom>
-          </p:spPr>
-        </p:pic>
-        <p:pic>
-          <p:nvPicPr>
-            <p:cNvPr id="23" name="図 22">
-              <a:extLst>
-                <a:ext uri="{FF2B5EF4-FFF2-40B4-BE49-F238E27FC236}">
-                  <a16:creationId xmlns:a16="http://schemas.microsoft.com/office/drawing/2014/main" id="{F359734C-95A4-4248-95B5-812B0BE30A70}"/>
-                </a:ext>
-              </a:extLst>
-            </p:cNvPr>
-            <p:cNvPicPr>
-              <a:picLocks noChangeAspect="1"/>
-            </p:cNvPicPr>
-            <p:nvPr/>
-          </p:nvPicPr>
-          <p:blipFill rotWithShape="1">
-            <a:blip r:embed="rId2"/>
-            <a:srcRect l="76219"/>
-            <a:stretch/>
-          </p:blipFill>
-          <p:spPr>
-            <a:xfrm>
-              <a:off x="7448205" y="77949"/>
-              <a:ext cx="1754305" cy="4407790"/>
-            </a:xfrm>
-            <a:prstGeom prst="rect">
-              <a:avLst/>
-            </a:prstGeom>
-          </p:spPr>
-        </p:pic>
-      </p:grpSp>
-    </p:spTree>
-    <p:extLst>
-      <p:ext uri="{BB962C8B-B14F-4D97-AF65-F5344CB8AC3E}">
-        <p14:creationId xmlns:p14="http://schemas.microsoft.com/office/powerpoint/2010/main" val="100750368"/>
-      </p:ext>
-    </p:extLst>
-  </p:cSld>
-  <p:clrMapOvr>
-    <a:masterClrMapping/>
-  </p:clrMapOvr>
-</p:sld>
-</file>
-
-<file path=ppt/slides/slide2.xml><?xml version="1.0" encoding="utf-8"?>
-<p:sld xmlns:a="http://schemas.openxmlformats.org/drawingml/2006/main" xmlns:r="http://schemas.openxmlformats.org/officeDocument/2006/relationships" xmlns:p="http://schemas.openxmlformats.org/presentationml/2006/main">
-  <p:cSld>
-    <p:spTree>
-      <p:nvGrpSpPr>
-        <p:cNvPr id="1" name=""/>
-        <p:cNvGrpSpPr/>
-        <p:nvPr/>
-      </p:nvGrpSpPr>
-      <p:grpSpPr>
-        <a:xfrm>
-          <a:off x="0" y="0"/>
-          <a:ext cx="0" cy="0"/>
-          <a:chOff x="0" y="0"/>
-          <a:chExt cx="0" cy="0"/>
-        </a:xfrm>
-      </p:grpSpPr>
-      <p:grpSp>
-        <p:nvGrpSpPr>
-          <p:cNvPr id="91" name="グループ化 90">
-            <a:extLst>
-              <a:ext uri="{FF2B5EF4-FFF2-40B4-BE49-F238E27FC236}">
-                <a16:creationId xmlns:a16="http://schemas.microsoft.com/office/drawing/2014/main" id="{1B785AD2-30E1-4033-B553-49A36F2AEEF5}"/>
+                <a16:creationId xmlns:a16="http://schemas.microsoft.com/office/drawing/2014/main" id="{0D44B0FC-407C-4AA7-88C7-23686A92DF99}"/>
               </a:ext>
             </a:extLst>
           </p:cNvPr>
@@ -3752,7 +3643,7 @@
           <a:xfrm>
             <a:off x="2901144" y="1969917"/>
             <a:ext cx="6599227" cy="2918166"/>
-            <a:chOff x="1537856" y="1298357"/>
+            <a:chOff x="2901144" y="1969917"/>
             <a:chExt cx="6599227" cy="2918166"/>
           </a:xfrm>
         </p:grpSpPr>
@@ -3787,7 +3678,7 @@
           </p:blipFill>
           <p:spPr>
             <a:xfrm rot="16200000">
-              <a:off x="1397747" y="2330482"/>
+              <a:off x="2761035" y="3002042"/>
               <a:ext cx="2139984" cy="650682"/>
             </a:xfrm>
             <a:prstGeom prst="rect">
@@ -3826,7 +3717,7 @@
           </p:blipFill>
           <p:spPr>
             <a:xfrm rot="16200000">
-              <a:off x="3662572" y="1713557"/>
+              <a:off x="5025860" y="2385117"/>
               <a:ext cx="741732" cy="484521"/>
             </a:xfrm>
             <a:prstGeom prst="rect">
@@ -3865,7 +3756,7 @@
           </p:blipFill>
           <p:spPr>
             <a:xfrm rot="16200000">
-              <a:off x="3662572" y="3112688"/>
+              <a:off x="5025860" y="3784248"/>
               <a:ext cx="741732" cy="484522"/>
             </a:xfrm>
             <a:prstGeom prst="rect">
@@ -3887,7 +3778,7 @@
           </p:nvGrpSpPr>
           <p:grpSpPr>
             <a:xfrm>
-              <a:off x="5273795" y="1559136"/>
+              <a:off x="6637083" y="2230696"/>
               <a:ext cx="755313" cy="793362"/>
               <a:chOff x="5280564" y="1560014"/>
               <a:chExt cx="755313" cy="793362"/>
@@ -4066,7 +3957,7 @@
           </p:nvGrpSpPr>
           <p:grpSpPr>
             <a:xfrm>
-              <a:off x="5273796" y="2958266"/>
+              <a:off x="6637084" y="3629826"/>
               <a:ext cx="755312" cy="793364"/>
               <a:chOff x="6483560" y="4618635"/>
               <a:chExt cx="755312" cy="793364"/>
@@ -4245,7 +4136,7 @@
           </p:nvGrpSpPr>
           <p:grpSpPr>
             <a:xfrm>
-              <a:off x="6809885" y="2958776"/>
+              <a:off x="8173173" y="3630336"/>
               <a:ext cx="760294" cy="792344"/>
               <a:chOff x="8681940" y="5165363"/>
               <a:chExt cx="760294" cy="792344"/>
@@ -4424,7 +4315,7 @@
           </p:nvGrpSpPr>
           <p:grpSpPr>
             <a:xfrm>
-              <a:off x="6810368" y="1559135"/>
+              <a:off x="8173656" y="2230695"/>
               <a:ext cx="760291" cy="793363"/>
               <a:chOff x="6928546" y="1552355"/>
               <a:chExt cx="760291" cy="793363"/>
@@ -4605,7 +4496,7 @@
           </p:nvCxnSpPr>
           <p:spPr>
             <a:xfrm flipV="1">
-              <a:off x="2793080" y="1955817"/>
+              <a:off x="4156368" y="2627377"/>
               <a:ext cx="914396" cy="700006"/>
             </a:xfrm>
             <a:prstGeom prst="straightConnector1">
@@ -4649,7 +4540,7 @@
           </p:nvCxnSpPr>
           <p:spPr>
             <a:xfrm>
-              <a:off x="2793080" y="2644188"/>
+              <a:off x="4156368" y="3315748"/>
               <a:ext cx="914396" cy="700006"/>
             </a:xfrm>
             <a:prstGeom prst="straightConnector1">
@@ -4693,7 +4584,7 @@
           </p:nvCxnSpPr>
           <p:spPr>
             <a:xfrm>
-              <a:off x="4355869" y="1955818"/>
+              <a:off x="5719157" y="2627378"/>
               <a:ext cx="817769" cy="0"/>
             </a:xfrm>
             <a:prstGeom prst="straightConnector1">
@@ -4737,7 +4628,7 @@
           </p:nvCxnSpPr>
           <p:spPr>
             <a:xfrm>
-              <a:off x="4355869" y="3349143"/>
+              <a:off x="5719157" y="4020703"/>
               <a:ext cx="817769" cy="0"/>
             </a:xfrm>
             <a:prstGeom prst="straightConnector1">
@@ -4781,7 +4672,7 @@
           </p:nvCxnSpPr>
           <p:spPr>
             <a:xfrm>
-              <a:off x="5902042" y="1952602"/>
+              <a:off x="7265330" y="2624162"/>
               <a:ext cx="817769" cy="0"/>
             </a:xfrm>
             <a:prstGeom prst="straightConnector1">
@@ -4823,7 +4714,7 @@
           </p:nvSpPr>
           <p:spPr>
             <a:xfrm>
-              <a:off x="1537856" y="3693303"/>
+              <a:off x="2901144" y="4364863"/>
               <a:ext cx="1823870" cy="523220"/>
             </a:xfrm>
             <a:prstGeom prst="rect">
@@ -4876,7 +4767,7 @@
           </p:nvSpPr>
           <p:spPr>
             <a:xfrm>
-              <a:off x="3121503" y="3693303"/>
+              <a:off x="4484791" y="4364863"/>
               <a:ext cx="1823870" cy="523220"/>
             </a:xfrm>
             <a:prstGeom prst="rect">
@@ -4929,7 +4820,7 @@
           </p:nvSpPr>
           <p:spPr>
             <a:xfrm>
-              <a:off x="4508095" y="3689584"/>
+              <a:off x="5871383" y="4361144"/>
               <a:ext cx="2088791" cy="523220"/>
             </a:xfrm>
             <a:prstGeom prst="rect">
@@ -4982,7 +4873,7 @@
           </p:nvSpPr>
           <p:spPr>
             <a:xfrm>
-              <a:off x="6048292" y="3689584"/>
+              <a:off x="7411580" y="4361144"/>
               <a:ext cx="2088791" cy="523220"/>
             </a:xfrm>
             <a:prstGeom prst="rect">
@@ -5035,7 +4926,7 @@
           </p:nvSpPr>
           <p:spPr>
             <a:xfrm>
-              <a:off x="2351313" y="1733033"/>
+              <a:off x="3714601" y="2404593"/>
               <a:ext cx="1823870" cy="261610"/>
             </a:xfrm>
             <a:prstGeom prst="rect">
@@ -5078,7 +4969,7 @@
           </p:nvSpPr>
           <p:spPr>
             <a:xfrm>
-              <a:off x="2338343" y="3306571"/>
+              <a:off x="3701631" y="3978131"/>
               <a:ext cx="1823870" cy="261610"/>
             </a:xfrm>
             <a:prstGeom prst="rect">
@@ -5121,7 +5012,7 @@
           </p:nvSpPr>
           <p:spPr>
             <a:xfrm rot="16200000">
-              <a:off x="3126801" y="2422711"/>
+              <a:off x="4490089" y="3094271"/>
               <a:ext cx="909345" cy="461665"/>
             </a:xfrm>
             <a:prstGeom prst="rect">
@@ -5162,7 +5053,7 @@
           </p:nvSpPr>
           <p:spPr>
             <a:xfrm>
-              <a:off x="1537856" y="1303224"/>
+              <a:off x="2901144" y="1974784"/>
               <a:ext cx="1823870" cy="261610"/>
             </a:xfrm>
             <a:prstGeom prst="rect">
@@ -5205,7 +5096,7 @@
           </p:nvSpPr>
           <p:spPr>
             <a:xfrm>
-              <a:off x="3121503" y="1305493"/>
+              <a:off x="4484791" y="1977053"/>
               <a:ext cx="1823870" cy="261610"/>
             </a:xfrm>
             <a:prstGeom prst="rect">
@@ -5234,98 +5125,350 @@
             </a:p>
           </p:txBody>
         </p:sp>
-        <p:sp>
-          <p:nvSpPr>
-            <p:cNvPr id="80" name="テキスト ボックス 79">
+        <mc:AlternateContent xmlns:mc="http://schemas.openxmlformats.org/markup-compatibility/2006">
+          <mc:Choice xmlns:a14="http://schemas.microsoft.com/office/drawing/2010/main" Requires="a14">
+            <p:sp>
+              <p:nvSpPr>
+                <p:cNvPr id="80" name="テキスト ボックス 79">
+                  <a:extLst>
+                    <a:ext uri="{FF2B5EF4-FFF2-40B4-BE49-F238E27FC236}">
+                      <a16:creationId xmlns:a16="http://schemas.microsoft.com/office/drawing/2014/main" id="{EA8537BD-20CB-4B42-9680-A2479D846CC1}"/>
+                    </a:ext>
+                  </a:extLst>
+                </p:cNvPr>
+                <p:cNvSpPr txBox="1"/>
+                <p:nvPr/>
+              </p:nvSpPr>
+              <p:spPr>
+                <a:xfrm>
+                  <a:off x="5993790" y="1969917"/>
+                  <a:ext cx="1823870" cy="261610"/>
+                </a:xfrm>
+                <a:prstGeom prst="rect">
+                  <a:avLst/>
+                </a:prstGeom>
+                <a:noFill/>
+              </p:spPr>
+              <p:txBody>
+                <a:bodyPr wrap="square" rtlCol="0">
+                  <a:spAutoFit/>
+                </a:bodyPr>
+                <a:lstStyle/>
+                <a:p>
+                  <a:pPr algn="ctr"/>
+                  <a14:m>
+                    <m:oMath xmlns:m="http://schemas.openxmlformats.org/officeDocument/2006/math">
+                      <m:r>
+                        <a:rPr kumimoji="1" lang="en-US" altLang="ja-JP" sz="1100" b="0" i="1" smtClean="0">
+                          <a:latin typeface="Cambria Math" panose="02040503050406030204" pitchFamily="18" charset="0"/>
+                          <a:cs typeface="Arial" panose="020B0604020202020204" pitchFamily="34" charset="0"/>
+                        </a:rPr>
+                        <m:t>𝑅</m:t>
+                      </m:r>
+                    </m:oMath>
+                  </a14:m>
+                  <a:r>
+                    <a:rPr kumimoji="1" lang="en-US" altLang="ja-JP" sz="1100" dirty="0">
+                      <a:latin typeface="Arial" panose="020B0604020202020204" pitchFamily="34" charset="0"/>
+                      <a:cs typeface="Arial" panose="020B0604020202020204" pitchFamily="34" charset="0"/>
+                    </a:rPr>
+                    <a:t> files</a:t>
+                  </a:r>
+                  <a:endParaRPr kumimoji="1" lang="ja-JP" altLang="en-US" sz="1100" dirty="0">
+                    <a:latin typeface="Arial" panose="020B0604020202020204" pitchFamily="34" charset="0"/>
+                    <a:cs typeface="Arial" panose="020B0604020202020204" pitchFamily="34" charset="0"/>
+                  </a:endParaRPr>
+                </a:p>
+              </p:txBody>
+            </p:sp>
+          </mc:Choice>
+          <mc:Fallback>
+            <p:sp>
+              <p:nvSpPr>
+                <p:cNvPr id="80" name="テキスト ボックス 79">
+                  <a:extLst>
+                    <a:ext uri="{FF2B5EF4-FFF2-40B4-BE49-F238E27FC236}">
+                      <a16:creationId xmlns:a16="http://schemas.microsoft.com/office/drawing/2014/main" id="{EA8537BD-20CB-4B42-9680-A2479D846CC1}"/>
+                    </a:ext>
+                  </a:extLst>
+                </p:cNvPr>
+                <p:cNvSpPr txBox="1">
+                  <a:spLocks noRot="1" noChangeAspect="1" noMove="1" noResize="1" noEditPoints="1" noAdjustHandles="1" noChangeArrowheads="1" noChangeShapeType="1" noTextEdit="1"/>
+                </p:cNvSpPr>
+                <p:nvPr/>
+              </p:nvSpPr>
+              <p:spPr>
+                <a:xfrm>
+                  <a:off x="5993790" y="1969917"/>
+                  <a:ext cx="1823870" cy="261610"/>
+                </a:xfrm>
+                <a:prstGeom prst="rect">
+                  <a:avLst/>
+                </a:prstGeom>
+                <a:blipFill>
+                  <a:blip r:embed="rId16"/>
+                  <a:stretch>
+                    <a:fillRect t="-2326" b="-13953"/>
+                  </a:stretch>
+                </a:blipFill>
+              </p:spPr>
+              <p:txBody>
+                <a:bodyPr/>
+                <a:lstStyle/>
+                <a:p>
+                  <a:r>
+                    <a:rPr lang="ja-JP" altLang="en-US">
+                      <a:noFill/>
+                    </a:rPr>
+                    <a:t> </a:t>
+                  </a:r>
+                </a:p>
+              </p:txBody>
+            </p:sp>
+          </mc:Fallback>
+        </mc:AlternateContent>
+        <p:cxnSp>
+          <p:nvCxnSpPr>
+            <p:cNvPr id="89" name="直線矢印コネクタ 88">
               <a:extLst>
                 <a:ext uri="{FF2B5EF4-FFF2-40B4-BE49-F238E27FC236}">
-                  <a16:creationId xmlns:a16="http://schemas.microsoft.com/office/drawing/2014/main" id="{EA8537BD-20CB-4B42-9680-A2479D846CC1}"/>
+                  <a16:creationId xmlns:a16="http://schemas.microsoft.com/office/drawing/2014/main" id="{C868898A-5214-4C0E-BAF0-7ECE284130CD}"/>
                 </a:ext>
               </a:extLst>
             </p:cNvPr>
-            <p:cNvSpPr txBox="1"/>
+            <p:cNvCxnSpPr>
+              <a:cxnSpLocks/>
+            </p:cNvCxnSpPr>
             <p:nvPr/>
-          </p:nvSpPr>
+          </p:nvCxnSpPr>
           <p:spPr>
             <a:xfrm>
-              <a:off x="4630502" y="1298357"/>
-              <a:ext cx="1823870" cy="261610"/>
+              <a:off x="7268102" y="4023473"/>
+              <a:ext cx="817769" cy="0"/>
+            </a:xfrm>
+            <a:prstGeom prst="straightConnector1">
+              <a:avLst/>
+            </a:prstGeom>
+            <a:ln w="28575">
+              <a:solidFill>
+                <a:schemeClr val="tx1"/>
+              </a:solidFill>
+              <a:tailEnd type="triangle"/>
+            </a:ln>
+          </p:spPr>
+          <p:style>
+            <a:lnRef idx="1">
+              <a:schemeClr val="accent1"/>
+            </a:lnRef>
+            <a:fillRef idx="0">
+              <a:schemeClr val="accent1"/>
+            </a:fillRef>
+            <a:effectRef idx="0">
+              <a:schemeClr val="accent1"/>
+            </a:effectRef>
+            <a:fontRef idx="minor">
+              <a:schemeClr val="tx1"/>
+            </a:fontRef>
+          </p:style>
+        </p:cxnSp>
+        <mc:AlternateContent xmlns:mc="http://schemas.openxmlformats.org/markup-compatibility/2006">
+          <mc:Choice xmlns:a14="http://schemas.microsoft.com/office/drawing/2010/main" Requires="a14">
+            <p:sp>
+              <p:nvSpPr>
+                <p:cNvPr id="57" name="テキスト ボックス 56">
+                  <a:extLst>
+                    <a:ext uri="{FF2B5EF4-FFF2-40B4-BE49-F238E27FC236}">
+                      <a16:creationId xmlns:a16="http://schemas.microsoft.com/office/drawing/2014/main" id="{3EEBA1F5-626B-41C0-8833-F6A6F321E217}"/>
+                    </a:ext>
+                  </a:extLst>
+                </p:cNvPr>
+                <p:cNvSpPr txBox="1"/>
+                <p:nvPr/>
+              </p:nvSpPr>
+              <p:spPr>
+                <a:xfrm>
+                  <a:off x="7540748" y="1974784"/>
+                  <a:ext cx="1823870" cy="261610"/>
+                </a:xfrm>
+                <a:prstGeom prst="rect">
+                  <a:avLst/>
+                </a:prstGeom>
+                <a:noFill/>
+              </p:spPr>
+              <p:txBody>
+                <a:bodyPr wrap="square" rtlCol="0">
+                  <a:spAutoFit/>
+                </a:bodyPr>
+                <a:lstStyle/>
+                <a:p>
+                  <a:pPr algn="ctr"/>
+                  <a14:m>
+                    <m:oMath xmlns:m="http://schemas.openxmlformats.org/officeDocument/2006/math">
+                      <m:r>
+                        <a:rPr kumimoji="1" lang="en-US" altLang="ja-JP" sz="1100" b="0" i="1" smtClean="0">
+                          <a:latin typeface="Cambria Math" panose="02040503050406030204" pitchFamily="18" charset="0"/>
+                          <a:cs typeface="Arial" panose="020B0604020202020204" pitchFamily="34" charset="0"/>
+                        </a:rPr>
+                        <m:t>𝑅</m:t>
+                      </m:r>
+                    </m:oMath>
+                  </a14:m>
+                  <a:r>
+                    <a:rPr kumimoji="1" lang="en-US" altLang="ja-JP" sz="1100" dirty="0">
+                      <a:latin typeface="Arial" panose="020B0604020202020204" pitchFamily="34" charset="0"/>
+                      <a:cs typeface="Arial" panose="020B0604020202020204" pitchFamily="34" charset="0"/>
+                    </a:rPr>
+                    <a:t> files</a:t>
+                  </a:r>
+                  <a:endParaRPr kumimoji="1" lang="ja-JP" altLang="en-US" sz="1100" dirty="0">
+                    <a:latin typeface="Arial" panose="020B0604020202020204" pitchFamily="34" charset="0"/>
+                    <a:cs typeface="Arial" panose="020B0604020202020204" pitchFamily="34" charset="0"/>
+                  </a:endParaRPr>
+                </a:p>
+              </p:txBody>
+            </p:sp>
+          </mc:Choice>
+          <mc:Fallback>
+            <p:sp>
+              <p:nvSpPr>
+                <p:cNvPr id="57" name="テキスト ボックス 56">
+                  <a:extLst>
+                    <a:ext uri="{FF2B5EF4-FFF2-40B4-BE49-F238E27FC236}">
+                      <a16:creationId xmlns:a16="http://schemas.microsoft.com/office/drawing/2014/main" id="{3EEBA1F5-626B-41C0-8833-F6A6F321E217}"/>
+                    </a:ext>
+                  </a:extLst>
+                </p:cNvPr>
+                <p:cNvSpPr txBox="1">
+                  <a:spLocks noRot="1" noChangeAspect="1" noMove="1" noResize="1" noEditPoints="1" noAdjustHandles="1" noChangeArrowheads="1" noChangeShapeType="1" noTextEdit="1"/>
+                </p:cNvSpPr>
+                <p:nvPr/>
+              </p:nvSpPr>
+              <p:spPr>
+                <a:xfrm>
+                  <a:off x="7540748" y="1974784"/>
+                  <a:ext cx="1823870" cy="261610"/>
+                </a:xfrm>
+                <a:prstGeom prst="rect">
+                  <a:avLst/>
+                </a:prstGeom>
+                <a:blipFill>
+                  <a:blip r:embed="rId17"/>
+                  <a:stretch>
+                    <a:fillRect t="-2326" b="-13953"/>
+                  </a:stretch>
+                </a:blipFill>
+              </p:spPr>
+              <p:txBody>
+                <a:bodyPr/>
+                <a:lstStyle/>
+                <a:p>
+                  <a:r>
+                    <a:rPr lang="ja-JP" altLang="en-US">
+                      <a:noFill/>
+                    </a:rPr>
+                    <a:t> </a:t>
+                  </a:r>
+                </a:p>
+              </p:txBody>
+            </p:sp>
+          </mc:Fallback>
+        </mc:AlternateContent>
+      </p:grpSp>
+    </p:spTree>
+    <p:extLst>
+      <p:ext uri="{BB962C8B-B14F-4D97-AF65-F5344CB8AC3E}">
+        <p14:creationId xmlns:p14="http://schemas.microsoft.com/office/powerpoint/2010/main" val="3170801824"/>
+      </p:ext>
+    </p:extLst>
+  </p:cSld>
+  <p:clrMapOvr>
+    <a:masterClrMapping/>
+  </p:clrMapOvr>
+</p:sld>
+</file>
+
+<file path=ppt/slides/slide2.xml><?xml version="1.0" encoding="utf-8"?>
+<p:sld xmlns:a="http://schemas.openxmlformats.org/drawingml/2006/main" xmlns:r="http://schemas.openxmlformats.org/officeDocument/2006/relationships" xmlns:p="http://schemas.openxmlformats.org/presentationml/2006/main">
+  <p:cSld>
+    <p:spTree>
+      <p:nvGrpSpPr>
+        <p:cNvPr id="1" name=""/>
+        <p:cNvGrpSpPr/>
+        <p:nvPr/>
+      </p:nvGrpSpPr>
+      <p:grpSpPr>
+        <a:xfrm>
+          <a:off x="0" y="0"/>
+          <a:ext cx="0" cy="0"/>
+          <a:chOff x="0" y="0"/>
+          <a:chExt cx="0" cy="0"/>
+        </a:xfrm>
+      </p:grpSpPr>
+      <p:grpSp>
+        <p:nvGrpSpPr>
+          <p:cNvPr id="88" name="グループ化 87">
+            <a:extLst>
+              <a:ext uri="{FF2B5EF4-FFF2-40B4-BE49-F238E27FC236}">
+                <a16:creationId xmlns:a16="http://schemas.microsoft.com/office/drawing/2014/main" id="{03906B46-7EDB-4382-BCC3-BBAEB7895B6D}"/>
+              </a:ext>
+            </a:extLst>
+          </p:cNvPr>
+          <p:cNvGrpSpPr/>
+          <p:nvPr/>
+        </p:nvGrpSpPr>
+        <p:grpSpPr>
+          <a:xfrm>
+            <a:off x="1652841" y="1431228"/>
+            <a:ext cx="9256534" cy="3808523"/>
+            <a:chOff x="1203954" y="1148595"/>
+            <a:chExt cx="9256534" cy="3808523"/>
+          </a:xfrm>
+        </p:grpSpPr>
+        <p:pic>
+          <p:nvPicPr>
+            <p:cNvPr id="4" name="グラフィックス 3">
+              <a:extLst>
+                <a:ext uri="{FF2B5EF4-FFF2-40B4-BE49-F238E27FC236}">
+                  <a16:creationId xmlns:a16="http://schemas.microsoft.com/office/drawing/2014/main" id="{2C1EA96B-4716-452A-A1E1-47E81615E421}"/>
+                </a:ext>
+              </a:extLst>
+            </p:cNvPr>
+            <p:cNvPicPr>
+              <a:picLocks noChangeAspect="1"/>
+            </p:cNvPicPr>
+            <p:nvPr/>
+          </p:nvPicPr>
+          <p:blipFill>
+            <a:blip r:embed="rId2">
+              <a:extLst>
+                <a:ext uri="{28A0092B-C50C-407E-A947-70E740481C1C}">
+                  <a14:useLocalDpi xmlns:a14="http://schemas.microsoft.com/office/drawing/2010/main" val="0"/>
+                </a:ext>
+                <a:ext uri="{96DAC541-7B7A-43D3-8B79-37D633B846F1}">
+                  <asvg:svgBlip xmlns:asvg="http://schemas.microsoft.com/office/drawing/2016/SVG/main" r:embed="rId3"/>
+                </a:ext>
+              </a:extLst>
+            </a:blip>
+            <a:stretch>
+              <a:fillRect/>
+            </a:stretch>
+          </p:blipFill>
+          <p:spPr>
+            <a:xfrm rot="16200000">
+              <a:off x="2078067" y="1603425"/>
+              <a:ext cx="1076182" cy="702256"/>
             </a:xfrm>
             <a:prstGeom prst="rect">
               <a:avLst/>
             </a:prstGeom>
-            <a:noFill/>
           </p:spPr>
-          <p:txBody>
-            <a:bodyPr wrap="square" rtlCol="0">
-              <a:spAutoFit/>
-            </a:bodyPr>
-            <a:lstStyle/>
-            <a:p>
-              <a:pPr algn="ctr"/>
-              <a:r>
-                <a:rPr kumimoji="1" lang="en-US" altLang="ja-JP" sz="1100" dirty="0">
-                  <a:latin typeface="Arial" panose="020B0604020202020204" pitchFamily="34" charset="0"/>
-                  <a:cs typeface="Arial" panose="020B0604020202020204" pitchFamily="34" charset="0"/>
-                </a:rPr>
-                <a:t>Some files</a:t>
-              </a:r>
-              <a:endParaRPr kumimoji="1" lang="ja-JP" altLang="en-US" sz="1100" dirty="0">
-                <a:latin typeface="Arial" panose="020B0604020202020204" pitchFamily="34" charset="0"/>
-                <a:cs typeface="Arial" panose="020B0604020202020204" pitchFamily="34" charset="0"/>
-              </a:endParaRPr>
-            </a:p>
-          </p:txBody>
-        </p:sp>
+        </p:pic>
         <p:sp>
           <p:nvSpPr>
-            <p:cNvPr id="81" name="テキスト ボックス 80">
+            <p:cNvPr id="6" name="正方形/長方形 5">
               <a:extLst>
                 <a:ext uri="{FF2B5EF4-FFF2-40B4-BE49-F238E27FC236}">
-                  <a16:creationId xmlns:a16="http://schemas.microsoft.com/office/drawing/2014/main" id="{CD5C1B39-5CC5-42E3-B6CF-C8689D41B1C3}"/>
-                </a:ext>
-              </a:extLst>
-            </p:cNvPr>
-            <p:cNvSpPr txBox="1"/>
-            <p:nvPr/>
-          </p:nvSpPr>
-          <p:spPr>
-            <a:xfrm>
-              <a:off x="6177460" y="1298357"/>
-              <a:ext cx="1823870" cy="261610"/>
-            </a:xfrm>
-            <a:prstGeom prst="rect">
-              <a:avLst/>
-            </a:prstGeom>
-            <a:noFill/>
-          </p:spPr>
-          <p:txBody>
-            <a:bodyPr wrap="square" rtlCol="0">
-              <a:spAutoFit/>
-            </a:bodyPr>
-            <a:lstStyle/>
-            <a:p>
-              <a:pPr algn="ctr"/>
-              <a:r>
-                <a:rPr kumimoji="1" lang="en-US" altLang="ja-JP" sz="1100" dirty="0">
-                  <a:latin typeface="Arial" panose="020B0604020202020204" pitchFamily="34" charset="0"/>
-                  <a:cs typeface="Arial" panose="020B0604020202020204" pitchFamily="34" charset="0"/>
-                </a:rPr>
-                <a:t>Some files from one file</a:t>
-              </a:r>
-              <a:endParaRPr kumimoji="1" lang="ja-JP" altLang="en-US" sz="1100" dirty="0">
-                <a:latin typeface="Arial" panose="020B0604020202020204" pitchFamily="34" charset="0"/>
-                <a:cs typeface="Arial" panose="020B0604020202020204" pitchFamily="34" charset="0"/>
-              </a:endParaRPr>
-            </a:p>
-          </p:txBody>
-        </p:sp>
-        <p:sp>
-          <p:nvSpPr>
-            <p:cNvPr id="82" name="正方形/長方形 81">
-              <a:extLst>
-                <a:ext uri="{FF2B5EF4-FFF2-40B4-BE49-F238E27FC236}">
-                  <a16:creationId xmlns:a16="http://schemas.microsoft.com/office/drawing/2014/main" id="{088F58F0-ADFB-405E-92E9-6EC46D474E45}"/>
+                  <a16:creationId xmlns:a16="http://schemas.microsoft.com/office/drawing/2014/main" id="{CFCCEB47-4999-4411-9938-8AEA1334F604}"/>
                 </a:ext>
               </a:extLst>
             </p:cNvPr>
@@ -5334,16 +5477,18 @@
           </p:nvSpPr>
           <p:spPr>
             <a:xfrm>
-              <a:off x="5265482" y="1827433"/>
-              <a:ext cx="324000" cy="462996"/>
+              <a:off x="7290865" y="1426365"/>
+              <a:ext cx="499892" cy="964279"/>
             </a:xfrm>
             <a:prstGeom prst="rect">
               <a:avLst/>
             </a:prstGeom>
-            <a:noFill/>
-            <a:ln w="38100">
+            <a:solidFill>
+              <a:schemeClr val="bg1"/>
+            </a:solidFill>
+            <a:ln>
               <a:solidFill>
-                <a:srgbClr val="FF0000"/>
+                <a:schemeClr val="tx1"/>
               </a:solidFill>
             </a:ln>
           </p:spPr>
@@ -5368,16 +5513,91 @@
             <a:lstStyle/>
             <a:p>
               <a:pPr algn="ctr"/>
-              <a:endParaRPr kumimoji="1" lang="ja-JP" altLang="en-US"/>
+              <a:r>
+                <a:rPr kumimoji="1" lang="en-US" altLang="ja-JP" sz="1200" dirty="0">
+                  <a:solidFill>
+                    <a:schemeClr val="tx1"/>
+                  </a:solidFill>
+                  <a:latin typeface="Arial" panose="020B0604020202020204" pitchFamily="34" charset="0"/>
+                  <a:cs typeface="Arial" panose="020B0604020202020204" pitchFamily="34" charset="0"/>
+                </a:rPr>
+                <a:t>0.2</a:t>
+              </a:r>
+            </a:p>
+            <a:p>
+              <a:pPr algn="ctr"/>
+              <a:r>
+                <a:rPr lang="en-US" altLang="ja-JP" sz="1200" dirty="0">
+                  <a:solidFill>
+                    <a:schemeClr val="tx1"/>
+                  </a:solidFill>
+                  <a:latin typeface="Arial" panose="020B0604020202020204" pitchFamily="34" charset="0"/>
+                  <a:cs typeface="Arial" panose="020B0604020202020204" pitchFamily="34" charset="0"/>
+                </a:rPr>
+                <a:t>0.41</a:t>
+              </a:r>
+            </a:p>
+            <a:p>
+              <a:pPr algn="ctr"/>
+              <a:r>
+                <a:rPr kumimoji="1" lang="en-US" altLang="ja-JP" sz="1200" dirty="0">
+                  <a:solidFill>
+                    <a:schemeClr val="tx1"/>
+                  </a:solidFill>
+                  <a:latin typeface="Arial" panose="020B0604020202020204" pitchFamily="34" charset="0"/>
+                  <a:cs typeface="Arial" panose="020B0604020202020204" pitchFamily="34" charset="0"/>
+                </a:rPr>
+                <a:t>0.7</a:t>
+              </a:r>
+            </a:p>
+            <a:p>
+              <a:pPr algn="ctr"/>
+              <a:r>
+                <a:rPr lang="en-US" altLang="ja-JP" sz="1200" b="1" dirty="0">
+                  <a:solidFill>
+                    <a:schemeClr val="tx1"/>
+                  </a:solidFill>
+                  <a:latin typeface="Arial" panose="020B0604020202020204" pitchFamily="34" charset="0"/>
+                  <a:cs typeface="Arial" panose="020B0604020202020204" pitchFamily="34" charset="0"/>
+                </a:rPr>
+                <a:t>︙</a:t>
+              </a:r>
+              <a:endParaRPr kumimoji="1" lang="en-US" altLang="ja-JP" sz="800" b="1" dirty="0">
+                <a:solidFill>
+                  <a:schemeClr val="tx1"/>
+                </a:solidFill>
+                <a:latin typeface="Arial" panose="020B0604020202020204" pitchFamily="34" charset="0"/>
+                <a:cs typeface="Arial" panose="020B0604020202020204" pitchFamily="34" charset="0"/>
+              </a:endParaRPr>
+            </a:p>
+            <a:p>
+              <a:pPr algn="ctr"/>
+              <a:r>
+                <a:rPr lang="en-US" altLang="ja-JP" sz="1200" dirty="0">
+                  <a:solidFill>
+                    <a:schemeClr val="tx1"/>
+                  </a:solidFill>
+                  <a:latin typeface="Arial" panose="020B0604020202020204" pitchFamily="34" charset="0"/>
+                  <a:cs typeface="Arial" panose="020B0604020202020204" pitchFamily="34" charset="0"/>
+                </a:rPr>
+                <a:t>0.1</a:t>
+              </a:r>
+              <a:endParaRPr kumimoji="1" lang="ja-JP" altLang="en-US" sz="1200" dirty="0">
+                <a:solidFill>
+                  <a:schemeClr val="tx1"/>
+                </a:solidFill>
+                <a:latin typeface="Arial" panose="020B0604020202020204" pitchFamily="34" charset="0"/>
+                <a:cs typeface="Arial" panose="020B0604020202020204" pitchFamily="34" charset="0"/>
+              </a:endParaRPr>
             </a:p>
           </p:txBody>
         </p:sp>
         <p:sp>
           <p:nvSpPr>
-            <p:cNvPr id="86" name="正方形/長方形 85">
+            <p:cNvPr id="12" name="正方形/長方形 11">
               <a:extLst>
                 <a:ext uri="{FF2B5EF4-FFF2-40B4-BE49-F238E27FC236}">
-                  <a16:creationId xmlns:a16="http://schemas.microsoft.com/office/drawing/2014/main" id="{4786CB78-A7E0-4B88-B28B-4BAF0EEAFBF1}"/>
+                  <a16:creationId xmlns:a16="http://schemas.microsoft.com/office/drawing/2014/main" id="{C01B0CBB-EB64-4FFD-B91E-E60436DF90AD}"/>
                 </a:ext>
               </a:extLst>
             </p:cNvPr>
@@ -5386,16 +5606,18 @@
           </p:nvSpPr>
           <p:spPr>
             <a:xfrm>
-              <a:off x="5259940" y="3226748"/>
-              <a:ext cx="324000" cy="462996"/>
+              <a:off x="6137700" y="1426365"/>
+              <a:ext cx="499892" cy="964279"/>
             </a:xfrm>
             <a:prstGeom prst="rect">
               <a:avLst/>
             </a:prstGeom>
-            <a:noFill/>
-            <a:ln w="38100">
+            <a:solidFill>
+              <a:schemeClr val="bg1"/>
+            </a:solidFill>
+            <a:ln>
               <a:solidFill>
-                <a:srgbClr val="FF0000"/>
+                <a:schemeClr val="tx1"/>
               </a:solidFill>
             </a:ln>
           </p:spPr>
@@ -5420,59 +5642,264 @@
             <a:lstStyle/>
             <a:p>
               <a:pPr algn="ctr"/>
-              <a:endParaRPr kumimoji="1" lang="ja-JP" altLang="en-US"/>
-            </a:p>
-          </p:txBody>
-        </p:sp>
-        <p:sp>
-          <p:nvSpPr>
-            <p:cNvPr id="87" name="テキスト ボックス 86">
-              <a:extLst>
-                <a:ext uri="{FF2B5EF4-FFF2-40B4-BE49-F238E27FC236}">
-                  <a16:creationId xmlns:a16="http://schemas.microsoft.com/office/drawing/2014/main" id="{03A49D24-15A7-45DF-8E2D-6F96415F2AED}"/>
-                </a:ext>
-              </a:extLst>
-            </p:cNvPr>
-            <p:cNvSpPr txBox="1"/>
-            <p:nvPr/>
-          </p:nvSpPr>
-          <p:spPr>
-            <a:xfrm>
-              <a:off x="5389561" y="1992998"/>
-              <a:ext cx="1823870" cy="261610"/>
-            </a:xfrm>
-            <a:prstGeom prst="rect">
-              <a:avLst/>
-            </a:prstGeom>
-            <a:noFill/>
-          </p:spPr>
-          <p:txBody>
-            <a:bodyPr wrap="square" rtlCol="0">
-              <a:spAutoFit/>
-            </a:bodyPr>
-            <a:lstStyle/>
-            <a:p>
-              <a:pPr algn="ctr"/>
-              <a:r>
-                <a:rPr kumimoji="1" lang="en-US" altLang="ja-JP" sz="1100" dirty="0">
-                  <a:latin typeface="Arial" panose="020B0604020202020204" pitchFamily="34" charset="0"/>
-                  <a:cs typeface="Arial" panose="020B0604020202020204" pitchFamily="34" charset="0"/>
-                </a:rPr>
-                <a:t>from one file</a:t>
-              </a:r>
-              <a:endParaRPr kumimoji="1" lang="ja-JP" altLang="en-US" sz="1100" dirty="0">
+              <a:endParaRPr kumimoji="1" lang="ja-JP" altLang="en-US" sz="1200" dirty="0">
+                <a:solidFill>
+                  <a:schemeClr val="tx1"/>
+                </a:solidFill>
                 <a:latin typeface="Arial" panose="020B0604020202020204" pitchFamily="34" charset="0"/>
                 <a:cs typeface="Arial" panose="020B0604020202020204" pitchFamily="34" charset="0"/>
               </a:endParaRPr>
             </a:p>
           </p:txBody>
         </p:sp>
+        <p:sp>
+          <p:nvSpPr>
+            <p:cNvPr id="13" name="正方形/長方形 12">
+              <a:extLst>
+                <a:ext uri="{FF2B5EF4-FFF2-40B4-BE49-F238E27FC236}">
+                  <a16:creationId xmlns:a16="http://schemas.microsoft.com/office/drawing/2014/main" id="{65E1677F-6729-4593-B82D-EE9DD5177532}"/>
+                </a:ext>
+              </a:extLst>
+            </p:cNvPr>
+            <p:cNvSpPr/>
+            <p:nvPr/>
+          </p:nvSpPr>
+          <p:spPr>
+            <a:xfrm>
+              <a:off x="4984535" y="1426365"/>
+              <a:ext cx="499892" cy="964279"/>
+            </a:xfrm>
+            <a:prstGeom prst="rect">
+              <a:avLst/>
+            </a:prstGeom>
+            <a:solidFill>
+              <a:schemeClr val="bg1"/>
+            </a:solidFill>
+            <a:ln>
+              <a:solidFill>
+                <a:schemeClr val="tx1"/>
+              </a:solidFill>
+            </a:ln>
+          </p:spPr>
+          <p:style>
+            <a:lnRef idx="2">
+              <a:schemeClr val="accent1">
+                <a:shade val="50000"/>
+              </a:schemeClr>
+            </a:lnRef>
+            <a:fillRef idx="1">
+              <a:schemeClr val="accent1"/>
+            </a:fillRef>
+            <a:effectRef idx="0">
+              <a:schemeClr val="accent1"/>
+            </a:effectRef>
+            <a:fontRef idx="minor">
+              <a:schemeClr val="lt1"/>
+            </a:fontRef>
+          </p:style>
+          <p:txBody>
+            <a:bodyPr rtlCol="0" anchor="ctr"/>
+            <a:lstStyle/>
+            <a:p>
+              <a:pPr algn="ctr"/>
+              <a:endParaRPr kumimoji="1" lang="ja-JP" altLang="en-US" sz="1200" dirty="0">
+                <a:solidFill>
+                  <a:schemeClr val="tx1"/>
+                </a:solidFill>
+                <a:latin typeface="Arial" panose="020B0604020202020204" pitchFamily="34" charset="0"/>
+                <a:cs typeface="Arial" panose="020B0604020202020204" pitchFamily="34" charset="0"/>
+              </a:endParaRPr>
+            </a:p>
+          </p:txBody>
+        </p:sp>
+        <p:grpSp>
+          <p:nvGrpSpPr>
+            <p:cNvPr id="17" name="グループ化 16">
+              <a:extLst>
+                <a:ext uri="{FF2B5EF4-FFF2-40B4-BE49-F238E27FC236}">
+                  <a16:creationId xmlns:a16="http://schemas.microsoft.com/office/drawing/2014/main" id="{81B3438F-A4D8-4114-B851-795AE8AFBD21}"/>
+                </a:ext>
+              </a:extLst>
+            </p:cNvPr>
+            <p:cNvGrpSpPr/>
+            <p:nvPr/>
+          </p:nvGrpSpPr>
+          <p:grpSpPr>
+            <a:xfrm>
+              <a:off x="3595367" y="1383746"/>
+              <a:ext cx="925809" cy="1061260"/>
+              <a:chOff x="4767470" y="1169318"/>
+              <a:chExt cx="925809" cy="1061260"/>
+            </a:xfrm>
+          </p:grpSpPr>
+          <p:sp>
+            <p:nvSpPr>
+              <p:cNvPr id="14" name="正方形/長方形 13">
+                <a:extLst>
+                  <a:ext uri="{FF2B5EF4-FFF2-40B4-BE49-F238E27FC236}">
+                    <a16:creationId xmlns:a16="http://schemas.microsoft.com/office/drawing/2014/main" id="{1A726C4F-0C32-439A-8EED-E2574E9A11D3}"/>
+                  </a:ext>
+                </a:extLst>
+              </p:cNvPr>
+              <p:cNvSpPr/>
+              <p:nvPr/>
+            </p:nvSpPr>
+            <p:spPr>
+              <a:xfrm>
+                <a:off x="5003473" y="1169318"/>
+                <a:ext cx="499892" cy="964279"/>
+              </a:xfrm>
+              <a:prstGeom prst="rect">
+                <a:avLst/>
+              </a:prstGeom>
+              <a:solidFill>
+                <a:schemeClr val="bg1"/>
+              </a:solidFill>
+              <a:ln>
+                <a:solidFill>
+                  <a:schemeClr val="tx1"/>
+                </a:solidFill>
+              </a:ln>
+            </p:spPr>
+            <p:style>
+              <a:lnRef idx="2">
+                <a:schemeClr val="accent1">
+                  <a:shade val="50000"/>
+                </a:schemeClr>
+              </a:lnRef>
+              <a:fillRef idx="1">
+                <a:schemeClr val="accent1"/>
+              </a:fillRef>
+              <a:effectRef idx="0">
+                <a:schemeClr val="accent1"/>
+              </a:effectRef>
+              <a:fontRef idx="minor">
+                <a:schemeClr val="lt1"/>
+              </a:fontRef>
+            </p:style>
+            <p:txBody>
+              <a:bodyPr rtlCol="0" anchor="ctr"/>
+              <a:lstStyle/>
+              <a:p>
+                <a:pPr algn="ctr"/>
+                <a:endParaRPr kumimoji="1" lang="ja-JP" altLang="en-US" sz="1200" dirty="0">
+                  <a:solidFill>
+                    <a:schemeClr val="tx1"/>
+                  </a:solidFill>
+                  <a:latin typeface="Arial" panose="020B0604020202020204" pitchFamily="34" charset="0"/>
+                  <a:cs typeface="Arial" panose="020B0604020202020204" pitchFamily="34" charset="0"/>
+                </a:endParaRPr>
+              </a:p>
+            </p:txBody>
+          </p:sp>
+          <p:sp>
+            <p:nvSpPr>
+              <p:cNvPr id="15" name="正方形/長方形 14">
+                <a:extLst>
+                  <a:ext uri="{FF2B5EF4-FFF2-40B4-BE49-F238E27FC236}">
+                    <a16:creationId xmlns:a16="http://schemas.microsoft.com/office/drawing/2014/main" id="{972BF2B3-5B6C-420E-BB16-3FA7A33C69B4}"/>
+                  </a:ext>
+                </a:extLst>
+              </p:cNvPr>
+              <p:cNvSpPr/>
+              <p:nvPr/>
+            </p:nvSpPr>
+            <p:spPr>
+              <a:xfrm>
+                <a:off x="4767470" y="1266299"/>
+                <a:ext cx="499892" cy="964279"/>
+              </a:xfrm>
+              <a:prstGeom prst="rect">
+                <a:avLst/>
+              </a:prstGeom>
+              <a:solidFill>
+                <a:schemeClr val="bg1"/>
+              </a:solidFill>
+              <a:ln>
+                <a:solidFill>
+                  <a:schemeClr val="tx1"/>
+                </a:solidFill>
+              </a:ln>
+            </p:spPr>
+            <p:style>
+              <a:lnRef idx="2">
+                <a:schemeClr val="accent1">
+                  <a:shade val="50000"/>
+                </a:schemeClr>
+              </a:lnRef>
+              <a:fillRef idx="1">
+                <a:schemeClr val="accent1"/>
+              </a:fillRef>
+              <a:effectRef idx="0">
+                <a:schemeClr val="accent1"/>
+              </a:effectRef>
+              <a:fontRef idx="minor">
+                <a:schemeClr val="lt1"/>
+              </a:fontRef>
+            </p:style>
+            <p:txBody>
+              <a:bodyPr rtlCol="0" anchor="ctr"/>
+              <a:lstStyle/>
+              <a:p>
+                <a:pPr algn="ctr"/>
+                <a:endParaRPr kumimoji="1" lang="ja-JP" altLang="en-US" sz="1200" dirty="0">
+                  <a:solidFill>
+                    <a:schemeClr val="tx1"/>
+                  </a:solidFill>
+                  <a:latin typeface="Arial" panose="020B0604020202020204" pitchFamily="34" charset="0"/>
+                  <a:cs typeface="Arial" panose="020B0604020202020204" pitchFamily="34" charset="0"/>
+                </a:endParaRPr>
+              </a:p>
+            </p:txBody>
+          </p:sp>
+          <p:sp>
+            <p:nvSpPr>
+              <p:cNvPr id="16" name="テキスト ボックス 15">
+                <a:extLst>
+                  <a:ext uri="{FF2B5EF4-FFF2-40B4-BE49-F238E27FC236}">
+                    <a16:creationId xmlns:a16="http://schemas.microsoft.com/office/drawing/2014/main" id="{77DA6EBA-4646-4079-BD40-1DA548E2E963}"/>
+                  </a:ext>
+                </a:extLst>
+              </p:cNvPr>
+              <p:cNvSpPr txBox="1"/>
+              <p:nvPr/>
+            </p:nvSpPr>
+            <p:spPr>
+              <a:xfrm rot="19146280">
+                <a:off x="5094766" y="1642574"/>
+                <a:ext cx="598513" cy="338554"/>
+              </a:xfrm>
+              <a:prstGeom prst="rect">
+                <a:avLst/>
+              </a:prstGeom>
+              <a:noFill/>
+            </p:spPr>
+            <p:txBody>
+              <a:bodyPr wrap="square" rtlCol="0">
+                <a:spAutoFit/>
+              </a:bodyPr>
+              <a:lstStyle/>
+              <a:p>
+                <a:pPr algn="ctr"/>
+                <a:r>
+                  <a:rPr kumimoji="1" lang="en-US" altLang="ja-JP" sz="1600" b="1" dirty="0">
+                    <a:cs typeface="Arial" panose="020B0604020202020204" pitchFamily="34" charset="0"/>
+                  </a:rPr>
+                  <a:t>…</a:t>
+                </a:r>
+                <a:endParaRPr kumimoji="1" lang="ja-JP" altLang="en-US" sz="1600" b="1" dirty="0">
+                  <a:cs typeface="Arial" panose="020B0604020202020204" pitchFamily="34" charset="0"/>
+                </a:endParaRPr>
+              </a:p>
+            </p:txBody>
+          </p:sp>
+        </p:grpSp>
         <p:cxnSp>
           <p:nvCxnSpPr>
-            <p:cNvPr id="89" name="直線矢印コネクタ 88">
+            <p:cNvPr id="18" name="直線矢印コネクタ 17">
               <a:extLst>
                 <a:ext uri="{FF2B5EF4-FFF2-40B4-BE49-F238E27FC236}">
-                  <a16:creationId xmlns:a16="http://schemas.microsoft.com/office/drawing/2014/main" id="{C868898A-5214-4C0E-BAF0-7ECE284130CD}"/>
+                  <a16:creationId xmlns:a16="http://schemas.microsoft.com/office/drawing/2014/main" id="{22D7BB8D-CC11-4539-8AD4-F23119C1EF17}"/>
                 </a:ext>
               </a:extLst>
             </p:cNvPr>
@@ -5483,8 +5910,140 @@
           </p:nvCxnSpPr>
           <p:spPr>
             <a:xfrm>
-              <a:off x="5904814" y="3351913"/>
-              <a:ext cx="817769" cy="0"/>
+              <a:off x="3042458" y="1912988"/>
+              <a:ext cx="465513" cy="0"/>
+            </a:xfrm>
+            <a:prstGeom prst="straightConnector1">
+              <a:avLst/>
+            </a:prstGeom>
+            <a:ln w="28575">
+              <a:solidFill>
+                <a:schemeClr val="tx1"/>
+              </a:solidFill>
+              <a:tailEnd type="triangle"/>
+            </a:ln>
+          </p:spPr>
+          <p:style>
+            <a:lnRef idx="1">
+              <a:schemeClr val="accent1"/>
+            </a:lnRef>
+            <a:fillRef idx="0">
+              <a:schemeClr val="accent1"/>
+            </a:fillRef>
+            <a:effectRef idx="0">
+              <a:schemeClr val="accent1"/>
+            </a:effectRef>
+            <a:fontRef idx="minor">
+              <a:schemeClr val="tx1"/>
+            </a:fontRef>
+          </p:style>
+        </p:cxnSp>
+        <p:cxnSp>
+          <p:nvCxnSpPr>
+            <p:cNvPr id="26" name="直線矢印コネクタ 25">
+              <a:extLst>
+                <a:ext uri="{FF2B5EF4-FFF2-40B4-BE49-F238E27FC236}">
+                  <a16:creationId xmlns:a16="http://schemas.microsoft.com/office/drawing/2014/main" id="{E570B353-4EA8-4559-B897-60071CC1F0A5}"/>
+                </a:ext>
+              </a:extLst>
+            </p:cNvPr>
+            <p:cNvCxnSpPr>
+              <a:cxnSpLocks/>
+            </p:cNvCxnSpPr>
+            <p:nvPr/>
+          </p:nvCxnSpPr>
+          <p:spPr>
+            <a:xfrm>
+              <a:off x="4425142" y="1900192"/>
+              <a:ext cx="465513" cy="0"/>
+            </a:xfrm>
+            <a:prstGeom prst="straightConnector1">
+              <a:avLst/>
+            </a:prstGeom>
+            <a:ln w="28575">
+              <a:solidFill>
+                <a:schemeClr val="tx1"/>
+              </a:solidFill>
+              <a:tailEnd type="triangle"/>
+            </a:ln>
+          </p:spPr>
+          <p:style>
+            <a:lnRef idx="1">
+              <a:schemeClr val="accent1"/>
+            </a:lnRef>
+            <a:fillRef idx="0">
+              <a:schemeClr val="accent1"/>
+            </a:fillRef>
+            <a:effectRef idx="0">
+              <a:schemeClr val="accent1"/>
+            </a:effectRef>
+            <a:fontRef idx="minor">
+              <a:schemeClr val="tx1"/>
+            </a:fontRef>
+          </p:style>
+        </p:cxnSp>
+        <p:cxnSp>
+          <p:nvCxnSpPr>
+            <p:cNvPr id="28" name="直線矢印コネクタ 27">
+              <a:extLst>
+                <a:ext uri="{FF2B5EF4-FFF2-40B4-BE49-F238E27FC236}">
+                  <a16:creationId xmlns:a16="http://schemas.microsoft.com/office/drawing/2014/main" id="{9EAF0E76-A382-438D-B3D1-F8A8ACD3C23C}"/>
+                </a:ext>
+              </a:extLst>
+            </p:cNvPr>
+            <p:cNvCxnSpPr>
+              <a:cxnSpLocks/>
+            </p:cNvCxnSpPr>
+            <p:nvPr/>
+          </p:nvCxnSpPr>
+          <p:spPr>
+            <a:xfrm>
+              <a:off x="5580610" y="1904025"/>
+              <a:ext cx="465513" cy="0"/>
+            </a:xfrm>
+            <a:prstGeom prst="straightConnector1">
+              <a:avLst/>
+            </a:prstGeom>
+            <a:ln w="28575">
+              <a:solidFill>
+                <a:schemeClr val="tx1"/>
+              </a:solidFill>
+              <a:tailEnd type="triangle"/>
+            </a:ln>
+          </p:spPr>
+          <p:style>
+            <a:lnRef idx="1">
+              <a:schemeClr val="accent1"/>
+            </a:lnRef>
+            <a:fillRef idx="0">
+              <a:schemeClr val="accent1"/>
+            </a:fillRef>
+            <a:effectRef idx="0">
+              <a:schemeClr val="accent1"/>
+            </a:effectRef>
+            <a:fontRef idx="minor">
+              <a:schemeClr val="tx1"/>
+            </a:fontRef>
+          </p:style>
+        </p:cxnSp>
+        <p:cxnSp>
+          <p:nvCxnSpPr>
+            <p:cNvPr id="30" name="直線矢印コネクタ 29">
+              <a:extLst>
+                <a:ext uri="{FF2B5EF4-FFF2-40B4-BE49-F238E27FC236}">
+                  <a16:creationId xmlns:a16="http://schemas.microsoft.com/office/drawing/2014/main" id="{905048F8-4AEE-4EF7-B2CD-38409B6DB5AE}"/>
+                </a:ext>
+              </a:extLst>
+            </p:cNvPr>
+            <p:cNvCxnSpPr>
+              <a:cxnSpLocks/>
+            </p:cNvCxnSpPr>
+            <p:nvPr/>
+          </p:nvCxnSpPr>
+          <p:spPr>
+            <a:xfrm>
+              <a:off x="6727768" y="1900191"/>
+              <a:ext cx="465513" cy="0"/>
             </a:xfrm>
             <a:prstGeom prst="straightConnector1">
               <a:avLst/>
@@ -5513,10 +6072,10 @@
         </p:cxnSp>
         <p:sp>
           <p:nvSpPr>
-            <p:cNvPr id="90" name="テキスト ボックス 89">
+            <p:cNvPr id="34" name="テキスト ボックス 33">
               <a:extLst>
                 <a:ext uri="{FF2B5EF4-FFF2-40B4-BE49-F238E27FC236}">
-                  <a16:creationId xmlns:a16="http://schemas.microsoft.com/office/drawing/2014/main" id="{8FC88455-535B-4F56-8D24-599E9296EEF2}"/>
+                  <a16:creationId xmlns:a16="http://schemas.microsoft.com/office/drawing/2014/main" id="{A12431C1-E28F-4045-B205-F89BE75CDE62}"/>
                 </a:ext>
               </a:extLst>
             </p:cNvPr>
@@ -5525,8 +6084,1818 @@
           </p:nvSpPr>
           <p:spPr>
             <a:xfrm>
-              <a:off x="5392333" y="3392309"/>
-              <a:ext cx="1823870" cy="261610"/>
+              <a:off x="1203954" y="1616116"/>
+              <a:ext cx="1000719" cy="584775"/>
+            </a:xfrm>
+            <a:prstGeom prst="rect">
+              <a:avLst/>
+            </a:prstGeom>
+            <a:noFill/>
+          </p:spPr>
+          <p:txBody>
+            <a:bodyPr wrap="square" rtlCol="0">
+              <a:spAutoFit/>
+            </a:bodyPr>
+            <a:lstStyle/>
+            <a:p>
+              <a:pPr algn="ctr"/>
+              <a:r>
+                <a:rPr kumimoji="1" lang="en-US" altLang="ja-JP" sz="1600" dirty="0">
+                  <a:latin typeface="Arial" panose="020B0604020202020204" pitchFamily="34" charset="0"/>
+                  <a:cs typeface="Arial" panose="020B0604020202020204" pitchFamily="34" charset="0"/>
+                </a:rPr>
+                <a:t>Right</a:t>
+              </a:r>
+            </a:p>
+            <a:p>
+              <a:pPr algn="ctr"/>
+              <a:r>
+                <a:rPr kumimoji="1" lang="en-US" altLang="ja-JP" sz="1600" dirty="0">
+                  <a:latin typeface="Arial" panose="020B0604020202020204" pitchFamily="34" charset="0"/>
+                  <a:cs typeface="Arial" panose="020B0604020202020204" pitchFamily="34" charset="0"/>
+                </a:rPr>
+                <a:t>Shoulder</a:t>
+              </a:r>
+              <a:endParaRPr kumimoji="1" lang="ja-JP" altLang="en-US" sz="1600" dirty="0">
+                <a:latin typeface="Arial" panose="020B0604020202020204" pitchFamily="34" charset="0"/>
+                <a:cs typeface="Arial" panose="020B0604020202020204" pitchFamily="34" charset="0"/>
+              </a:endParaRPr>
+            </a:p>
+          </p:txBody>
+        </p:sp>
+        <p:pic>
+          <p:nvPicPr>
+            <p:cNvPr id="5" name="グラフィックス 4">
+              <a:extLst>
+                <a:ext uri="{FF2B5EF4-FFF2-40B4-BE49-F238E27FC236}">
+                  <a16:creationId xmlns:a16="http://schemas.microsoft.com/office/drawing/2014/main" id="{3787883B-2454-4610-8E6C-C914EA3D6C79}"/>
+                </a:ext>
+              </a:extLst>
+            </p:cNvPr>
+            <p:cNvPicPr>
+              <a:picLocks noChangeAspect="1"/>
+            </p:cNvPicPr>
+            <p:nvPr/>
+          </p:nvPicPr>
+          <p:blipFill>
+            <a:blip r:embed="rId4">
+              <a:extLst>
+                <a:ext uri="{28A0092B-C50C-407E-A947-70E740481C1C}">
+                  <a14:useLocalDpi xmlns:a14="http://schemas.microsoft.com/office/drawing/2010/main" val="0"/>
+                </a:ext>
+                <a:ext uri="{96DAC541-7B7A-43D3-8B79-37D633B846F1}">
+                  <asvg:svgBlip xmlns:asvg="http://schemas.microsoft.com/office/drawing/2016/SVG/main" r:embed="rId5"/>
+                </a:ext>
+              </a:extLst>
+            </a:blip>
+            <a:stretch>
+              <a:fillRect/>
+            </a:stretch>
+          </p:blipFill>
+          <p:spPr>
+            <a:xfrm rot="16200000">
+              <a:off x="2078072" y="3622414"/>
+              <a:ext cx="1076175" cy="702256"/>
+            </a:xfrm>
+            <a:prstGeom prst="rect">
+              <a:avLst/>
+            </a:prstGeom>
+          </p:spPr>
+        </p:pic>
+        <p:sp>
+          <p:nvSpPr>
+            <p:cNvPr id="52" name="正方形/長方形 51">
+              <a:extLst>
+                <a:ext uri="{FF2B5EF4-FFF2-40B4-BE49-F238E27FC236}">
+                  <a16:creationId xmlns:a16="http://schemas.microsoft.com/office/drawing/2014/main" id="{CEAD8926-3EA4-4669-ABA7-87FBEB9D0557}"/>
+                </a:ext>
+              </a:extLst>
+            </p:cNvPr>
+            <p:cNvSpPr/>
+            <p:nvPr/>
+          </p:nvSpPr>
+          <p:spPr>
+            <a:xfrm>
+              <a:off x="7290865" y="3445359"/>
+              <a:ext cx="499892" cy="964279"/>
+            </a:xfrm>
+            <a:prstGeom prst="rect">
+              <a:avLst/>
+            </a:prstGeom>
+            <a:solidFill>
+              <a:schemeClr val="bg1"/>
+            </a:solidFill>
+            <a:ln>
+              <a:solidFill>
+                <a:schemeClr val="tx1"/>
+              </a:solidFill>
+            </a:ln>
+          </p:spPr>
+          <p:style>
+            <a:lnRef idx="2">
+              <a:schemeClr val="accent1">
+                <a:shade val="50000"/>
+              </a:schemeClr>
+            </a:lnRef>
+            <a:fillRef idx="1">
+              <a:schemeClr val="accent1"/>
+            </a:fillRef>
+            <a:effectRef idx="0">
+              <a:schemeClr val="accent1"/>
+            </a:effectRef>
+            <a:fontRef idx="minor">
+              <a:schemeClr val="lt1"/>
+            </a:fontRef>
+          </p:style>
+          <p:txBody>
+            <a:bodyPr rtlCol="0" anchor="ctr"/>
+            <a:lstStyle/>
+            <a:p>
+              <a:pPr algn="ctr"/>
+              <a:r>
+                <a:rPr kumimoji="1" lang="en-US" altLang="ja-JP" sz="1200" dirty="0">
+                  <a:solidFill>
+                    <a:schemeClr val="tx1"/>
+                  </a:solidFill>
+                  <a:latin typeface="Arial" panose="020B0604020202020204" pitchFamily="34" charset="0"/>
+                  <a:cs typeface="Arial" panose="020B0604020202020204" pitchFamily="34" charset="0"/>
+                </a:rPr>
+                <a:t>0.79</a:t>
+              </a:r>
+            </a:p>
+            <a:p>
+              <a:pPr algn="ctr"/>
+              <a:r>
+                <a:rPr lang="en-US" altLang="ja-JP" sz="1200" dirty="0">
+                  <a:solidFill>
+                    <a:schemeClr val="tx1"/>
+                  </a:solidFill>
+                  <a:latin typeface="Arial" panose="020B0604020202020204" pitchFamily="34" charset="0"/>
+                  <a:cs typeface="Arial" panose="020B0604020202020204" pitchFamily="34" charset="0"/>
+                </a:rPr>
+                <a:t>0.0</a:t>
+              </a:r>
+            </a:p>
+            <a:p>
+              <a:pPr algn="ctr"/>
+              <a:r>
+                <a:rPr kumimoji="1" lang="en-US" altLang="ja-JP" sz="1200" dirty="0">
+                  <a:solidFill>
+                    <a:schemeClr val="tx1"/>
+                  </a:solidFill>
+                  <a:latin typeface="Arial" panose="020B0604020202020204" pitchFamily="34" charset="0"/>
+                  <a:cs typeface="Arial" panose="020B0604020202020204" pitchFamily="34" charset="0"/>
+                </a:rPr>
+                <a:t>0.1</a:t>
+              </a:r>
+            </a:p>
+            <a:p>
+              <a:pPr algn="ctr"/>
+              <a:r>
+                <a:rPr lang="en-US" altLang="ja-JP" sz="1200" b="1" dirty="0">
+                  <a:solidFill>
+                    <a:schemeClr val="tx1"/>
+                  </a:solidFill>
+                  <a:latin typeface="Arial" panose="020B0604020202020204" pitchFamily="34" charset="0"/>
+                  <a:cs typeface="Arial" panose="020B0604020202020204" pitchFamily="34" charset="0"/>
+                </a:rPr>
+                <a:t>︙</a:t>
+              </a:r>
+              <a:endParaRPr kumimoji="1" lang="en-US" altLang="ja-JP" sz="800" b="1" dirty="0">
+                <a:solidFill>
+                  <a:schemeClr val="tx1"/>
+                </a:solidFill>
+                <a:latin typeface="Arial" panose="020B0604020202020204" pitchFamily="34" charset="0"/>
+                <a:cs typeface="Arial" panose="020B0604020202020204" pitchFamily="34" charset="0"/>
+              </a:endParaRPr>
+            </a:p>
+            <a:p>
+              <a:pPr algn="ctr"/>
+              <a:r>
+                <a:rPr lang="en-US" altLang="ja-JP" sz="1200" dirty="0">
+                  <a:solidFill>
+                    <a:schemeClr val="tx1"/>
+                  </a:solidFill>
+                  <a:latin typeface="Arial" panose="020B0604020202020204" pitchFamily="34" charset="0"/>
+                  <a:cs typeface="Arial" panose="020B0604020202020204" pitchFamily="34" charset="0"/>
+                </a:rPr>
+                <a:t>0.38</a:t>
+              </a:r>
+              <a:endParaRPr kumimoji="1" lang="ja-JP" altLang="en-US" sz="1200" dirty="0">
+                <a:solidFill>
+                  <a:schemeClr val="tx1"/>
+                </a:solidFill>
+                <a:latin typeface="Arial" panose="020B0604020202020204" pitchFamily="34" charset="0"/>
+                <a:cs typeface="Arial" panose="020B0604020202020204" pitchFamily="34" charset="0"/>
+              </a:endParaRPr>
+            </a:p>
+          </p:txBody>
+        </p:sp>
+        <p:sp>
+          <p:nvSpPr>
+            <p:cNvPr id="53" name="正方形/長方形 52">
+              <a:extLst>
+                <a:ext uri="{FF2B5EF4-FFF2-40B4-BE49-F238E27FC236}">
+                  <a16:creationId xmlns:a16="http://schemas.microsoft.com/office/drawing/2014/main" id="{1DD489E8-A405-460F-A6EC-F1DF864B1295}"/>
+                </a:ext>
+              </a:extLst>
+            </p:cNvPr>
+            <p:cNvSpPr/>
+            <p:nvPr/>
+          </p:nvSpPr>
+          <p:spPr>
+            <a:xfrm>
+              <a:off x="6137700" y="3445359"/>
+              <a:ext cx="499892" cy="964279"/>
+            </a:xfrm>
+            <a:prstGeom prst="rect">
+              <a:avLst/>
+            </a:prstGeom>
+            <a:solidFill>
+              <a:schemeClr val="bg1"/>
+            </a:solidFill>
+            <a:ln>
+              <a:solidFill>
+                <a:schemeClr val="tx1"/>
+              </a:solidFill>
+            </a:ln>
+          </p:spPr>
+          <p:style>
+            <a:lnRef idx="2">
+              <a:schemeClr val="accent1">
+                <a:shade val="50000"/>
+              </a:schemeClr>
+            </a:lnRef>
+            <a:fillRef idx="1">
+              <a:schemeClr val="accent1"/>
+            </a:fillRef>
+            <a:effectRef idx="0">
+              <a:schemeClr val="accent1"/>
+            </a:effectRef>
+            <a:fontRef idx="minor">
+              <a:schemeClr val="lt1"/>
+            </a:fontRef>
+          </p:style>
+          <p:txBody>
+            <a:bodyPr rtlCol="0" anchor="ctr"/>
+            <a:lstStyle/>
+            <a:p>
+              <a:pPr algn="ctr"/>
+              <a:endParaRPr kumimoji="1" lang="ja-JP" altLang="en-US" sz="1200" dirty="0">
+                <a:solidFill>
+                  <a:schemeClr val="tx1"/>
+                </a:solidFill>
+                <a:latin typeface="Arial" panose="020B0604020202020204" pitchFamily="34" charset="0"/>
+                <a:cs typeface="Arial" panose="020B0604020202020204" pitchFamily="34" charset="0"/>
+              </a:endParaRPr>
+            </a:p>
+          </p:txBody>
+        </p:sp>
+        <p:sp>
+          <p:nvSpPr>
+            <p:cNvPr id="54" name="正方形/長方形 53">
+              <a:extLst>
+                <a:ext uri="{FF2B5EF4-FFF2-40B4-BE49-F238E27FC236}">
+                  <a16:creationId xmlns:a16="http://schemas.microsoft.com/office/drawing/2014/main" id="{E0F6E523-F810-40F5-8F4F-F3CBDAA2374F}"/>
+                </a:ext>
+              </a:extLst>
+            </p:cNvPr>
+            <p:cNvSpPr/>
+            <p:nvPr/>
+          </p:nvSpPr>
+          <p:spPr>
+            <a:xfrm>
+              <a:off x="4984535" y="3445359"/>
+              <a:ext cx="499892" cy="964279"/>
+            </a:xfrm>
+            <a:prstGeom prst="rect">
+              <a:avLst/>
+            </a:prstGeom>
+            <a:solidFill>
+              <a:schemeClr val="bg1"/>
+            </a:solidFill>
+            <a:ln>
+              <a:solidFill>
+                <a:schemeClr val="tx1"/>
+              </a:solidFill>
+            </a:ln>
+          </p:spPr>
+          <p:style>
+            <a:lnRef idx="2">
+              <a:schemeClr val="accent1">
+                <a:shade val="50000"/>
+              </a:schemeClr>
+            </a:lnRef>
+            <a:fillRef idx="1">
+              <a:schemeClr val="accent1"/>
+            </a:fillRef>
+            <a:effectRef idx="0">
+              <a:schemeClr val="accent1"/>
+            </a:effectRef>
+            <a:fontRef idx="minor">
+              <a:schemeClr val="lt1"/>
+            </a:fontRef>
+          </p:style>
+          <p:txBody>
+            <a:bodyPr rtlCol="0" anchor="ctr"/>
+            <a:lstStyle/>
+            <a:p>
+              <a:pPr algn="ctr"/>
+              <a:endParaRPr kumimoji="1" lang="ja-JP" altLang="en-US" sz="1200" dirty="0">
+                <a:solidFill>
+                  <a:schemeClr val="tx1"/>
+                </a:solidFill>
+                <a:latin typeface="Arial" panose="020B0604020202020204" pitchFamily="34" charset="0"/>
+                <a:cs typeface="Arial" panose="020B0604020202020204" pitchFamily="34" charset="0"/>
+              </a:endParaRPr>
+            </a:p>
+          </p:txBody>
+        </p:sp>
+        <p:grpSp>
+          <p:nvGrpSpPr>
+            <p:cNvPr id="55" name="グループ化 54">
+              <a:extLst>
+                <a:ext uri="{FF2B5EF4-FFF2-40B4-BE49-F238E27FC236}">
+                  <a16:creationId xmlns:a16="http://schemas.microsoft.com/office/drawing/2014/main" id="{28C09AE6-96B2-4BD7-878A-F964BD07F7DD}"/>
+                </a:ext>
+              </a:extLst>
+            </p:cNvPr>
+            <p:cNvGrpSpPr/>
+            <p:nvPr/>
+          </p:nvGrpSpPr>
+          <p:grpSpPr>
+            <a:xfrm>
+              <a:off x="3595367" y="3402740"/>
+              <a:ext cx="925809" cy="1061260"/>
+              <a:chOff x="4767470" y="1169318"/>
+              <a:chExt cx="925809" cy="1061260"/>
+            </a:xfrm>
+          </p:grpSpPr>
+          <p:sp>
+            <p:nvSpPr>
+              <p:cNvPr id="61" name="正方形/長方形 60">
+                <a:extLst>
+                  <a:ext uri="{FF2B5EF4-FFF2-40B4-BE49-F238E27FC236}">
+                    <a16:creationId xmlns:a16="http://schemas.microsoft.com/office/drawing/2014/main" id="{092D1620-F724-4161-953F-032F2BB113BD}"/>
+                  </a:ext>
+                </a:extLst>
+              </p:cNvPr>
+              <p:cNvSpPr/>
+              <p:nvPr/>
+            </p:nvSpPr>
+            <p:spPr>
+              <a:xfrm>
+                <a:off x="5003473" y="1169318"/>
+                <a:ext cx="499892" cy="964279"/>
+              </a:xfrm>
+              <a:prstGeom prst="rect">
+                <a:avLst/>
+              </a:prstGeom>
+              <a:solidFill>
+                <a:schemeClr val="bg1"/>
+              </a:solidFill>
+              <a:ln>
+                <a:solidFill>
+                  <a:schemeClr val="tx1"/>
+                </a:solidFill>
+              </a:ln>
+            </p:spPr>
+            <p:style>
+              <a:lnRef idx="2">
+                <a:schemeClr val="accent1">
+                  <a:shade val="50000"/>
+                </a:schemeClr>
+              </a:lnRef>
+              <a:fillRef idx="1">
+                <a:schemeClr val="accent1"/>
+              </a:fillRef>
+              <a:effectRef idx="0">
+                <a:schemeClr val="accent1"/>
+              </a:effectRef>
+              <a:fontRef idx="minor">
+                <a:schemeClr val="lt1"/>
+              </a:fontRef>
+            </p:style>
+            <p:txBody>
+              <a:bodyPr rtlCol="0" anchor="ctr"/>
+              <a:lstStyle/>
+              <a:p>
+                <a:pPr algn="ctr"/>
+                <a:endParaRPr kumimoji="1" lang="ja-JP" altLang="en-US" sz="1200" dirty="0">
+                  <a:solidFill>
+                    <a:schemeClr val="tx1"/>
+                  </a:solidFill>
+                  <a:latin typeface="Arial" panose="020B0604020202020204" pitchFamily="34" charset="0"/>
+                  <a:cs typeface="Arial" panose="020B0604020202020204" pitchFamily="34" charset="0"/>
+                </a:endParaRPr>
+              </a:p>
+            </p:txBody>
+          </p:sp>
+          <p:sp>
+            <p:nvSpPr>
+              <p:cNvPr id="62" name="正方形/長方形 61">
+                <a:extLst>
+                  <a:ext uri="{FF2B5EF4-FFF2-40B4-BE49-F238E27FC236}">
+                    <a16:creationId xmlns:a16="http://schemas.microsoft.com/office/drawing/2014/main" id="{05C351A8-17A3-4EE2-B323-6E12CDF7EE18}"/>
+                  </a:ext>
+                </a:extLst>
+              </p:cNvPr>
+              <p:cNvSpPr/>
+              <p:nvPr/>
+            </p:nvSpPr>
+            <p:spPr>
+              <a:xfrm>
+                <a:off x="4767470" y="1266299"/>
+                <a:ext cx="499892" cy="964279"/>
+              </a:xfrm>
+              <a:prstGeom prst="rect">
+                <a:avLst/>
+              </a:prstGeom>
+              <a:solidFill>
+                <a:schemeClr val="bg1"/>
+              </a:solidFill>
+              <a:ln>
+                <a:solidFill>
+                  <a:schemeClr val="tx1"/>
+                </a:solidFill>
+              </a:ln>
+            </p:spPr>
+            <p:style>
+              <a:lnRef idx="2">
+                <a:schemeClr val="accent1">
+                  <a:shade val="50000"/>
+                </a:schemeClr>
+              </a:lnRef>
+              <a:fillRef idx="1">
+                <a:schemeClr val="accent1"/>
+              </a:fillRef>
+              <a:effectRef idx="0">
+                <a:schemeClr val="accent1"/>
+              </a:effectRef>
+              <a:fontRef idx="minor">
+                <a:schemeClr val="lt1"/>
+              </a:fontRef>
+            </p:style>
+            <p:txBody>
+              <a:bodyPr rtlCol="0" anchor="ctr"/>
+              <a:lstStyle/>
+              <a:p>
+                <a:pPr algn="ctr"/>
+                <a:endParaRPr kumimoji="1" lang="ja-JP" altLang="en-US" sz="1200" dirty="0">
+                  <a:solidFill>
+                    <a:schemeClr val="tx1"/>
+                  </a:solidFill>
+                  <a:latin typeface="Arial" panose="020B0604020202020204" pitchFamily="34" charset="0"/>
+                  <a:cs typeface="Arial" panose="020B0604020202020204" pitchFamily="34" charset="0"/>
+                </a:endParaRPr>
+              </a:p>
+            </p:txBody>
+          </p:sp>
+          <p:sp>
+            <p:nvSpPr>
+              <p:cNvPr id="63" name="テキスト ボックス 62">
+                <a:extLst>
+                  <a:ext uri="{FF2B5EF4-FFF2-40B4-BE49-F238E27FC236}">
+                    <a16:creationId xmlns:a16="http://schemas.microsoft.com/office/drawing/2014/main" id="{22D7A78E-CC11-413A-9E0A-173BBA23B4F9}"/>
+                  </a:ext>
+                </a:extLst>
+              </p:cNvPr>
+              <p:cNvSpPr txBox="1"/>
+              <p:nvPr/>
+            </p:nvSpPr>
+            <p:spPr>
+              <a:xfrm rot="19146280">
+                <a:off x="5094766" y="1642574"/>
+                <a:ext cx="598513" cy="338554"/>
+              </a:xfrm>
+              <a:prstGeom prst="rect">
+                <a:avLst/>
+              </a:prstGeom>
+              <a:noFill/>
+            </p:spPr>
+            <p:txBody>
+              <a:bodyPr wrap="square" rtlCol="0">
+                <a:spAutoFit/>
+              </a:bodyPr>
+              <a:lstStyle/>
+              <a:p>
+                <a:pPr algn="ctr"/>
+                <a:r>
+                  <a:rPr kumimoji="1" lang="en-US" altLang="ja-JP" sz="1600" b="1" dirty="0">
+                    <a:cs typeface="Arial" panose="020B0604020202020204" pitchFamily="34" charset="0"/>
+                  </a:rPr>
+                  <a:t>…</a:t>
+                </a:r>
+                <a:endParaRPr kumimoji="1" lang="ja-JP" altLang="en-US" sz="1600" b="1" dirty="0">
+                  <a:cs typeface="Arial" panose="020B0604020202020204" pitchFamily="34" charset="0"/>
+                </a:endParaRPr>
+              </a:p>
+            </p:txBody>
+          </p:sp>
+        </p:grpSp>
+        <p:cxnSp>
+          <p:nvCxnSpPr>
+            <p:cNvPr id="56" name="直線矢印コネクタ 55">
+              <a:extLst>
+                <a:ext uri="{FF2B5EF4-FFF2-40B4-BE49-F238E27FC236}">
+                  <a16:creationId xmlns:a16="http://schemas.microsoft.com/office/drawing/2014/main" id="{5BB8046F-6502-41C1-938E-B67E22BF8FFA}"/>
+                </a:ext>
+              </a:extLst>
+            </p:cNvPr>
+            <p:cNvCxnSpPr>
+              <a:cxnSpLocks/>
+            </p:cNvCxnSpPr>
+            <p:nvPr/>
+          </p:nvCxnSpPr>
+          <p:spPr>
+            <a:xfrm>
+              <a:off x="3042458" y="3931982"/>
+              <a:ext cx="465513" cy="0"/>
+            </a:xfrm>
+            <a:prstGeom prst="straightConnector1">
+              <a:avLst/>
+            </a:prstGeom>
+            <a:ln w="28575">
+              <a:solidFill>
+                <a:schemeClr val="tx1"/>
+              </a:solidFill>
+              <a:tailEnd type="triangle"/>
+            </a:ln>
+          </p:spPr>
+          <p:style>
+            <a:lnRef idx="1">
+              <a:schemeClr val="accent1"/>
+            </a:lnRef>
+            <a:fillRef idx="0">
+              <a:schemeClr val="accent1"/>
+            </a:fillRef>
+            <a:effectRef idx="0">
+              <a:schemeClr val="accent1"/>
+            </a:effectRef>
+            <a:fontRef idx="minor">
+              <a:schemeClr val="tx1"/>
+            </a:fontRef>
+          </p:style>
+        </p:cxnSp>
+        <p:cxnSp>
+          <p:nvCxnSpPr>
+            <p:cNvPr id="57" name="直線矢印コネクタ 56">
+              <a:extLst>
+                <a:ext uri="{FF2B5EF4-FFF2-40B4-BE49-F238E27FC236}">
+                  <a16:creationId xmlns:a16="http://schemas.microsoft.com/office/drawing/2014/main" id="{7D09547D-EE46-45E2-B4A2-2CD928ADCF16}"/>
+                </a:ext>
+              </a:extLst>
+            </p:cNvPr>
+            <p:cNvCxnSpPr>
+              <a:cxnSpLocks/>
+            </p:cNvCxnSpPr>
+            <p:nvPr/>
+          </p:nvCxnSpPr>
+          <p:spPr>
+            <a:xfrm>
+              <a:off x="4425142" y="3927499"/>
+              <a:ext cx="465513" cy="0"/>
+            </a:xfrm>
+            <a:prstGeom prst="straightConnector1">
+              <a:avLst/>
+            </a:prstGeom>
+            <a:ln w="28575">
+              <a:solidFill>
+                <a:schemeClr val="tx1"/>
+              </a:solidFill>
+              <a:tailEnd type="triangle"/>
+            </a:ln>
+          </p:spPr>
+          <p:style>
+            <a:lnRef idx="1">
+              <a:schemeClr val="accent1"/>
+            </a:lnRef>
+            <a:fillRef idx="0">
+              <a:schemeClr val="accent1"/>
+            </a:fillRef>
+            <a:effectRef idx="0">
+              <a:schemeClr val="accent1"/>
+            </a:effectRef>
+            <a:fontRef idx="minor">
+              <a:schemeClr val="tx1"/>
+            </a:fontRef>
+          </p:style>
+        </p:cxnSp>
+        <p:cxnSp>
+          <p:nvCxnSpPr>
+            <p:cNvPr id="58" name="直線矢印コネクタ 57">
+              <a:extLst>
+                <a:ext uri="{FF2B5EF4-FFF2-40B4-BE49-F238E27FC236}">
+                  <a16:creationId xmlns:a16="http://schemas.microsoft.com/office/drawing/2014/main" id="{BF2297D4-D75A-4ACB-8AB4-B874F18F8009}"/>
+                </a:ext>
+              </a:extLst>
+            </p:cNvPr>
+            <p:cNvCxnSpPr>
+              <a:cxnSpLocks/>
+            </p:cNvCxnSpPr>
+            <p:nvPr/>
+          </p:nvCxnSpPr>
+          <p:spPr>
+            <a:xfrm>
+              <a:off x="5580610" y="3923019"/>
+              <a:ext cx="465513" cy="0"/>
+            </a:xfrm>
+            <a:prstGeom prst="straightConnector1">
+              <a:avLst/>
+            </a:prstGeom>
+            <a:ln w="28575">
+              <a:solidFill>
+                <a:schemeClr val="tx1"/>
+              </a:solidFill>
+              <a:tailEnd type="triangle"/>
+            </a:ln>
+          </p:spPr>
+          <p:style>
+            <a:lnRef idx="1">
+              <a:schemeClr val="accent1"/>
+            </a:lnRef>
+            <a:fillRef idx="0">
+              <a:schemeClr val="accent1"/>
+            </a:fillRef>
+            <a:effectRef idx="0">
+              <a:schemeClr val="accent1"/>
+            </a:effectRef>
+            <a:fontRef idx="minor">
+              <a:schemeClr val="tx1"/>
+            </a:fontRef>
+          </p:style>
+        </p:cxnSp>
+        <p:cxnSp>
+          <p:nvCxnSpPr>
+            <p:cNvPr id="59" name="直線矢印コネクタ 58">
+              <a:extLst>
+                <a:ext uri="{FF2B5EF4-FFF2-40B4-BE49-F238E27FC236}">
+                  <a16:creationId xmlns:a16="http://schemas.microsoft.com/office/drawing/2014/main" id="{964E29EF-090B-4A47-93A8-ACD15C7DA6AF}"/>
+                </a:ext>
+              </a:extLst>
+            </p:cNvPr>
+            <p:cNvCxnSpPr>
+              <a:cxnSpLocks/>
+            </p:cNvCxnSpPr>
+            <p:nvPr/>
+          </p:nvCxnSpPr>
+          <p:spPr>
+            <a:xfrm>
+              <a:off x="6727768" y="3927498"/>
+              <a:ext cx="465513" cy="0"/>
+            </a:xfrm>
+            <a:prstGeom prst="straightConnector1">
+              <a:avLst/>
+            </a:prstGeom>
+            <a:ln w="28575">
+              <a:solidFill>
+                <a:schemeClr val="tx1"/>
+              </a:solidFill>
+              <a:tailEnd type="triangle"/>
+            </a:ln>
+          </p:spPr>
+          <p:style>
+            <a:lnRef idx="1">
+              <a:schemeClr val="accent1"/>
+            </a:lnRef>
+            <a:fillRef idx="0">
+              <a:schemeClr val="accent1"/>
+            </a:fillRef>
+            <a:effectRef idx="0">
+              <a:schemeClr val="accent1"/>
+            </a:effectRef>
+            <a:fontRef idx="minor">
+              <a:schemeClr val="tx1"/>
+            </a:fontRef>
+          </p:style>
+        </p:cxnSp>
+        <p:sp>
+          <p:nvSpPr>
+            <p:cNvPr id="60" name="テキスト ボックス 59">
+              <a:extLst>
+                <a:ext uri="{FF2B5EF4-FFF2-40B4-BE49-F238E27FC236}">
+                  <a16:creationId xmlns:a16="http://schemas.microsoft.com/office/drawing/2014/main" id="{202353FF-0F8A-4A17-AFB4-7340686B9684}"/>
+                </a:ext>
+              </a:extLst>
+            </p:cNvPr>
+            <p:cNvSpPr txBox="1"/>
+            <p:nvPr/>
+          </p:nvSpPr>
+          <p:spPr>
+            <a:xfrm>
+              <a:off x="1203954" y="3635110"/>
+              <a:ext cx="1000719" cy="584775"/>
+            </a:xfrm>
+            <a:prstGeom prst="rect">
+              <a:avLst/>
+            </a:prstGeom>
+            <a:noFill/>
+          </p:spPr>
+          <p:txBody>
+            <a:bodyPr wrap="square" rtlCol="0">
+              <a:spAutoFit/>
+            </a:bodyPr>
+            <a:lstStyle/>
+            <a:p>
+              <a:pPr algn="ctr"/>
+              <a:r>
+                <a:rPr kumimoji="1" lang="en-US" altLang="ja-JP" sz="1600" dirty="0">
+                  <a:latin typeface="Arial" panose="020B0604020202020204" pitchFamily="34" charset="0"/>
+                  <a:cs typeface="Arial" panose="020B0604020202020204" pitchFamily="34" charset="0"/>
+                </a:rPr>
+                <a:t>Left</a:t>
+              </a:r>
+            </a:p>
+            <a:p>
+              <a:pPr algn="ctr"/>
+              <a:r>
+                <a:rPr kumimoji="1" lang="en-US" altLang="ja-JP" sz="1600" dirty="0">
+                  <a:latin typeface="Arial" panose="020B0604020202020204" pitchFamily="34" charset="0"/>
+                  <a:cs typeface="Arial" panose="020B0604020202020204" pitchFamily="34" charset="0"/>
+                </a:rPr>
+                <a:t>Wrist</a:t>
+              </a:r>
+              <a:endParaRPr kumimoji="1" lang="ja-JP" altLang="en-US" sz="1600" dirty="0">
+                <a:latin typeface="Arial" panose="020B0604020202020204" pitchFamily="34" charset="0"/>
+                <a:cs typeface="Arial" panose="020B0604020202020204" pitchFamily="34" charset="0"/>
+              </a:endParaRPr>
+            </a:p>
+          </p:txBody>
+        </p:sp>
+        <p:sp>
+          <p:nvSpPr>
+            <p:cNvPr id="64" name="テキスト ボックス 63">
+              <a:extLst>
+                <a:ext uri="{FF2B5EF4-FFF2-40B4-BE49-F238E27FC236}">
+                  <a16:creationId xmlns:a16="http://schemas.microsoft.com/office/drawing/2014/main" id="{CFD8DF35-4454-4A4B-A3F6-265D353CE0C6}"/>
+                </a:ext>
+              </a:extLst>
+            </p:cNvPr>
+            <p:cNvSpPr txBox="1"/>
+            <p:nvPr/>
+          </p:nvSpPr>
+          <p:spPr>
+            <a:xfrm rot="16200000">
+              <a:off x="1266266" y="2699637"/>
+              <a:ext cx="909345" cy="461665"/>
+            </a:xfrm>
+            <a:prstGeom prst="rect">
+              <a:avLst/>
+            </a:prstGeom>
+            <a:noFill/>
+          </p:spPr>
+          <p:txBody>
+            <a:bodyPr wrap="square" rtlCol="0">
+              <a:spAutoFit/>
+            </a:bodyPr>
+            <a:lstStyle/>
+            <a:p>
+              <a:pPr algn="ctr"/>
+              <a:r>
+                <a:rPr kumimoji="1" lang="en-US" altLang="ja-JP" sz="2400" b="1" dirty="0">
+                  <a:cs typeface="Arial" panose="020B0604020202020204" pitchFamily="34" charset="0"/>
+                </a:rPr>
+                <a:t>……</a:t>
+              </a:r>
+              <a:endParaRPr kumimoji="1" lang="ja-JP" altLang="en-US" sz="2400" b="1" dirty="0">
+                <a:cs typeface="Arial" panose="020B0604020202020204" pitchFamily="34" charset="0"/>
+              </a:endParaRPr>
+            </a:p>
+          </p:txBody>
+        </p:sp>
+        <p:cxnSp>
+          <p:nvCxnSpPr>
+            <p:cNvPr id="66" name="直線矢印コネクタ 65">
+              <a:extLst>
+                <a:ext uri="{FF2B5EF4-FFF2-40B4-BE49-F238E27FC236}">
+                  <a16:creationId xmlns:a16="http://schemas.microsoft.com/office/drawing/2014/main" id="{EC75C643-3A1E-47B1-9E6A-5664D33AE812}"/>
+                </a:ext>
+              </a:extLst>
+            </p:cNvPr>
+            <p:cNvCxnSpPr>
+              <a:cxnSpLocks/>
+            </p:cNvCxnSpPr>
+            <p:nvPr/>
+          </p:nvCxnSpPr>
+          <p:spPr>
+            <a:xfrm>
+              <a:off x="7891552" y="1907851"/>
+              <a:ext cx="745372" cy="293040"/>
+            </a:xfrm>
+            <a:prstGeom prst="straightConnector1">
+              <a:avLst/>
+            </a:prstGeom>
+            <a:ln w="28575">
+              <a:solidFill>
+                <a:schemeClr val="tx1"/>
+              </a:solidFill>
+              <a:tailEnd type="triangle"/>
+            </a:ln>
+          </p:spPr>
+          <p:style>
+            <a:lnRef idx="1">
+              <a:schemeClr val="accent1"/>
+            </a:lnRef>
+            <a:fillRef idx="0">
+              <a:schemeClr val="accent1"/>
+            </a:fillRef>
+            <a:effectRef idx="0">
+              <a:schemeClr val="accent1"/>
+            </a:effectRef>
+            <a:fontRef idx="minor">
+              <a:schemeClr val="tx1"/>
+            </a:fontRef>
+          </p:style>
+        </p:cxnSp>
+        <p:cxnSp>
+          <p:nvCxnSpPr>
+            <p:cNvPr id="68" name="直線矢印コネクタ 67">
+              <a:extLst>
+                <a:ext uri="{FF2B5EF4-FFF2-40B4-BE49-F238E27FC236}">
+                  <a16:creationId xmlns:a16="http://schemas.microsoft.com/office/drawing/2014/main" id="{86BF8D48-F128-4C4B-BAE5-7D6416BA4F52}"/>
+                </a:ext>
+              </a:extLst>
+            </p:cNvPr>
+            <p:cNvCxnSpPr>
+              <a:cxnSpLocks/>
+            </p:cNvCxnSpPr>
+            <p:nvPr/>
+          </p:nvCxnSpPr>
+          <p:spPr>
+            <a:xfrm flipV="1">
+              <a:off x="7884315" y="3620274"/>
+              <a:ext cx="745372" cy="293040"/>
+            </a:xfrm>
+            <a:prstGeom prst="straightConnector1">
+              <a:avLst/>
+            </a:prstGeom>
+            <a:ln w="28575">
+              <a:solidFill>
+                <a:schemeClr val="tx1"/>
+              </a:solidFill>
+              <a:tailEnd type="triangle"/>
+            </a:ln>
+          </p:spPr>
+          <p:style>
+            <a:lnRef idx="1">
+              <a:schemeClr val="accent1"/>
+            </a:lnRef>
+            <a:fillRef idx="0">
+              <a:schemeClr val="accent1"/>
+            </a:fillRef>
+            <a:effectRef idx="0">
+              <a:schemeClr val="accent1"/>
+            </a:effectRef>
+            <a:fontRef idx="minor">
+              <a:schemeClr val="tx1"/>
+            </a:fontRef>
+          </p:style>
+        </p:cxnSp>
+        <p:sp>
+          <p:nvSpPr>
+            <p:cNvPr id="70" name="テキスト ボックス 69">
+              <a:extLst>
+                <a:ext uri="{FF2B5EF4-FFF2-40B4-BE49-F238E27FC236}">
+                  <a16:creationId xmlns:a16="http://schemas.microsoft.com/office/drawing/2014/main" id="{F6997257-7980-4A48-BC5B-43561B9E67F8}"/>
+                </a:ext>
+              </a:extLst>
+            </p:cNvPr>
+            <p:cNvSpPr txBox="1"/>
+            <p:nvPr/>
+          </p:nvSpPr>
+          <p:spPr>
+            <a:xfrm rot="16200000">
+              <a:off x="7794515" y="2694091"/>
+              <a:ext cx="909345" cy="461665"/>
+            </a:xfrm>
+            <a:prstGeom prst="rect">
+              <a:avLst/>
+            </a:prstGeom>
+            <a:noFill/>
+          </p:spPr>
+          <p:txBody>
+            <a:bodyPr wrap="square" rtlCol="0">
+              <a:spAutoFit/>
+            </a:bodyPr>
+            <a:lstStyle/>
+            <a:p>
+              <a:pPr algn="ctr"/>
+              <a:r>
+                <a:rPr kumimoji="1" lang="en-US" altLang="ja-JP" sz="2400" b="1" dirty="0">
+                  <a:cs typeface="Arial" panose="020B0604020202020204" pitchFamily="34" charset="0"/>
+                </a:rPr>
+                <a:t>……</a:t>
+              </a:r>
+              <a:endParaRPr kumimoji="1" lang="ja-JP" altLang="en-US" sz="2400" b="1" dirty="0">
+                <a:cs typeface="Arial" panose="020B0604020202020204" pitchFamily="34" charset="0"/>
+              </a:endParaRPr>
+            </a:p>
+          </p:txBody>
+        </p:sp>
+        <p:sp>
+          <p:nvSpPr>
+            <p:cNvPr id="33" name="正方形/長方形 32">
+              <a:extLst>
+                <a:ext uri="{FF2B5EF4-FFF2-40B4-BE49-F238E27FC236}">
+                  <a16:creationId xmlns:a16="http://schemas.microsoft.com/office/drawing/2014/main" id="{3C9D36AB-B17F-49E7-BA1F-0B929FB9E308}"/>
+                </a:ext>
+              </a:extLst>
+            </p:cNvPr>
+            <p:cNvSpPr/>
+            <p:nvPr/>
+          </p:nvSpPr>
+          <p:spPr>
+            <a:xfrm>
+              <a:off x="8727807" y="1491278"/>
+              <a:ext cx="499892" cy="2855743"/>
+            </a:xfrm>
+            <a:prstGeom prst="rect">
+              <a:avLst/>
+            </a:prstGeom>
+            <a:solidFill>
+              <a:schemeClr val="bg1"/>
+            </a:solidFill>
+            <a:ln>
+              <a:solidFill>
+                <a:schemeClr val="tx1"/>
+              </a:solidFill>
+            </a:ln>
+          </p:spPr>
+          <p:style>
+            <a:lnRef idx="2">
+              <a:schemeClr val="accent1">
+                <a:shade val="50000"/>
+              </a:schemeClr>
+            </a:lnRef>
+            <a:fillRef idx="1">
+              <a:schemeClr val="accent1"/>
+            </a:fillRef>
+            <a:effectRef idx="0">
+              <a:schemeClr val="accent1"/>
+            </a:effectRef>
+            <a:fontRef idx="minor">
+              <a:schemeClr val="lt1"/>
+            </a:fontRef>
+          </p:style>
+          <p:txBody>
+            <a:bodyPr rtlCol="0" anchor="ctr"/>
+            <a:lstStyle/>
+            <a:p>
+              <a:pPr algn="ctr">
+                <a:lnSpc>
+                  <a:spcPct val="150000"/>
+                </a:lnSpc>
+              </a:pPr>
+              <a:r>
+                <a:rPr lang="en-US" altLang="ja-JP" sz="1200" dirty="0">
+                  <a:solidFill>
+                    <a:schemeClr val="tx1"/>
+                  </a:solidFill>
+                  <a:latin typeface="Arial" panose="020B0604020202020204" pitchFamily="34" charset="0"/>
+                  <a:cs typeface="Arial" panose="020B0604020202020204" pitchFamily="34" charset="0"/>
+                </a:rPr>
+                <a:t>1.8</a:t>
+              </a:r>
+              <a:endParaRPr kumimoji="1" lang="en-US" altLang="ja-JP" sz="1200" dirty="0">
+                <a:solidFill>
+                  <a:schemeClr val="tx1"/>
+                </a:solidFill>
+                <a:latin typeface="Arial" panose="020B0604020202020204" pitchFamily="34" charset="0"/>
+                <a:cs typeface="Arial" panose="020B0604020202020204" pitchFamily="34" charset="0"/>
+              </a:endParaRPr>
+            </a:p>
+            <a:p>
+              <a:pPr algn="ctr">
+                <a:lnSpc>
+                  <a:spcPct val="150000"/>
+                </a:lnSpc>
+              </a:pPr>
+              <a:r>
+                <a:rPr lang="en-US" altLang="ja-JP" sz="1200" dirty="0">
+                  <a:solidFill>
+                    <a:schemeClr val="tx1"/>
+                  </a:solidFill>
+                  <a:latin typeface="Arial" panose="020B0604020202020204" pitchFamily="34" charset="0"/>
+                  <a:cs typeface="Arial" panose="020B0604020202020204" pitchFamily="34" charset="0"/>
+                </a:rPr>
+                <a:t>1.2</a:t>
+              </a:r>
+              <a:endParaRPr kumimoji="1" lang="en-US" altLang="ja-JP" sz="800" b="1" dirty="0">
+                <a:solidFill>
+                  <a:schemeClr val="tx1"/>
+                </a:solidFill>
+                <a:latin typeface="Arial" panose="020B0604020202020204" pitchFamily="34" charset="0"/>
+                <a:cs typeface="Arial" panose="020B0604020202020204" pitchFamily="34" charset="0"/>
+              </a:endParaRPr>
+            </a:p>
+            <a:p>
+              <a:pPr algn="ctr">
+                <a:lnSpc>
+                  <a:spcPct val="150000"/>
+                </a:lnSpc>
+              </a:pPr>
+              <a:r>
+                <a:rPr lang="en-US" altLang="ja-JP" sz="1200" dirty="0">
+                  <a:solidFill>
+                    <a:schemeClr val="tx1"/>
+                  </a:solidFill>
+                  <a:latin typeface="Arial" panose="020B0604020202020204" pitchFamily="34" charset="0"/>
+                  <a:cs typeface="Arial" panose="020B0604020202020204" pitchFamily="34" charset="0"/>
+                </a:rPr>
+                <a:t>2.7</a:t>
+              </a:r>
+            </a:p>
+            <a:p>
+              <a:pPr algn="ctr">
+                <a:lnSpc>
+                  <a:spcPct val="150000"/>
+                </a:lnSpc>
+              </a:pPr>
+              <a:r>
+                <a:rPr kumimoji="1" lang="en-US" altLang="ja-JP" sz="1200" dirty="0">
+                  <a:solidFill>
+                    <a:schemeClr val="tx1"/>
+                  </a:solidFill>
+                  <a:latin typeface="Arial" panose="020B0604020202020204" pitchFamily="34" charset="0"/>
+                  <a:cs typeface="Arial" panose="020B0604020202020204" pitchFamily="34" charset="0"/>
+                </a:rPr>
+                <a:t>0.45</a:t>
+              </a:r>
+              <a:endParaRPr lang="en-US" altLang="ja-JP" sz="1200" dirty="0">
+                <a:solidFill>
+                  <a:schemeClr val="tx1"/>
+                </a:solidFill>
+                <a:latin typeface="Arial" panose="020B0604020202020204" pitchFamily="34" charset="0"/>
+                <a:cs typeface="Arial" panose="020B0604020202020204" pitchFamily="34" charset="0"/>
+              </a:endParaRPr>
+            </a:p>
+            <a:p>
+              <a:pPr algn="ctr">
+                <a:lnSpc>
+                  <a:spcPct val="150000"/>
+                </a:lnSpc>
+              </a:pPr>
+              <a:r>
+                <a:rPr lang="en-US" altLang="ja-JP" sz="1200" dirty="0">
+                  <a:solidFill>
+                    <a:schemeClr val="tx1"/>
+                  </a:solidFill>
+                  <a:latin typeface="Arial" panose="020B0604020202020204" pitchFamily="34" charset="0"/>
+                  <a:cs typeface="Arial" panose="020B0604020202020204" pitchFamily="34" charset="0"/>
+                </a:rPr>
+                <a:t>2.3</a:t>
+              </a:r>
+            </a:p>
+            <a:p>
+              <a:pPr algn="ctr">
+                <a:lnSpc>
+                  <a:spcPct val="150000"/>
+                </a:lnSpc>
+              </a:pPr>
+              <a:r>
+                <a:rPr kumimoji="1" lang="en-US" altLang="ja-JP" sz="1200" dirty="0">
+                  <a:solidFill>
+                    <a:schemeClr val="tx1"/>
+                  </a:solidFill>
+                  <a:latin typeface="Arial" panose="020B0604020202020204" pitchFamily="34" charset="0"/>
+                  <a:cs typeface="Arial" panose="020B0604020202020204" pitchFamily="34" charset="0"/>
+                </a:rPr>
+                <a:t>0.29</a:t>
+              </a:r>
+            </a:p>
+            <a:p>
+              <a:pPr algn="ctr">
+                <a:lnSpc>
+                  <a:spcPct val="150000"/>
+                </a:lnSpc>
+              </a:pPr>
+              <a:r>
+                <a:rPr lang="en-US" altLang="ja-JP" sz="1200" dirty="0">
+                  <a:solidFill>
+                    <a:schemeClr val="tx1"/>
+                  </a:solidFill>
+                  <a:latin typeface="Arial" panose="020B0604020202020204" pitchFamily="34" charset="0"/>
+                  <a:cs typeface="Arial" panose="020B0604020202020204" pitchFamily="34" charset="0"/>
+                </a:rPr>
+                <a:t>1.1</a:t>
+              </a:r>
+            </a:p>
+            <a:p>
+              <a:pPr algn="ctr">
+                <a:lnSpc>
+                  <a:spcPct val="150000"/>
+                </a:lnSpc>
+              </a:pPr>
+              <a:r>
+                <a:rPr kumimoji="1" lang="en-US" altLang="ja-JP" sz="1200" dirty="0">
+                  <a:solidFill>
+                    <a:schemeClr val="tx1"/>
+                  </a:solidFill>
+                  <a:latin typeface="Arial" panose="020B0604020202020204" pitchFamily="34" charset="0"/>
+                  <a:cs typeface="Arial" panose="020B0604020202020204" pitchFamily="34" charset="0"/>
+                </a:rPr>
+                <a:t>0.9</a:t>
+              </a:r>
+            </a:p>
+            <a:p>
+              <a:pPr algn="ctr">
+                <a:lnSpc>
+                  <a:spcPct val="150000"/>
+                </a:lnSpc>
+              </a:pPr>
+              <a:r>
+                <a:rPr lang="en-US" altLang="ja-JP" sz="1200" dirty="0">
+                  <a:solidFill>
+                    <a:schemeClr val="tx1"/>
+                  </a:solidFill>
+                  <a:latin typeface="Arial" panose="020B0604020202020204" pitchFamily="34" charset="0"/>
+                  <a:cs typeface="Arial" panose="020B0604020202020204" pitchFamily="34" charset="0"/>
+                </a:rPr>
+                <a:t>4.3</a:t>
+              </a:r>
+            </a:p>
+            <a:p>
+              <a:pPr algn="ctr">
+                <a:lnSpc>
+                  <a:spcPct val="150000"/>
+                </a:lnSpc>
+              </a:pPr>
+              <a:r>
+                <a:rPr kumimoji="1" lang="en-US" altLang="ja-JP" sz="1200" dirty="0">
+                  <a:solidFill>
+                    <a:schemeClr val="tx1"/>
+                  </a:solidFill>
+                  <a:latin typeface="Arial" panose="020B0604020202020204" pitchFamily="34" charset="0"/>
+                  <a:cs typeface="Arial" panose="020B0604020202020204" pitchFamily="34" charset="0"/>
+                </a:rPr>
+                <a:t>0.61</a:t>
+              </a:r>
+              <a:endParaRPr kumimoji="1" lang="ja-JP" altLang="en-US" sz="1200" dirty="0">
+                <a:solidFill>
+                  <a:schemeClr val="tx1"/>
+                </a:solidFill>
+                <a:latin typeface="Arial" panose="020B0604020202020204" pitchFamily="34" charset="0"/>
+                <a:cs typeface="Arial" panose="020B0604020202020204" pitchFamily="34" charset="0"/>
+              </a:endParaRPr>
+            </a:p>
+          </p:txBody>
+        </p:sp>
+        <p:cxnSp>
+          <p:nvCxnSpPr>
+            <p:cNvPr id="72" name="直線矢印コネクタ 71">
+              <a:extLst>
+                <a:ext uri="{FF2B5EF4-FFF2-40B4-BE49-F238E27FC236}">
+                  <a16:creationId xmlns:a16="http://schemas.microsoft.com/office/drawing/2014/main" id="{722290FE-93F5-4BA5-B5A1-805EFD42BB71}"/>
+                </a:ext>
+              </a:extLst>
+            </p:cNvPr>
+            <p:cNvCxnSpPr>
+              <a:cxnSpLocks/>
+            </p:cNvCxnSpPr>
+            <p:nvPr/>
+          </p:nvCxnSpPr>
+          <p:spPr>
+            <a:xfrm>
+              <a:off x="9315797" y="2913843"/>
+              <a:ext cx="465513" cy="0"/>
+            </a:xfrm>
+            <a:prstGeom prst="straightConnector1">
+              <a:avLst/>
+            </a:prstGeom>
+            <a:ln w="28575">
+              <a:solidFill>
+                <a:schemeClr val="tx1"/>
+              </a:solidFill>
+              <a:tailEnd type="triangle"/>
+            </a:ln>
+          </p:spPr>
+          <p:style>
+            <a:lnRef idx="1">
+              <a:schemeClr val="accent1"/>
+            </a:lnRef>
+            <a:fillRef idx="0">
+              <a:schemeClr val="accent1"/>
+            </a:fillRef>
+            <a:effectRef idx="0">
+              <a:schemeClr val="accent1"/>
+            </a:effectRef>
+            <a:fontRef idx="minor">
+              <a:schemeClr val="tx1"/>
+            </a:fontRef>
+          </p:style>
+        </p:cxnSp>
+        <p:sp>
+          <p:nvSpPr>
+            <p:cNvPr id="73" name="楕円 72">
+              <a:extLst>
+                <a:ext uri="{FF2B5EF4-FFF2-40B4-BE49-F238E27FC236}">
+                  <a16:creationId xmlns:a16="http://schemas.microsoft.com/office/drawing/2014/main" id="{6159573B-4B0A-4AF5-A707-345B3AA552C1}"/>
+                </a:ext>
+              </a:extLst>
+            </p:cNvPr>
+            <p:cNvSpPr/>
+            <p:nvPr/>
+          </p:nvSpPr>
+          <p:spPr>
+            <a:xfrm>
+              <a:off x="9869408" y="2671956"/>
+              <a:ext cx="499893" cy="500400"/>
+            </a:xfrm>
+            <a:prstGeom prst="ellipse">
+              <a:avLst/>
+            </a:prstGeom>
+            <a:solidFill>
+              <a:schemeClr val="bg1"/>
+            </a:solidFill>
+            <a:ln>
+              <a:solidFill>
+                <a:schemeClr val="tx1"/>
+              </a:solidFill>
+            </a:ln>
+          </p:spPr>
+          <p:style>
+            <a:lnRef idx="2">
+              <a:schemeClr val="accent1">
+                <a:shade val="50000"/>
+              </a:schemeClr>
+            </a:lnRef>
+            <a:fillRef idx="1">
+              <a:schemeClr val="accent1"/>
+            </a:fillRef>
+            <a:effectRef idx="0">
+              <a:schemeClr val="accent1"/>
+            </a:effectRef>
+            <a:fontRef idx="minor">
+              <a:schemeClr val="lt1"/>
+            </a:fontRef>
+          </p:style>
+          <p:txBody>
+            <a:bodyPr rtlCol="0" anchor="ctr"/>
+            <a:lstStyle/>
+            <a:p>
+              <a:pPr algn="ctr"/>
+              <a:r>
+                <a:rPr lang="en-US" altLang="ja-JP" dirty="0">
+                  <a:solidFill>
+                    <a:schemeClr val="tx1"/>
+                  </a:solidFill>
+                  <a:latin typeface="Arial" panose="020B0604020202020204" pitchFamily="34" charset="0"/>
+                  <a:cs typeface="Arial" panose="020B0604020202020204" pitchFamily="34" charset="0"/>
+                </a:rPr>
+                <a:t>9</a:t>
+              </a:r>
+              <a:endParaRPr kumimoji="1" lang="ja-JP" altLang="en-US" dirty="0">
+                <a:solidFill>
+                  <a:schemeClr val="tx1"/>
+                </a:solidFill>
+                <a:latin typeface="Arial" panose="020B0604020202020204" pitchFamily="34" charset="0"/>
+                <a:cs typeface="Arial" panose="020B0604020202020204" pitchFamily="34" charset="0"/>
+              </a:endParaRPr>
+            </a:p>
+          </p:txBody>
+        </p:sp>
+        <p:sp>
+          <p:nvSpPr>
+            <p:cNvPr id="74" name="テキスト ボックス 73">
+              <a:extLst>
+                <a:ext uri="{FF2B5EF4-FFF2-40B4-BE49-F238E27FC236}">
+                  <a16:creationId xmlns:a16="http://schemas.microsoft.com/office/drawing/2014/main" id="{E5C2D428-AA26-43F3-8B42-3F89A12B8BCC}"/>
+                </a:ext>
+              </a:extLst>
+            </p:cNvPr>
+            <p:cNvSpPr txBox="1"/>
+            <p:nvPr/>
+          </p:nvSpPr>
+          <p:spPr>
+            <a:xfrm>
+              <a:off x="1684432" y="4422435"/>
+              <a:ext cx="1823870" cy="307777"/>
+            </a:xfrm>
+            <a:prstGeom prst="rect">
+              <a:avLst/>
+            </a:prstGeom>
+            <a:noFill/>
+          </p:spPr>
+          <p:txBody>
+            <a:bodyPr wrap="square" rtlCol="0">
+              <a:spAutoFit/>
+            </a:bodyPr>
+            <a:lstStyle/>
+            <a:p>
+              <a:pPr algn="ctr"/>
+              <a:r>
+                <a:rPr kumimoji="1" lang="en-US" altLang="ja-JP" sz="1400" dirty="0">
+                  <a:latin typeface="Arial" panose="020B0604020202020204" pitchFamily="34" charset="0"/>
+                  <a:cs typeface="Arial" panose="020B0604020202020204" pitchFamily="34" charset="0"/>
+                </a:rPr>
+                <a:t>Features</a:t>
+              </a:r>
+              <a:endParaRPr kumimoji="1" lang="ja-JP" altLang="en-US" sz="1400" dirty="0">
+                <a:latin typeface="Arial" panose="020B0604020202020204" pitchFamily="34" charset="0"/>
+                <a:cs typeface="Arial" panose="020B0604020202020204" pitchFamily="34" charset="0"/>
+              </a:endParaRPr>
+            </a:p>
+          </p:txBody>
+        </p:sp>
+        <p:sp>
+          <p:nvSpPr>
+            <p:cNvPr id="75" name="テキスト ボックス 74">
+              <a:extLst>
+                <a:ext uri="{FF2B5EF4-FFF2-40B4-BE49-F238E27FC236}">
+                  <a16:creationId xmlns:a16="http://schemas.microsoft.com/office/drawing/2014/main" id="{1BD8F261-44F0-4577-8B46-702319FADF64}"/>
+                </a:ext>
+              </a:extLst>
+            </p:cNvPr>
+            <p:cNvSpPr txBox="1"/>
+            <p:nvPr/>
+          </p:nvSpPr>
+          <p:spPr>
+            <a:xfrm>
+              <a:off x="3066785" y="4427092"/>
+              <a:ext cx="1823870" cy="523220"/>
+            </a:xfrm>
+            <a:prstGeom prst="rect">
+              <a:avLst/>
+            </a:prstGeom>
+            <a:noFill/>
+          </p:spPr>
+          <p:txBody>
+            <a:bodyPr wrap="square" rtlCol="0">
+              <a:spAutoFit/>
+            </a:bodyPr>
+            <a:lstStyle/>
+            <a:p>
+              <a:pPr algn="ctr"/>
+              <a:r>
+                <a:rPr kumimoji="1" lang="en-US" altLang="ja-JP" sz="1400" dirty="0">
+                  <a:latin typeface="Arial" panose="020B0604020202020204" pitchFamily="34" charset="0"/>
+                  <a:cs typeface="Arial" panose="020B0604020202020204" pitchFamily="34" charset="0"/>
+                </a:rPr>
+                <a:t>Conv1d</a:t>
+              </a:r>
+            </a:p>
+            <a:p>
+              <a:pPr algn="ctr"/>
+              <a:r>
+                <a:rPr kumimoji="1" lang="en-US" altLang="ja-JP" sz="1400" dirty="0">
+                  <a:latin typeface="Arial" panose="020B0604020202020204" pitchFamily="34" charset="0"/>
+                  <a:cs typeface="Arial" panose="020B0604020202020204" pitchFamily="34" charset="0"/>
+                </a:rPr>
+                <a:t>layer</a:t>
+              </a:r>
+              <a:endParaRPr kumimoji="1" lang="ja-JP" altLang="en-US" sz="1400" dirty="0">
+                <a:latin typeface="Arial" panose="020B0604020202020204" pitchFamily="34" charset="0"/>
+                <a:cs typeface="Arial" panose="020B0604020202020204" pitchFamily="34" charset="0"/>
+              </a:endParaRPr>
+            </a:p>
+          </p:txBody>
+        </p:sp>
+        <p:sp>
+          <p:nvSpPr>
+            <p:cNvPr id="76" name="テキスト ボックス 75">
+              <a:extLst>
+                <a:ext uri="{FF2B5EF4-FFF2-40B4-BE49-F238E27FC236}">
+                  <a16:creationId xmlns:a16="http://schemas.microsoft.com/office/drawing/2014/main" id="{51154A73-4594-44B7-A4FF-DDFB1046DFF1}"/>
+                </a:ext>
+              </a:extLst>
+            </p:cNvPr>
+            <p:cNvSpPr txBox="1"/>
+            <p:nvPr/>
+          </p:nvSpPr>
+          <p:spPr>
+            <a:xfrm>
+              <a:off x="4322949" y="4431070"/>
+              <a:ext cx="1823870" cy="523220"/>
+            </a:xfrm>
+            <a:prstGeom prst="rect">
+              <a:avLst/>
+            </a:prstGeom>
+            <a:noFill/>
+          </p:spPr>
+          <p:txBody>
+            <a:bodyPr wrap="square" rtlCol="0">
+              <a:spAutoFit/>
+            </a:bodyPr>
+            <a:lstStyle/>
+            <a:p>
+              <a:pPr algn="ctr"/>
+              <a:r>
+                <a:rPr kumimoji="1" lang="en-US" altLang="ja-JP" sz="1400" dirty="0">
+                  <a:latin typeface="Arial" panose="020B0604020202020204" pitchFamily="34" charset="0"/>
+                  <a:cs typeface="Arial" panose="020B0604020202020204" pitchFamily="34" charset="0"/>
+                </a:rPr>
+                <a:t>LSTM</a:t>
+              </a:r>
+            </a:p>
+            <a:p>
+              <a:pPr algn="ctr"/>
+              <a:r>
+                <a:rPr kumimoji="1" lang="en-US" altLang="ja-JP" sz="1400" dirty="0">
+                  <a:latin typeface="Arial" panose="020B0604020202020204" pitchFamily="34" charset="0"/>
+                  <a:cs typeface="Arial" panose="020B0604020202020204" pitchFamily="34" charset="0"/>
+                </a:rPr>
+                <a:t>layer</a:t>
+              </a:r>
+              <a:endParaRPr kumimoji="1" lang="ja-JP" altLang="en-US" sz="1400" dirty="0">
+                <a:latin typeface="Arial" panose="020B0604020202020204" pitchFamily="34" charset="0"/>
+                <a:cs typeface="Arial" panose="020B0604020202020204" pitchFamily="34" charset="0"/>
+              </a:endParaRPr>
+            </a:p>
+          </p:txBody>
+        </p:sp>
+        <p:sp>
+          <p:nvSpPr>
+            <p:cNvPr id="78" name="テキスト ボックス 77">
+              <a:extLst>
+                <a:ext uri="{FF2B5EF4-FFF2-40B4-BE49-F238E27FC236}">
+                  <a16:creationId xmlns:a16="http://schemas.microsoft.com/office/drawing/2014/main" id="{2A18CB87-AA3F-4CA6-BBEB-F7D716CDA236}"/>
+                </a:ext>
+              </a:extLst>
+            </p:cNvPr>
+            <p:cNvSpPr txBox="1"/>
+            <p:nvPr/>
+          </p:nvSpPr>
+          <p:spPr>
+            <a:xfrm>
+              <a:off x="5475711" y="4431070"/>
+              <a:ext cx="1823870" cy="523220"/>
+            </a:xfrm>
+            <a:prstGeom prst="rect">
+              <a:avLst/>
+            </a:prstGeom>
+            <a:noFill/>
+          </p:spPr>
+          <p:txBody>
+            <a:bodyPr wrap="square" rtlCol="0">
+              <a:spAutoFit/>
+            </a:bodyPr>
+            <a:lstStyle/>
+            <a:p>
+              <a:pPr algn="ctr"/>
+              <a:r>
+                <a:rPr kumimoji="1" lang="en-US" altLang="ja-JP" sz="1400" dirty="0">
+                  <a:latin typeface="Arial" panose="020B0604020202020204" pitchFamily="34" charset="0"/>
+                  <a:cs typeface="Arial" panose="020B0604020202020204" pitchFamily="34" charset="0"/>
+                </a:rPr>
+                <a:t>Linear</a:t>
+              </a:r>
+            </a:p>
+            <a:p>
+              <a:pPr algn="ctr"/>
+              <a:r>
+                <a:rPr kumimoji="1" lang="en-US" altLang="ja-JP" sz="1400" dirty="0">
+                  <a:latin typeface="Arial" panose="020B0604020202020204" pitchFamily="34" charset="0"/>
+                  <a:cs typeface="Arial" panose="020B0604020202020204" pitchFamily="34" charset="0"/>
+                </a:rPr>
+                <a:t>layer</a:t>
+              </a:r>
+              <a:endParaRPr kumimoji="1" lang="ja-JP" altLang="en-US" sz="1400" dirty="0">
+                <a:latin typeface="Arial" panose="020B0604020202020204" pitchFamily="34" charset="0"/>
+                <a:cs typeface="Arial" panose="020B0604020202020204" pitchFamily="34" charset="0"/>
+              </a:endParaRPr>
+            </a:p>
+          </p:txBody>
+        </p:sp>
+        <p:sp>
+          <p:nvSpPr>
+            <p:cNvPr id="79" name="テキスト ボックス 78">
+              <a:extLst>
+                <a:ext uri="{FF2B5EF4-FFF2-40B4-BE49-F238E27FC236}">
+                  <a16:creationId xmlns:a16="http://schemas.microsoft.com/office/drawing/2014/main" id="{AA318798-D0AD-4224-9216-406E4D118ACE}"/>
+                </a:ext>
+              </a:extLst>
+            </p:cNvPr>
+            <p:cNvSpPr txBox="1"/>
+            <p:nvPr/>
+          </p:nvSpPr>
+          <p:spPr>
+            <a:xfrm>
+              <a:off x="6628473" y="4433898"/>
+              <a:ext cx="1823870" cy="523220"/>
+            </a:xfrm>
+            <a:prstGeom prst="rect">
+              <a:avLst/>
+            </a:prstGeom>
+            <a:noFill/>
+          </p:spPr>
+          <p:txBody>
+            <a:bodyPr wrap="square" rtlCol="0">
+              <a:spAutoFit/>
+            </a:bodyPr>
+            <a:lstStyle/>
+            <a:p>
+              <a:pPr algn="ctr"/>
+              <a:r>
+                <a:rPr kumimoji="1" lang="en-US" altLang="ja-JP" sz="1400" dirty="0">
+                  <a:latin typeface="Arial" panose="020B0604020202020204" pitchFamily="34" charset="0"/>
+                  <a:cs typeface="Arial" panose="020B0604020202020204" pitchFamily="34" charset="0"/>
+                </a:rPr>
+                <a:t>Sigmoid</a:t>
+              </a:r>
+            </a:p>
+            <a:p>
+              <a:pPr algn="ctr"/>
+              <a:r>
+                <a:rPr kumimoji="1" lang="en-US" altLang="ja-JP" sz="1400" dirty="0">
+                  <a:latin typeface="Arial" panose="020B0604020202020204" pitchFamily="34" charset="0"/>
+                  <a:cs typeface="Arial" panose="020B0604020202020204" pitchFamily="34" charset="0"/>
+                </a:rPr>
+                <a:t>layer</a:t>
+              </a:r>
+              <a:endParaRPr kumimoji="1" lang="ja-JP" altLang="en-US" sz="1400" dirty="0">
+                <a:latin typeface="Arial" panose="020B0604020202020204" pitchFamily="34" charset="0"/>
+                <a:cs typeface="Arial" panose="020B0604020202020204" pitchFamily="34" charset="0"/>
+              </a:endParaRPr>
+            </a:p>
+          </p:txBody>
+        </p:sp>
+        <p:sp>
+          <p:nvSpPr>
+            <p:cNvPr id="80" name="テキスト ボックス 79">
+              <a:extLst>
+                <a:ext uri="{FF2B5EF4-FFF2-40B4-BE49-F238E27FC236}">
+                  <a16:creationId xmlns:a16="http://schemas.microsoft.com/office/drawing/2014/main" id="{7E45FA1C-D3E9-4B0B-A400-D9A3C38A506E}"/>
+                </a:ext>
+              </a:extLst>
+            </p:cNvPr>
+            <p:cNvSpPr txBox="1"/>
+            <p:nvPr/>
+          </p:nvSpPr>
+          <p:spPr>
+            <a:xfrm>
+              <a:off x="8636618" y="4373151"/>
+              <a:ext cx="1823870" cy="523220"/>
+            </a:xfrm>
+            <a:prstGeom prst="rect">
+              <a:avLst/>
+            </a:prstGeom>
+            <a:noFill/>
+          </p:spPr>
+          <p:txBody>
+            <a:bodyPr wrap="square" rtlCol="0">
+              <a:spAutoFit/>
+            </a:bodyPr>
+            <a:lstStyle/>
+            <a:p>
+              <a:pPr algn="ctr"/>
+              <a:r>
+                <a:rPr kumimoji="1" lang="en-US" altLang="ja-JP" sz="1400" dirty="0">
+                  <a:latin typeface="Arial" panose="020B0604020202020204" pitchFamily="34" charset="0"/>
+                  <a:cs typeface="Arial" panose="020B0604020202020204" pitchFamily="34" charset="0"/>
+                </a:rPr>
+                <a:t>Final Activation</a:t>
+              </a:r>
+            </a:p>
+            <a:p>
+              <a:pPr algn="ctr"/>
+              <a:r>
+                <a:rPr lang="en-US" altLang="ja-JP" sz="1400" dirty="0">
+                  <a:latin typeface="Arial" panose="020B0604020202020204" pitchFamily="34" charset="0"/>
+                  <a:cs typeface="Arial" panose="020B0604020202020204" pitchFamily="34" charset="0"/>
+                </a:rPr>
+                <a:t>layer</a:t>
+              </a:r>
+              <a:endParaRPr kumimoji="1" lang="ja-JP" altLang="en-US" sz="1400" dirty="0">
+                <a:latin typeface="Arial" panose="020B0604020202020204" pitchFamily="34" charset="0"/>
+                <a:cs typeface="Arial" panose="020B0604020202020204" pitchFamily="34" charset="0"/>
+              </a:endParaRPr>
+            </a:p>
+          </p:txBody>
+        </p:sp>
+        <mc:AlternateContent xmlns:mc="http://schemas.openxmlformats.org/markup-compatibility/2006">
+          <mc:Choice xmlns:a14="http://schemas.microsoft.com/office/drawing/2010/main" Requires="a14">
+            <p:sp>
+              <p:nvSpPr>
+                <p:cNvPr id="82" name="テキスト ボックス 81">
+                  <a:extLst>
+                    <a:ext uri="{FF2B5EF4-FFF2-40B4-BE49-F238E27FC236}">
+                      <a16:creationId xmlns:a16="http://schemas.microsoft.com/office/drawing/2014/main" id="{A5FAF2E8-2D0A-4E4A-8E01-D490DEA7CAA0}"/>
+                    </a:ext>
+                  </a:extLst>
+                </p:cNvPr>
+                <p:cNvSpPr txBox="1"/>
+                <p:nvPr/>
+              </p:nvSpPr>
+              <p:spPr>
+                <a:xfrm>
+                  <a:off x="1684432" y="1148595"/>
+                  <a:ext cx="1823870" cy="261610"/>
+                </a:xfrm>
+                <a:prstGeom prst="rect">
+                  <a:avLst/>
+                </a:prstGeom>
+                <a:noFill/>
+              </p:spPr>
+              <p:txBody>
+                <a:bodyPr wrap="square" rtlCol="0">
+                  <a:spAutoFit/>
+                </a:bodyPr>
+                <a:lstStyle/>
+                <a:p>
+                  <a:pPr algn="ctr"/>
+                  <a:r>
+                    <a:rPr lang="en-US" altLang="ja-JP" sz="1100" dirty="0">
+                      <a:latin typeface="Arial" panose="020B0604020202020204" pitchFamily="34" charset="0"/>
+                      <a:cs typeface="Arial" panose="020B0604020202020204" pitchFamily="34" charset="0"/>
+                    </a:rPr>
+                    <a:t>21ch×</a:t>
+                  </a:r>
+                  <a14:m>
+                    <m:oMath xmlns:m="http://schemas.openxmlformats.org/officeDocument/2006/math">
+                      <m:r>
+                        <a:rPr lang="en-US" altLang="ja-JP" sz="1100" b="0" i="1" smtClean="0">
+                          <a:latin typeface="Cambria Math" panose="02040503050406030204" pitchFamily="18" charset="0"/>
+                          <a:cs typeface="Arial" panose="020B0604020202020204" pitchFamily="34" charset="0"/>
+                        </a:rPr>
+                        <m:t>𝑁</m:t>
+                      </m:r>
+                      <m:r>
+                        <a:rPr lang="en-US" altLang="ja-JP" sz="1100" b="0" i="1" smtClean="0">
+                          <a:latin typeface="Cambria Math" panose="02040503050406030204" pitchFamily="18" charset="0"/>
+                          <a:cs typeface="Arial" panose="020B0604020202020204" pitchFamily="34" charset="0"/>
+                        </a:rPr>
+                        <m:t>′</m:t>
+                      </m:r>
+                    </m:oMath>
+                  </a14:m>
+                  <a:endParaRPr kumimoji="1" lang="ja-JP" altLang="en-US" sz="1100" dirty="0">
+                    <a:latin typeface="Arial" panose="020B0604020202020204" pitchFamily="34" charset="0"/>
+                    <a:cs typeface="Arial" panose="020B0604020202020204" pitchFamily="34" charset="0"/>
+                  </a:endParaRPr>
+                </a:p>
+              </p:txBody>
+            </p:sp>
+          </mc:Choice>
+          <mc:Fallback>
+            <p:sp>
+              <p:nvSpPr>
+                <p:cNvPr id="82" name="テキスト ボックス 81">
+                  <a:extLst>
+                    <a:ext uri="{FF2B5EF4-FFF2-40B4-BE49-F238E27FC236}">
+                      <a16:creationId xmlns:a16="http://schemas.microsoft.com/office/drawing/2014/main" id="{A5FAF2E8-2D0A-4E4A-8E01-D490DEA7CAA0}"/>
+                    </a:ext>
+                  </a:extLst>
+                </p:cNvPr>
+                <p:cNvSpPr txBox="1">
+                  <a:spLocks noRot="1" noChangeAspect="1" noMove="1" noResize="1" noEditPoints="1" noAdjustHandles="1" noChangeArrowheads="1" noChangeShapeType="1" noTextEdit="1"/>
+                </p:cNvSpPr>
+                <p:nvPr/>
+              </p:nvSpPr>
+              <p:spPr>
+                <a:xfrm>
+                  <a:off x="1684432" y="1148595"/>
+                  <a:ext cx="1823870" cy="261610"/>
+                </a:xfrm>
+                <a:prstGeom prst="rect">
+                  <a:avLst/>
+                </a:prstGeom>
+                <a:blipFill>
+                  <a:blip r:embed="rId6"/>
+                  <a:stretch>
+                    <a:fillRect t="-4651" b="-16279"/>
+                  </a:stretch>
+                </a:blipFill>
+              </p:spPr>
+              <p:txBody>
+                <a:bodyPr/>
+                <a:lstStyle/>
+                <a:p>
+                  <a:r>
+                    <a:rPr lang="ja-JP" altLang="en-US">
+                      <a:noFill/>
+                    </a:rPr>
+                    <a:t> </a:t>
+                  </a:r>
+                </a:p>
+              </p:txBody>
+            </p:sp>
+          </mc:Fallback>
+        </mc:AlternateContent>
+        <mc:AlternateContent xmlns:mc="http://schemas.openxmlformats.org/markup-compatibility/2006">
+          <mc:Choice xmlns:a14="http://schemas.microsoft.com/office/drawing/2010/main" Requires="a14">
+            <p:sp>
+              <p:nvSpPr>
+                <p:cNvPr id="83" name="テキスト ボックス 82">
+                  <a:extLst>
+                    <a:ext uri="{FF2B5EF4-FFF2-40B4-BE49-F238E27FC236}">
+                      <a16:creationId xmlns:a16="http://schemas.microsoft.com/office/drawing/2014/main" id="{F38D90D7-FCA3-4794-AB59-022FE5DD5A27}"/>
+                    </a:ext>
+                  </a:extLst>
+                </p:cNvPr>
+                <p:cNvSpPr txBox="1"/>
+                <p:nvPr/>
+              </p:nvSpPr>
+              <p:spPr>
+                <a:xfrm>
+                  <a:off x="3069077" y="1150590"/>
+                  <a:ext cx="1823870" cy="261610"/>
+                </a:xfrm>
+                <a:prstGeom prst="rect">
+                  <a:avLst/>
+                </a:prstGeom>
+                <a:noFill/>
+              </p:spPr>
+              <p:txBody>
+                <a:bodyPr wrap="square" rtlCol="0">
+                  <a:spAutoFit/>
+                </a:bodyPr>
+                <a:lstStyle/>
+                <a:p>
+                  <a:pPr algn="ctr"/>
+                  <a:r>
+                    <a:rPr lang="en-US" altLang="ja-JP" sz="1100" dirty="0">
+                      <a:latin typeface="Arial" panose="020B0604020202020204" pitchFamily="34" charset="0"/>
+                      <a:cs typeface="Arial" panose="020B0604020202020204" pitchFamily="34" charset="0"/>
+                    </a:rPr>
+                    <a:t>21ch×6maps×</a:t>
+                  </a:r>
+                  <a14:m>
+                    <m:oMath xmlns:m="http://schemas.openxmlformats.org/officeDocument/2006/math">
+                      <m:r>
+                        <a:rPr lang="en-US" altLang="ja-JP" sz="1100" b="0" i="1" smtClean="0">
+                          <a:latin typeface="Cambria Math" panose="02040503050406030204" pitchFamily="18" charset="0"/>
+                          <a:cs typeface="Arial" panose="020B0604020202020204" pitchFamily="34" charset="0"/>
+                        </a:rPr>
+                        <m:t>𝑁</m:t>
+                      </m:r>
+                      <m:r>
+                        <a:rPr lang="en-US" altLang="ja-JP" sz="1100" b="0" i="1" smtClean="0">
+                          <a:latin typeface="Cambria Math" panose="02040503050406030204" pitchFamily="18" charset="0"/>
+                          <a:cs typeface="Arial" panose="020B0604020202020204" pitchFamily="34" charset="0"/>
+                        </a:rPr>
+                        <m:t>′</m:t>
+                      </m:r>
+                    </m:oMath>
+                  </a14:m>
+                  <a:endParaRPr kumimoji="1" lang="ja-JP" altLang="en-US" sz="1100" dirty="0">
+                    <a:latin typeface="Arial" panose="020B0604020202020204" pitchFamily="34" charset="0"/>
+                    <a:cs typeface="Arial" panose="020B0604020202020204" pitchFamily="34" charset="0"/>
+                  </a:endParaRPr>
+                </a:p>
+              </p:txBody>
+            </p:sp>
+          </mc:Choice>
+          <mc:Fallback>
+            <p:sp>
+              <p:nvSpPr>
+                <p:cNvPr id="83" name="テキスト ボックス 82">
+                  <a:extLst>
+                    <a:ext uri="{FF2B5EF4-FFF2-40B4-BE49-F238E27FC236}">
+                      <a16:creationId xmlns:a16="http://schemas.microsoft.com/office/drawing/2014/main" id="{F38D90D7-FCA3-4794-AB59-022FE5DD5A27}"/>
+                    </a:ext>
+                  </a:extLst>
+                </p:cNvPr>
+                <p:cNvSpPr txBox="1">
+                  <a:spLocks noRot="1" noChangeAspect="1" noMove="1" noResize="1" noEditPoints="1" noAdjustHandles="1" noChangeArrowheads="1" noChangeShapeType="1" noTextEdit="1"/>
+                </p:cNvSpPr>
+                <p:nvPr/>
+              </p:nvSpPr>
+              <p:spPr>
+                <a:xfrm>
+                  <a:off x="3069077" y="1150590"/>
+                  <a:ext cx="1823870" cy="261610"/>
+                </a:xfrm>
+                <a:prstGeom prst="rect">
+                  <a:avLst/>
+                </a:prstGeom>
+                <a:blipFill>
+                  <a:blip r:embed="rId7"/>
+                  <a:stretch>
+                    <a:fillRect t="-4651" b="-16279"/>
+                  </a:stretch>
+                </a:blipFill>
+              </p:spPr>
+              <p:txBody>
+                <a:bodyPr/>
+                <a:lstStyle/>
+                <a:p>
+                  <a:r>
+                    <a:rPr lang="ja-JP" altLang="en-US">
+                      <a:noFill/>
+                    </a:rPr>
+                    <a:t> </a:t>
+                  </a:r>
+                </a:p>
+              </p:txBody>
+            </p:sp>
+          </mc:Fallback>
+        </mc:AlternateContent>
+        <p:sp>
+          <p:nvSpPr>
+            <p:cNvPr id="84" name="テキスト ボックス 83">
+              <a:extLst>
+                <a:ext uri="{FF2B5EF4-FFF2-40B4-BE49-F238E27FC236}">
+                  <a16:creationId xmlns:a16="http://schemas.microsoft.com/office/drawing/2014/main" id="{ABC0E0C5-7DB3-4603-9909-FAC4FE0380A9}"/>
+                </a:ext>
+              </a:extLst>
+            </p:cNvPr>
+            <p:cNvSpPr txBox="1"/>
+            <p:nvPr/>
+          </p:nvSpPr>
+          <p:spPr>
+            <a:xfrm>
+              <a:off x="4950303" y="1148595"/>
+              <a:ext cx="559393" cy="261610"/>
             </a:xfrm>
             <a:prstGeom prst="rect">
               <a:avLst/>
@@ -5545,7 +7914,136 @@
                   <a:latin typeface="Arial" panose="020B0604020202020204" pitchFamily="34" charset="0"/>
                   <a:cs typeface="Arial" panose="020B0604020202020204" pitchFamily="34" charset="0"/>
                 </a:rPr>
-                <a:t>from one file</a:t>
+                <a:t>24</a:t>
+              </a:r>
+              <a:endParaRPr kumimoji="1" lang="ja-JP" altLang="en-US" sz="1100" dirty="0">
+                <a:latin typeface="Arial" panose="020B0604020202020204" pitchFamily="34" charset="0"/>
+                <a:cs typeface="Arial" panose="020B0604020202020204" pitchFamily="34" charset="0"/>
+              </a:endParaRPr>
+            </a:p>
+          </p:txBody>
+        </p:sp>
+        <p:sp>
+          <p:nvSpPr>
+            <p:cNvPr id="85" name="テキスト ボックス 84">
+              <a:extLst>
+                <a:ext uri="{FF2B5EF4-FFF2-40B4-BE49-F238E27FC236}">
+                  <a16:creationId xmlns:a16="http://schemas.microsoft.com/office/drawing/2014/main" id="{BE6A6D6B-D590-4472-9823-E3855AA35AF5}"/>
+                </a:ext>
+              </a:extLst>
+            </p:cNvPr>
+            <p:cNvSpPr txBox="1"/>
+            <p:nvPr/>
+          </p:nvSpPr>
+          <p:spPr>
+            <a:xfrm>
+              <a:off x="6104313" y="1153279"/>
+              <a:ext cx="559393" cy="261610"/>
+            </a:xfrm>
+            <a:prstGeom prst="rect">
+              <a:avLst/>
+            </a:prstGeom>
+            <a:noFill/>
+          </p:spPr>
+          <p:txBody>
+            <a:bodyPr wrap="square" rtlCol="0">
+              <a:spAutoFit/>
+            </a:bodyPr>
+            <a:lstStyle/>
+            <a:p>
+              <a:pPr algn="ctr"/>
+              <a:r>
+                <a:rPr lang="en-US" altLang="ja-JP" sz="1100" dirty="0">
+                  <a:latin typeface="Arial" panose="020B0604020202020204" pitchFamily="34" charset="0"/>
+                  <a:cs typeface="Arial" panose="020B0604020202020204" pitchFamily="34" charset="0"/>
+                </a:rPr>
+                <a:t>10</a:t>
+              </a:r>
+              <a:endParaRPr kumimoji="1" lang="ja-JP" altLang="en-US" sz="1100" dirty="0">
+                <a:latin typeface="Arial" panose="020B0604020202020204" pitchFamily="34" charset="0"/>
+                <a:cs typeface="Arial" panose="020B0604020202020204" pitchFamily="34" charset="0"/>
+              </a:endParaRPr>
+            </a:p>
+          </p:txBody>
+        </p:sp>
+        <p:sp>
+          <p:nvSpPr>
+            <p:cNvPr id="86" name="テキスト ボックス 85">
+              <a:extLst>
+                <a:ext uri="{FF2B5EF4-FFF2-40B4-BE49-F238E27FC236}">
+                  <a16:creationId xmlns:a16="http://schemas.microsoft.com/office/drawing/2014/main" id="{127D4027-54F8-4488-90DD-637FEA03FB79}"/>
+                </a:ext>
+              </a:extLst>
+            </p:cNvPr>
+            <p:cNvSpPr txBox="1"/>
+            <p:nvPr/>
+          </p:nvSpPr>
+          <p:spPr>
+            <a:xfrm>
+              <a:off x="7259346" y="1148595"/>
+              <a:ext cx="559393" cy="261610"/>
+            </a:xfrm>
+            <a:prstGeom prst="rect">
+              <a:avLst/>
+            </a:prstGeom>
+            <a:noFill/>
+          </p:spPr>
+          <p:txBody>
+            <a:bodyPr wrap="square" rtlCol="0">
+              <a:spAutoFit/>
+            </a:bodyPr>
+            <a:lstStyle/>
+            <a:p>
+              <a:pPr algn="ctr"/>
+              <a:r>
+                <a:rPr lang="en-US" altLang="ja-JP" sz="1100" dirty="0">
+                  <a:latin typeface="Arial" panose="020B0604020202020204" pitchFamily="34" charset="0"/>
+                  <a:cs typeface="Arial" panose="020B0604020202020204" pitchFamily="34" charset="0"/>
+                </a:rPr>
+                <a:t>10</a:t>
+              </a:r>
+              <a:endParaRPr kumimoji="1" lang="ja-JP" altLang="en-US" sz="1100" dirty="0">
+                <a:latin typeface="Arial" panose="020B0604020202020204" pitchFamily="34" charset="0"/>
+                <a:cs typeface="Arial" panose="020B0604020202020204" pitchFamily="34" charset="0"/>
+              </a:endParaRPr>
+            </a:p>
+          </p:txBody>
+        </p:sp>
+        <p:sp>
+          <p:nvSpPr>
+            <p:cNvPr id="87" name="テキスト ボックス 86">
+              <a:extLst>
+                <a:ext uri="{FF2B5EF4-FFF2-40B4-BE49-F238E27FC236}">
+                  <a16:creationId xmlns:a16="http://schemas.microsoft.com/office/drawing/2014/main" id="{87BE1439-06A9-4809-A3CA-4D074BC8DBCA}"/>
+                </a:ext>
+              </a:extLst>
+            </p:cNvPr>
+            <p:cNvSpPr txBox="1"/>
+            <p:nvPr/>
+          </p:nvSpPr>
+          <p:spPr>
+            <a:xfrm>
+              <a:off x="8703122" y="1206786"/>
+              <a:ext cx="559393" cy="261610"/>
+            </a:xfrm>
+            <a:prstGeom prst="rect">
+              <a:avLst/>
+            </a:prstGeom>
+            <a:noFill/>
+          </p:spPr>
+          <p:txBody>
+            <a:bodyPr wrap="square" rtlCol="0">
+              <a:spAutoFit/>
+            </a:bodyPr>
+            <a:lstStyle/>
+            <a:p>
+              <a:pPr algn="ctr"/>
+              <a:r>
+                <a:rPr lang="en-US" altLang="ja-JP" sz="1100" dirty="0">
+                  <a:latin typeface="Arial" panose="020B0604020202020204" pitchFamily="34" charset="0"/>
+                  <a:cs typeface="Arial" panose="020B0604020202020204" pitchFamily="34" charset="0"/>
+                </a:rPr>
+                <a:t>10</a:t>
               </a:r>
               <a:endParaRPr kumimoji="1" lang="ja-JP" altLang="en-US" sz="1100" dirty="0">
                 <a:latin typeface="Arial" panose="020B0604020202020204" pitchFamily="34" charset="0"/>
@@ -5558,7 +8056,7 @@
     </p:spTree>
     <p:extLst>
       <p:ext uri="{BB962C8B-B14F-4D97-AF65-F5344CB8AC3E}">
-        <p14:creationId xmlns:p14="http://schemas.microsoft.com/office/powerpoint/2010/main" val="3170801824"/>
+        <p14:creationId xmlns:p14="http://schemas.microsoft.com/office/powerpoint/2010/main" val="340140907"/>
       </p:ext>
     </p:extLst>
   </p:cSld>

--- a/paper/ABC2021BentoChallenge/figures/figures.pptx
+++ b/paper/ABC2021BentoChallenge/figures/figures.pptx
@@ -5125,8 +5125,8 @@
             </a:p>
           </p:txBody>
         </p:sp>
-        <mc:AlternateContent xmlns:mc="http://schemas.openxmlformats.org/markup-compatibility/2006">
-          <mc:Choice xmlns:a14="http://schemas.microsoft.com/office/drawing/2010/main" Requires="a14">
+        <mc:AlternateContent xmlns:mc="http://schemas.openxmlformats.org/markup-compatibility/2006" xmlns:a14="http://schemas.microsoft.com/office/drawing/2010/main">
+          <mc:Choice Requires="a14">
             <p:sp>
               <p:nvSpPr>
                 <p:cNvPr id="80" name="テキスト ボックス 79">
@@ -5182,7 +5182,7 @@
               </p:txBody>
             </p:sp>
           </mc:Choice>
-          <mc:Fallback>
+          <mc:Fallback xmlns="">
             <p:sp>
               <p:nvSpPr>
                 <p:cNvPr id="80" name="テキスト ボックス 79">
@@ -5271,8 +5271,8 @@
             </a:fontRef>
           </p:style>
         </p:cxnSp>
-        <mc:AlternateContent xmlns:mc="http://schemas.openxmlformats.org/markup-compatibility/2006">
-          <mc:Choice xmlns:a14="http://schemas.microsoft.com/office/drawing/2010/main" Requires="a14">
+        <mc:AlternateContent xmlns:mc="http://schemas.openxmlformats.org/markup-compatibility/2006" xmlns:a14="http://schemas.microsoft.com/office/drawing/2010/main">
+          <mc:Choice Requires="a14">
             <p:sp>
               <p:nvSpPr>
                 <p:cNvPr id="57" name="テキスト ボックス 56">
@@ -5328,7 +5328,7 @@
               </p:txBody>
             </p:sp>
           </mc:Choice>
-          <mc:Fallback>
+          <mc:Fallback xmlns="">
             <p:sp>
               <p:nvSpPr>
                 <p:cNvPr id="57" name="テキスト ボックス 56">
@@ -7709,13 +7709,6 @@
                         </a:rPr>
                         <m:t>𝑁</m:t>
                       </m:r>
-                      <m:r>
-                        <a:rPr lang="en-US" altLang="ja-JP" sz="1100" b="0" i="1" smtClean="0">
-                          <a:latin typeface="Cambria Math" panose="02040503050406030204" pitchFamily="18" charset="0"/>
-                          <a:cs typeface="Arial" panose="020B0604020202020204" pitchFamily="34" charset="0"/>
-                        </a:rPr>
-                        <m:t>′</m:t>
-                      </m:r>
                     </m:oMath>
                   </a14:m>
                   <a:endParaRPr kumimoji="1" lang="ja-JP" altLang="en-US" sz="1100" dirty="0">
@@ -7771,8 +7764,8 @@
             </p:sp>
           </mc:Fallback>
         </mc:AlternateContent>
-        <mc:AlternateContent xmlns:mc="http://schemas.openxmlformats.org/markup-compatibility/2006">
-          <mc:Choice xmlns:a14="http://schemas.microsoft.com/office/drawing/2010/main" Requires="a14">
+        <mc:AlternateContent xmlns:mc="http://schemas.openxmlformats.org/markup-compatibility/2006" xmlns:a14="http://schemas.microsoft.com/office/drawing/2010/main">
+          <mc:Choice Requires="a14">
             <p:sp>
               <p:nvSpPr>
                 <p:cNvPr id="83" name="テキスト ボックス 82">
@@ -7835,7 +7828,7 @@
               </p:txBody>
             </p:sp>
           </mc:Choice>
-          <mc:Fallback>
+          <mc:Fallback xmlns="">
             <p:sp>
               <p:nvSpPr>
                 <p:cNvPr id="83" name="テキスト ボックス 82">
